--- a/scratch-leapmotion/instructions/en/Balloon Pop.pptx
+++ b/scratch-leapmotion/instructions/en/Balloon Pop.pptx
@@ -72,7 +72,7 @@
         <p:spPr>
           <a:xfrm>
             <a:off x="457200" y="274680"/>
-            <a:ext cx="8228160" cy="1143000"/>
+            <a:ext cx="8227800" cy="1143000"/>
           </a:xfrm>
           <a:prstGeom prst="rect">
             <a:avLst/>
@@ -99,7 +99,7 @@
         <p:spPr>
           <a:xfrm>
             <a:off x="457200" y="1600200"/>
-            <a:ext cx="955440" cy="2157840"/>
+            <a:ext cx="465840" cy="2157840"/>
           </a:xfrm>
           <a:prstGeom prst="rect">
             <a:avLst/>
@@ -125,7 +125,7 @@
         <p:spPr>
           <a:xfrm>
             <a:off x="457200" y="3963600"/>
-            <a:ext cx="955440" cy="2157840"/>
+            <a:ext cx="465840" cy="2157840"/>
           </a:xfrm>
           <a:prstGeom prst="rect">
             <a:avLst/>
@@ -173,7 +173,7 @@
         <p:spPr>
           <a:xfrm>
             <a:off x="457200" y="274680"/>
-            <a:ext cx="8228160" cy="1143000"/>
+            <a:ext cx="8227800" cy="1143000"/>
           </a:xfrm>
           <a:prstGeom prst="rect">
             <a:avLst/>
@@ -200,7 +200,7 @@
         <p:spPr>
           <a:xfrm>
             <a:off x="457200" y="1600200"/>
-            <a:ext cx="466200" cy="2157840"/>
+            <a:ext cx="227160" cy="2157840"/>
           </a:xfrm>
           <a:prstGeom prst="rect">
             <a:avLst/>
@@ -225,8 +225,8 @@
         </p:nvSpPr>
         <p:spPr>
           <a:xfrm>
-            <a:off x="947160" y="1600200"/>
-            <a:ext cx="466200" cy="2157840"/>
+            <a:off x="696240" y="1600200"/>
+            <a:ext cx="227160" cy="2157840"/>
           </a:xfrm>
           <a:prstGeom prst="rect">
             <a:avLst/>
@@ -251,8 +251,8 @@
         </p:nvSpPr>
         <p:spPr>
           <a:xfrm>
-            <a:off x="947160" y="3963600"/>
-            <a:ext cx="466200" cy="2157840"/>
+            <a:off x="696240" y="3963600"/>
+            <a:ext cx="227160" cy="2157840"/>
           </a:xfrm>
           <a:prstGeom prst="rect">
             <a:avLst/>
@@ -278,7 +278,7 @@
         <p:spPr>
           <a:xfrm>
             <a:off x="457200" y="3963600"/>
-            <a:ext cx="466200" cy="2157840"/>
+            <a:ext cx="227160" cy="2157840"/>
           </a:xfrm>
           <a:prstGeom prst="rect">
             <a:avLst/>
@@ -326,7 +326,7 @@
         <p:spPr>
           <a:xfrm>
             <a:off x="457200" y="274680"/>
-            <a:ext cx="8228160" cy="1143000"/>
+            <a:ext cx="8227800" cy="1143000"/>
           </a:xfrm>
           <a:prstGeom prst="rect">
             <a:avLst/>
@@ -353,7 +353,7 @@
         <p:spPr>
           <a:xfrm>
             <a:off x="457200" y="1600200"/>
-            <a:ext cx="955440" cy="4524480"/>
+            <a:ext cx="465840" cy="4524120"/>
           </a:xfrm>
           <a:prstGeom prst="rect">
             <a:avLst/>
@@ -379,7 +379,7 @@
         <p:spPr>
           <a:xfrm>
             <a:off x="457200" y="1600200"/>
-            <a:ext cx="955440" cy="4524480"/>
+            <a:ext cx="465840" cy="4524120"/>
           </a:xfrm>
           <a:prstGeom prst="rect">
             <a:avLst/>
@@ -406,8 +406,8 @@
         </p:blipFill>
         <p:spPr>
           <a:xfrm>
-            <a:off x="457200" y="3481200"/>
-            <a:ext cx="955440" cy="762120"/>
+            <a:off x="457200" y="3676320"/>
+            <a:ext cx="465840" cy="371520"/>
           </a:xfrm>
           <a:prstGeom prst="rect">
             <a:avLst/>
@@ -431,8 +431,8 @@
         </p:blipFill>
         <p:spPr>
           <a:xfrm>
-            <a:off x="457200" y="3481200"/>
-            <a:ext cx="955440" cy="762120"/>
+            <a:off x="457200" y="3676320"/>
+            <a:ext cx="465840" cy="371520"/>
           </a:xfrm>
           <a:prstGeom prst="rect">
             <a:avLst/>
@@ -499,7 +499,7 @@
         <p:spPr>
           <a:xfrm>
             <a:off x="457200" y="274680"/>
-            <a:ext cx="8228160" cy="1143000"/>
+            <a:ext cx="8227800" cy="1143000"/>
           </a:xfrm>
           <a:prstGeom prst="rect">
             <a:avLst/>
@@ -526,7 +526,7 @@
         <p:spPr>
           <a:xfrm>
             <a:off x="457200" y="1600200"/>
-            <a:ext cx="955440" cy="4524840"/>
+            <a:ext cx="465840" cy="4524480"/>
           </a:xfrm>
           <a:prstGeom prst="rect">
             <a:avLst/>
@@ -575,7 +575,7 @@
         <p:spPr>
           <a:xfrm>
             <a:off x="457200" y="274680"/>
-            <a:ext cx="8228160" cy="1143000"/>
+            <a:ext cx="8227800" cy="1143000"/>
           </a:xfrm>
           <a:prstGeom prst="rect">
             <a:avLst/>
@@ -602,7 +602,7 @@
         <p:spPr>
           <a:xfrm>
             <a:off x="457200" y="1600200"/>
-            <a:ext cx="955440" cy="4524480"/>
+            <a:ext cx="465840" cy="4524120"/>
           </a:xfrm>
           <a:prstGeom prst="rect">
             <a:avLst/>
@@ -650,7 +650,7 @@
         <p:spPr>
           <a:xfrm>
             <a:off x="457200" y="274680"/>
-            <a:ext cx="8228160" cy="1143000"/>
+            <a:ext cx="8227800" cy="1143000"/>
           </a:xfrm>
           <a:prstGeom prst="rect">
             <a:avLst/>
@@ -677,7 +677,7 @@
         <p:spPr>
           <a:xfrm>
             <a:off x="457200" y="1600200"/>
-            <a:ext cx="466200" cy="4524480"/>
+            <a:ext cx="227160" cy="4524120"/>
           </a:xfrm>
           <a:prstGeom prst="rect">
             <a:avLst/>
@@ -702,8 +702,8 @@
         </p:nvSpPr>
         <p:spPr>
           <a:xfrm>
-            <a:off x="947160" y="1600200"/>
-            <a:ext cx="466200" cy="4524480"/>
+            <a:off x="696240" y="1600200"/>
+            <a:ext cx="227160" cy="4524120"/>
           </a:xfrm>
           <a:prstGeom prst="rect">
             <a:avLst/>
@@ -751,7 +751,7 @@
         <p:spPr>
           <a:xfrm>
             <a:off x="457200" y="274680"/>
-            <a:ext cx="8228160" cy="1143000"/>
+            <a:ext cx="8227800" cy="1143000"/>
           </a:xfrm>
           <a:prstGeom prst="rect">
             <a:avLst/>
@@ -800,7 +800,7 @@
         <p:spPr>
           <a:xfrm>
             <a:off x="457200" y="274680"/>
-            <a:ext cx="8228160" cy="5298120"/>
+            <a:ext cx="8227800" cy="5298120"/>
           </a:xfrm>
           <a:prstGeom prst="rect">
             <a:avLst/>
@@ -849,7 +849,7 @@
         <p:spPr>
           <a:xfrm>
             <a:off x="457200" y="274680"/>
-            <a:ext cx="8228160" cy="1143000"/>
+            <a:ext cx="8227800" cy="1143000"/>
           </a:xfrm>
           <a:prstGeom prst="rect">
             <a:avLst/>
@@ -876,7 +876,7 @@
         <p:spPr>
           <a:xfrm>
             <a:off x="457200" y="1600200"/>
-            <a:ext cx="466200" cy="2157840"/>
+            <a:ext cx="227160" cy="2157840"/>
           </a:xfrm>
           <a:prstGeom prst="rect">
             <a:avLst/>
@@ -902,7 +902,7 @@
         <p:spPr>
           <a:xfrm>
             <a:off x="457200" y="3963600"/>
-            <a:ext cx="466200" cy="2157840"/>
+            <a:ext cx="227160" cy="2157840"/>
           </a:xfrm>
           <a:prstGeom prst="rect">
             <a:avLst/>
@@ -927,8 +927,8 @@
         </p:nvSpPr>
         <p:spPr>
           <a:xfrm>
-            <a:off x="947160" y="1600200"/>
-            <a:ext cx="466200" cy="4524480"/>
+            <a:off x="696240" y="1600200"/>
+            <a:ext cx="227160" cy="4524120"/>
           </a:xfrm>
           <a:prstGeom prst="rect">
             <a:avLst/>
@@ -976,7 +976,7 @@
         <p:spPr>
           <a:xfrm>
             <a:off x="457200" y="274680"/>
-            <a:ext cx="8228160" cy="1143000"/>
+            <a:ext cx="8227800" cy="1143000"/>
           </a:xfrm>
           <a:prstGeom prst="rect">
             <a:avLst/>
@@ -1003,7 +1003,7 @@
         <p:spPr>
           <a:xfrm>
             <a:off x="457200" y="1600200"/>
-            <a:ext cx="955440" cy="4524840"/>
+            <a:ext cx="465840" cy="4524480"/>
           </a:xfrm>
           <a:prstGeom prst="rect">
             <a:avLst/>
@@ -1052,7 +1052,7 @@
         <p:spPr>
           <a:xfrm>
             <a:off x="457200" y="274680"/>
-            <a:ext cx="8228160" cy="1143000"/>
+            <a:ext cx="8227800" cy="1143000"/>
           </a:xfrm>
           <a:prstGeom prst="rect">
             <a:avLst/>
@@ -1079,7 +1079,7 @@
         <p:spPr>
           <a:xfrm>
             <a:off x="457200" y="1600200"/>
-            <a:ext cx="466200" cy="4524480"/>
+            <a:ext cx="227160" cy="4524120"/>
           </a:xfrm>
           <a:prstGeom prst="rect">
             <a:avLst/>
@@ -1104,8 +1104,8 @@
         </p:nvSpPr>
         <p:spPr>
           <a:xfrm>
-            <a:off x="947160" y="1600200"/>
-            <a:ext cx="466200" cy="2157840"/>
+            <a:off x="696240" y="1600200"/>
+            <a:ext cx="227160" cy="2157840"/>
           </a:xfrm>
           <a:prstGeom prst="rect">
             <a:avLst/>
@@ -1130,8 +1130,8 @@
         </p:nvSpPr>
         <p:spPr>
           <a:xfrm>
-            <a:off x="947160" y="3963600"/>
-            <a:ext cx="466200" cy="2157840"/>
+            <a:off x="696240" y="3963600"/>
+            <a:ext cx="227160" cy="2157840"/>
           </a:xfrm>
           <a:prstGeom prst="rect">
             <a:avLst/>
@@ -1179,7 +1179,7 @@
         <p:spPr>
           <a:xfrm>
             <a:off x="457200" y="274680"/>
-            <a:ext cx="8228160" cy="1143000"/>
+            <a:ext cx="8227800" cy="1143000"/>
           </a:xfrm>
           <a:prstGeom prst="rect">
             <a:avLst/>
@@ -1206,7 +1206,7 @@
         <p:spPr>
           <a:xfrm>
             <a:off x="457200" y="1600200"/>
-            <a:ext cx="466200" cy="2157840"/>
+            <a:ext cx="227160" cy="2157840"/>
           </a:xfrm>
           <a:prstGeom prst="rect">
             <a:avLst/>
@@ -1231,8 +1231,8 @@
         </p:nvSpPr>
         <p:spPr>
           <a:xfrm>
-            <a:off x="947160" y="1600200"/>
-            <a:ext cx="466200" cy="2157840"/>
+            <a:off x="696240" y="1600200"/>
+            <a:ext cx="227160" cy="2157840"/>
           </a:xfrm>
           <a:prstGeom prst="rect">
             <a:avLst/>
@@ -1258,7 +1258,7 @@
         <p:spPr>
           <a:xfrm>
             <a:off x="457200" y="3963600"/>
-            <a:ext cx="955440" cy="2157840"/>
+            <a:ext cx="465840" cy="2157840"/>
           </a:xfrm>
           <a:prstGeom prst="rect">
             <a:avLst/>
@@ -1306,7 +1306,7 @@
         <p:spPr>
           <a:xfrm>
             <a:off x="457200" y="274680"/>
-            <a:ext cx="8228160" cy="1143000"/>
+            <a:ext cx="8227800" cy="1143000"/>
           </a:xfrm>
           <a:prstGeom prst="rect">
             <a:avLst/>
@@ -1333,7 +1333,7 @@
         <p:spPr>
           <a:xfrm>
             <a:off x="457200" y="1600200"/>
-            <a:ext cx="955440" cy="2157840"/>
+            <a:ext cx="465840" cy="2157840"/>
           </a:xfrm>
           <a:prstGeom prst="rect">
             <a:avLst/>
@@ -1359,7 +1359,7 @@
         <p:spPr>
           <a:xfrm>
             <a:off x="457200" y="3963600"/>
-            <a:ext cx="955440" cy="2157840"/>
+            <a:ext cx="465840" cy="2157840"/>
           </a:xfrm>
           <a:prstGeom prst="rect">
             <a:avLst/>
@@ -1407,7 +1407,7 @@
         <p:spPr>
           <a:xfrm>
             <a:off x="457200" y="274680"/>
-            <a:ext cx="8228160" cy="1143000"/>
+            <a:ext cx="8227800" cy="1143000"/>
           </a:xfrm>
           <a:prstGeom prst="rect">
             <a:avLst/>
@@ -1434,7 +1434,7 @@
         <p:spPr>
           <a:xfrm>
             <a:off x="457200" y="1600200"/>
-            <a:ext cx="466200" cy="2157840"/>
+            <a:ext cx="227160" cy="2157840"/>
           </a:xfrm>
           <a:prstGeom prst="rect">
             <a:avLst/>
@@ -1459,8 +1459,8 @@
         </p:nvSpPr>
         <p:spPr>
           <a:xfrm>
-            <a:off x="947160" y="1600200"/>
-            <a:ext cx="466200" cy="2157840"/>
+            <a:off x="696240" y="1600200"/>
+            <a:ext cx="227160" cy="2157840"/>
           </a:xfrm>
           <a:prstGeom prst="rect">
             <a:avLst/>
@@ -1485,8 +1485,8 @@
         </p:nvSpPr>
         <p:spPr>
           <a:xfrm>
-            <a:off x="947160" y="3963600"/>
-            <a:ext cx="466200" cy="2157840"/>
+            <a:off x="696240" y="3963600"/>
+            <a:ext cx="227160" cy="2157840"/>
           </a:xfrm>
           <a:prstGeom prst="rect">
             <a:avLst/>
@@ -1512,7 +1512,7 @@
         <p:spPr>
           <a:xfrm>
             <a:off x="457200" y="3963600"/>
-            <a:ext cx="466200" cy="2157840"/>
+            <a:ext cx="227160" cy="2157840"/>
           </a:xfrm>
           <a:prstGeom prst="rect">
             <a:avLst/>
@@ -1560,7 +1560,7 @@
         <p:spPr>
           <a:xfrm>
             <a:off x="457200" y="274680"/>
-            <a:ext cx="8228160" cy="1143000"/>
+            <a:ext cx="8227800" cy="1143000"/>
           </a:xfrm>
           <a:prstGeom prst="rect">
             <a:avLst/>
@@ -1587,7 +1587,7 @@
         <p:spPr>
           <a:xfrm>
             <a:off x="457200" y="1600200"/>
-            <a:ext cx="955440" cy="4524480"/>
+            <a:ext cx="465840" cy="4524120"/>
           </a:xfrm>
           <a:prstGeom prst="rect">
             <a:avLst/>
@@ -1613,7 +1613,7 @@
         <p:spPr>
           <a:xfrm>
             <a:off x="457200" y="1600200"/>
-            <a:ext cx="955440" cy="4524480"/>
+            <a:ext cx="465840" cy="4524120"/>
           </a:xfrm>
           <a:prstGeom prst="rect">
             <a:avLst/>
@@ -1640,8 +1640,8 @@
         </p:blipFill>
         <p:spPr>
           <a:xfrm>
-            <a:off x="457200" y="3481200"/>
-            <a:ext cx="955440" cy="762120"/>
+            <a:off x="457200" y="3676320"/>
+            <a:ext cx="465840" cy="371520"/>
           </a:xfrm>
           <a:prstGeom prst="rect">
             <a:avLst/>
@@ -1665,8 +1665,8 @@
         </p:blipFill>
         <p:spPr>
           <a:xfrm>
-            <a:off x="457200" y="3481200"/>
-            <a:ext cx="955440" cy="762120"/>
+            <a:off x="457200" y="3676320"/>
+            <a:ext cx="465840" cy="371520"/>
           </a:xfrm>
           <a:prstGeom prst="rect">
             <a:avLst/>
@@ -1711,7 +1711,7 @@
         <p:spPr>
           <a:xfrm>
             <a:off x="457200" y="274680"/>
-            <a:ext cx="8228160" cy="1143000"/>
+            <a:ext cx="8227800" cy="1143000"/>
           </a:xfrm>
           <a:prstGeom prst="rect">
             <a:avLst/>
@@ -1738,7 +1738,7 @@
         <p:spPr>
           <a:xfrm>
             <a:off x="457200" y="1600200"/>
-            <a:ext cx="955440" cy="4524480"/>
+            <a:ext cx="465840" cy="4524120"/>
           </a:xfrm>
           <a:prstGeom prst="rect">
             <a:avLst/>
@@ -1786,7 +1786,7 @@
         <p:spPr>
           <a:xfrm>
             <a:off x="457200" y="274680"/>
-            <a:ext cx="8228160" cy="1143000"/>
+            <a:ext cx="8227800" cy="1143000"/>
           </a:xfrm>
           <a:prstGeom prst="rect">
             <a:avLst/>
@@ -1813,7 +1813,7 @@
         <p:spPr>
           <a:xfrm>
             <a:off x="457200" y="1600200"/>
-            <a:ext cx="466200" cy="4524480"/>
+            <a:ext cx="227160" cy="4524120"/>
           </a:xfrm>
           <a:prstGeom prst="rect">
             <a:avLst/>
@@ -1838,8 +1838,8 @@
         </p:nvSpPr>
         <p:spPr>
           <a:xfrm>
-            <a:off x="947160" y="1600200"/>
-            <a:ext cx="466200" cy="4524480"/>
+            <a:off x="696240" y="1600200"/>
+            <a:ext cx="227160" cy="4524120"/>
           </a:xfrm>
           <a:prstGeom prst="rect">
             <a:avLst/>
@@ -1887,7 +1887,7 @@
         <p:spPr>
           <a:xfrm>
             <a:off x="457200" y="274680"/>
-            <a:ext cx="8228160" cy="1143000"/>
+            <a:ext cx="8227800" cy="1143000"/>
           </a:xfrm>
           <a:prstGeom prst="rect">
             <a:avLst/>
@@ -1936,7 +1936,7 @@
         <p:spPr>
           <a:xfrm>
             <a:off x="457200" y="274680"/>
-            <a:ext cx="8228160" cy="5298120"/>
+            <a:ext cx="8227800" cy="5298120"/>
           </a:xfrm>
           <a:prstGeom prst="rect">
             <a:avLst/>
@@ -1985,7 +1985,7 @@
         <p:spPr>
           <a:xfrm>
             <a:off x="457200" y="274680"/>
-            <a:ext cx="8228160" cy="1143000"/>
+            <a:ext cx="8227800" cy="1143000"/>
           </a:xfrm>
           <a:prstGeom prst="rect">
             <a:avLst/>
@@ -2012,7 +2012,7 @@
         <p:spPr>
           <a:xfrm>
             <a:off x="457200" y="1600200"/>
-            <a:ext cx="466200" cy="2157840"/>
+            <a:ext cx="227160" cy="2157840"/>
           </a:xfrm>
           <a:prstGeom prst="rect">
             <a:avLst/>
@@ -2038,7 +2038,7 @@
         <p:spPr>
           <a:xfrm>
             <a:off x="457200" y="3963600"/>
-            <a:ext cx="466200" cy="2157840"/>
+            <a:ext cx="227160" cy="2157840"/>
           </a:xfrm>
           <a:prstGeom prst="rect">
             <a:avLst/>
@@ -2063,8 +2063,8 @@
         </p:nvSpPr>
         <p:spPr>
           <a:xfrm>
-            <a:off x="947160" y="1600200"/>
-            <a:ext cx="466200" cy="4524480"/>
+            <a:off x="696240" y="1600200"/>
+            <a:ext cx="227160" cy="4524120"/>
           </a:xfrm>
           <a:prstGeom prst="rect">
             <a:avLst/>
@@ -2112,7 +2112,7 @@
         <p:spPr>
           <a:xfrm>
             <a:off x="457200" y="274680"/>
-            <a:ext cx="8228160" cy="1143000"/>
+            <a:ext cx="8227800" cy="1143000"/>
           </a:xfrm>
           <a:prstGeom prst="rect">
             <a:avLst/>
@@ -2139,7 +2139,7 @@
         <p:spPr>
           <a:xfrm>
             <a:off x="457200" y="1600200"/>
-            <a:ext cx="466200" cy="4524480"/>
+            <a:ext cx="227160" cy="4524120"/>
           </a:xfrm>
           <a:prstGeom prst="rect">
             <a:avLst/>
@@ -2164,8 +2164,8 @@
         </p:nvSpPr>
         <p:spPr>
           <a:xfrm>
-            <a:off x="947160" y="1600200"/>
-            <a:ext cx="466200" cy="2157840"/>
+            <a:off x="696240" y="1600200"/>
+            <a:ext cx="227160" cy="2157840"/>
           </a:xfrm>
           <a:prstGeom prst="rect">
             <a:avLst/>
@@ -2190,8 +2190,8 @@
         </p:nvSpPr>
         <p:spPr>
           <a:xfrm>
-            <a:off x="947160" y="3963600"/>
-            <a:ext cx="466200" cy="2157840"/>
+            <a:off x="696240" y="3963600"/>
+            <a:ext cx="227160" cy="2157840"/>
           </a:xfrm>
           <a:prstGeom prst="rect">
             <a:avLst/>
@@ -2239,7 +2239,7 @@
         <p:spPr>
           <a:xfrm>
             <a:off x="457200" y="274680"/>
-            <a:ext cx="8228160" cy="1143000"/>
+            <a:ext cx="8227800" cy="1143000"/>
           </a:xfrm>
           <a:prstGeom prst="rect">
             <a:avLst/>
@@ -2266,7 +2266,7 @@
         <p:spPr>
           <a:xfrm>
             <a:off x="457200" y="1600200"/>
-            <a:ext cx="466200" cy="2157840"/>
+            <a:ext cx="227160" cy="2157840"/>
           </a:xfrm>
           <a:prstGeom prst="rect">
             <a:avLst/>
@@ -2291,8 +2291,8 @@
         </p:nvSpPr>
         <p:spPr>
           <a:xfrm>
-            <a:off x="947160" y="1600200"/>
-            <a:ext cx="466200" cy="2157840"/>
+            <a:off x="696240" y="1600200"/>
+            <a:ext cx="227160" cy="2157840"/>
           </a:xfrm>
           <a:prstGeom prst="rect">
             <a:avLst/>
@@ -2318,7 +2318,7 @@
         <p:spPr>
           <a:xfrm>
             <a:off x="457200" y="3963600"/>
-            <a:ext cx="955440" cy="2157840"/>
+            <a:ext cx="465840" cy="2157840"/>
           </a:xfrm>
           <a:prstGeom prst="rect">
             <a:avLst/>
@@ -2375,7 +2375,7 @@
         <p:spPr>
           <a:xfrm>
             <a:off x="281880" y="6209280"/>
-            <a:ext cx="1453680" cy="510840"/>
+            <a:ext cx="1453320" cy="510480"/>
           </a:xfrm>
           <a:prstGeom prst="rect">
             <a:avLst/>
@@ -2394,7 +2394,7 @@
         <p:spPr>
           <a:xfrm>
             <a:off x="6544800" y="6344280"/>
-            <a:ext cx="2375640" cy="363600"/>
+            <a:ext cx="2375280" cy="363240"/>
           </a:xfrm>
           <a:prstGeom prst="rect">
             <a:avLst/>
@@ -2660,7 +2660,7 @@
         <p:spPr>
           <a:xfrm>
             <a:off x="281880" y="6209280"/>
-            <a:ext cx="1453680" cy="510840"/>
+            <a:ext cx="1453320" cy="510480"/>
           </a:xfrm>
           <a:prstGeom prst="rect">
             <a:avLst/>
@@ -2679,7 +2679,7 @@
         <p:spPr>
           <a:xfrm>
             <a:off x="6544800" y="6344280"/>
-            <a:ext cx="2375640" cy="363600"/>
+            <a:ext cx="2375280" cy="363240"/>
           </a:xfrm>
           <a:prstGeom prst="rect">
             <a:avLst/>
@@ -2745,7 +2745,7 @@
         <p:spPr>
           <a:xfrm>
             <a:off x="457200" y="274680"/>
-            <a:ext cx="8228160" cy="1142640"/>
+            <a:ext cx="8227800" cy="1142640"/>
           </a:xfrm>
           <a:prstGeom prst="rect">
             <a:avLst/>
@@ -2777,7 +2777,7 @@
         <p:spPr>
           <a:xfrm>
             <a:off x="457200" y="1600200"/>
-            <a:ext cx="955440" cy="4524480"/>
+            <a:ext cx="465840" cy="4524120"/>
           </a:xfrm>
           <a:prstGeom prst="rect">
             <a:avLst/>
@@ -2897,8 +2897,8 @@
         </p:nvSpPr>
         <p:spPr>
           <a:xfrm>
-            <a:off x="1461240" y="1600200"/>
-            <a:ext cx="955440" cy="4524480"/>
+            <a:off x="947160" y="1600200"/>
+            <a:ext cx="465840" cy="4524120"/>
           </a:xfrm>
           <a:prstGeom prst="rect">
             <a:avLst/>
@@ -3058,7 +3058,7 @@
         <p:spPr>
           <a:xfrm>
             <a:off x="1685520" y="714600"/>
-            <a:ext cx="1864800" cy="544680"/>
+            <a:ext cx="1864440" cy="544320"/>
           </a:xfrm>
           <a:prstGeom prst="rect">
             <a:avLst/>
@@ -3083,7 +3083,7 @@
         <p:spPr>
           <a:xfrm>
             <a:off x="2028240" y="1260720"/>
-            <a:ext cx="1179360" cy="1336320"/>
+            <a:ext cx="1179000" cy="1335960"/>
           </a:xfrm>
           <a:prstGeom prst="rect">
             <a:avLst/>
@@ -3108,7 +3108,7 @@
         <p:spPr>
           <a:xfrm>
             <a:off x="5344200" y="1610640"/>
-            <a:ext cx="1953720" cy="877320"/>
+            <a:ext cx="1953360" cy="876960"/>
           </a:xfrm>
           <a:prstGeom prst="rect">
             <a:avLst/>
@@ -3127,7 +3127,7 @@
         <p:spPr>
           <a:xfrm>
             <a:off x="3695760" y="1044720"/>
-            <a:ext cx="1376280" cy="1003680"/>
+            <a:ext cx="1375920" cy="1003320"/>
           </a:xfrm>
           <a:prstGeom prst="rect">
             <a:avLst/>
@@ -3182,7 +3182,7 @@
         <p:spPr>
           <a:xfrm>
             <a:off x="5132520" y="626760"/>
-            <a:ext cx="2344680" cy="908280"/>
+            <a:ext cx="2344320" cy="907920"/>
           </a:xfrm>
           <a:prstGeom prst="rect">
             <a:avLst/>
@@ -3201,7 +3201,7 @@
         <p:spPr>
           <a:xfrm>
             <a:off x="60120" y="3090600"/>
-            <a:ext cx="8766360" cy="1429920"/>
+            <a:ext cx="8766000" cy="1429560"/>
           </a:xfrm>
           <a:prstGeom prst="rect">
             <a:avLst/>
@@ -3307,7 +3307,7 @@
         <p:spPr>
           <a:xfrm>
             <a:off x="457200" y="274680"/>
-            <a:ext cx="8228160" cy="1141560"/>
+            <a:ext cx="8227800" cy="1141200"/>
           </a:xfrm>
           <a:prstGeom prst="rect">
             <a:avLst/>
@@ -3347,7 +3347,7 @@
         <p:spPr>
           <a:xfrm>
             <a:off x="532080" y="1417320"/>
-            <a:ext cx="3506040" cy="4433760"/>
+            <a:ext cx="3505680" cy="4433400"/>
           </a:xfrm>
           <a:prstGeom prst="rect">
             <a:avLst/>
@@ -3496,7 +3496,7 @@
         <p:spPr>
           <a:xfrm>
             <a:off x="4023360" y="1291320"/>
-            <a:ext cx="5052240" cy="3920760"/>
+            <a:ext cx="5051880" cy="3920400"/>
           </a:xfrm>
           <a:prstGeom prst="rect">
             <a:avLst/>
@@ -3564,7 +3564,7 @@
         <p:spPr>
           <a:xfrm>
             <a:off x="457200" y="274680"/>
-            <a:ext cx="8228160" cy="1141560"/>
+            <a:ext cx="8227800" cy="1141200"/>
           </a:xfrm>
           <a:prstGeom prst="rect">
             <a:avLst/>
@@ -3604,7 +3604,7 @@
         <p:spPr>
           <a:xfrm>
             <a:off x="532080" y="1417320"/>
-            <a:ext cx="3506040" cy="4433760"/>
+            <a:ext cx="3505680" cy="4433400"/>
           </a:xfrm>
           <a:prstGeom prst="rect">
             <a:avLst/>
@@ -3707,7 +3707,7 @@
         <p:spPr>
           <a:xfrm>
             <a:off x="6553440" y="6356520"/>
-            <a:ext cx="2132640" cy="363960"/>
+            <a:ext cx="2132280" cy="363600"/>
           </a:xfrm>
           <a:prstGeom prst="rect">
             <a:avLst/>
@@ -3725,7 +3725,7 @@
                 <a:spcPct val="100000"/>
               </a:lnSpc>
             </a:pPr>
-            <a:fld id="{BC8C92B1-C411-4BFE-A7A2-F6CBEFE10ED8}" type="slidenum">
+            <a:fld id="{70C198B1-ACCA-40D4-9D02-4DE0752EE55E}" type="slidenum">
               <a:rPr lang="en-US">
                 <a:solidFill>
                   <a:srgbClr val="000000"/>
@@ -3747,7 +3747,7 @@
         <p:spPr>
           <a:xfrm>
             <a:off x="3124440" y="6356520"/>
-            <a:ext cx="2894400" cy="363960"/>
+            <a:ext cx="2894040" cy="363600"/>
           </a:xfrm>
           <a:prstGeom prst="rect">
             <a:avLst/>
@@ -3792,8 +3792,33 @@
         </p:blipFill>
         <p:spPr>
           <a:xfrm>
-            <a:off x="4754880" y="1280160"/>
-            <a:ext cx="4332960" cy="4743720"/>
+            <a:off x="4193280" y="1178640"/>
+            <a:ext cx="4676400" cy="3210480"/>
+          </a:xfrm>
+          <a:prstGeom prst="rect">
+            <a:avLst/>
+          </a:prstGeom>
+          <a:ln>
+            <a:noFill/>
+          </a:ln>
+        </p:spPr>
+      </p:pic>
+      <p:pic>
+        <p:nvPicPr>
+          <p:cNvPr id="93" name="" descr=""/>
+          <p:cNvPicPr/>
+          <p:nvPr/>
+        </p:nvPicPr>
+        <p:blipFill>
+          <a:blip r:embed="rId2"/>
+          <a:stretch>
+            <a:fillRect/>
+          </a:stretch>
+        </p:blipFill>
+        <p:spPr>
+          <a:xfrm>
+            <a:off x="4206240" y="4646880"/>
+            <a:ext cx="2232360" cy="1188360"/>
           </a:xfrm>
           <a:prstGeom prst="rect">
             <a:avLst/>
@@ -3854,14 +3879,14 @@
       </p:grpSpPr>
       <p:sp>
         <p:nvSpPr>
-          <p:cNvPr id="93" name="CustomShape 1"/>
+          <p:cNvPr id="94" name="CustomShape 1"/>
           <p:cNvSpPr/>
           <p:nvPr/>
         </p:nvSpPr>
         <p:spPr>
           <a:xfrm>
             <a:off x="457200" y="274680"/>
-            <a:ext cx="8228160" cy="1141560"/>
+            <a:ext cx="8227800" cy="1141200"/>
           </a:xfrm>
           <a:prstGeom prst="rect">
             <a:avLst/>
@@ -3894,14 +3919,14 @@
       </p:sp>
       <p:sp>
         <p:nvSpPr>
-          <p:cNvPr id="94" name="CustomShape 2"/>
+          <p:cNvPr id="95" name="CustomShape 2"/>
           <p:cNvSpPr/>
           <p:nvPr/>
         </p:nvSpPr>
         <p:spPr>
           <a:xfrm>
             <a:off x="532080" y="1417320"/>
-            <a:ext cx="3506040" cy="4433760"/>
+            <a:ext cx="3505680" cy="4433400"/>
           </a:xfrm>
           <a:prstGeom prst="rect">
             <a:avLst/>
@@ -3997,14 +4022,14 @@
       </p:sp>
       <p:sp>
         <p:nvSpPr>
-          <p:cNvPr id="95" name="CustomShape 3"/>
+          <p:cNvPr id="96" name="CustomShape 3"/>
           <p:cNvSpPr/>
           <p:nvPr/>
         </p:nvSpPr>
         <p:spPr>
           <a:xfrm>
             <a:off x="6553440" y="6356520"/>
-            <a:ext cx="2132640" cy="363960"/>
+            <a:ext cx="2132280" cy="363600"/>
           </a:xfrm>
           <a:prstGeom prst="rect">
             <a:avLst/>
@@ -4022,7 +4047,7 @@
                 <a:spcPct val="100000"/>
               </a:lnSpc>
             </a:pPr>
-            <a:fld id="{48DF4E2A-664D-4AEE-8932-73BE6D1EA249}" type="slidenum">
+            <a:fld id="{B992C2AB-B92D-45FD-9B0B-83ABD2913D25}" type="slidenum">
               <a:rPr lang="en-US">
                 <a:solidFill>
                   <a:srgbClr val="000000"/>
@@ -4037,14 +4062,14 @@
       </p:sp>
       <p:sp>
         <p:nvSpPr>
-          <p:cNvPr id="96" name="CustomShape 4"/>
+          <p:cNvPr id="97" name="CustomShape 4"/>
           <p:cNvSpPr/>
           <p:nvPr/>
         </p:nvSpPr>
         <p:spPr>
           <a:xfrm>
             <a:off x="3124440" y="6356520"/>
-            <a:ext cx="2894400" cy="363960"/>
+            <a:ext cx="2894040" cy="363600"/>
           </a:xfrm>
           <a:prstGeom prst="rect">
             <a:avLst/>
@@ -4077,7 +4102,7 @@
       </p:sp>
       <p:pic>
         <p:nvPicPr>
-          <p:cNvPr id="97" name="Afbeelding 12" descr=""/>
+          <p:cNvPr id="98" name="" descr=""/>
           <p:cNvPicPr/>
           <p:nvPr/>
         </p:nvPicPr>
@@ -4089,8 +4114,8 @@
         </p:blipFill>
         <p:spPr>
           <a:xfrm>
-            <a:off x="4502160" y="1598760"/>
-            <a:ext cx="3034080" cy="1472040"/>
+            <a:off x="4572000" y="1103040"/>
+            <a:ext cx="1920240" cy="1405080"/>
           </a:xfrm>
           <a:prstGeom prst="rect">
             <a:avLst/>
@@ -4102,7 +4127,7 @@
       </p:pic>
       <p:pic>
         <p:nvPicPr>
-          <p:cNvPr id="98" name="Afbeelding 13" descr=""/>
+          <p:cNvPr id="99" name="" descr=""/>
           <p:cNvPicPr/>
           <p:nvPr/>
         </p:nvPicPr>
@@ -4114,8 +4139,8 @@
         </p:blipFill>
         <p:spPr>
           <a:xfrm>
-            <a:off x="4476960" y="3212640"/>
-            <a:ext cx="4151880" cy="1383120"/>
+            <a:off x="4564800" y="2680560"/>
+            <a:ext cx="3116160" cy="1517040"/>
           </a:xfrm>
           <a:prstGeom prst="rect">
             <a:avLst/>
@@ -4127,7 +4152,7 @@
       </p:pic>
       <p:pic>
         <p:nvPicPr>
-          <p:cNvPr id="99" name="Afbeelding 14" descr=""/>
+          <p:cNvPr id="100" name="" descr=""/>
           <p:cNvPicPr/>
           <p:nvPr/>
         </p:nvPicPr>
@@ -4139,8 +4164,8 @@
         </p:blipFill>
         <p:spPr>
           <a:xfrm>
-            <a:off x="4458960" y="4955400"/>
-            <a:ext cx="4405680" cy="494280"/>
+            <a:off x="4579920" y="4389120"/>
+            <a:ext cx="3611880" cy="731520"/>
           </a:xfrm>
           <a:prstGeom prst="rect">
             <a:avLst/>
@@ -4201,14 +4226,14 @@
       </p:grpSpPr>
       <p:sp>
         <p:nvSpPr>
-          <p:cNvPr id="100" name="CustomShape 1"/>
+          <p:cNvPr id="101" name="CustomShape 1"/>
           <p:cNvSpPr/>
           <p:nvPr/>
         </p:nvSpPr>
         <p:spPr>
           <a:xfrm>
             <a:off x="457200" y="274680"/>
-            <a:ext cx="8228160" cy="1141560"/>
+            <a:ext cx="8227800" cy="1141200"/>
           </a:xfrm>
           <a:prstGeom prst="rect">
             <a:avLst/>
@@ -4241,14 +4266,14 @@
       </p:sp>
       <p:sp>
         <p:nvSpPr>
-          <p:cNvPr id="101" name="CustomShape 2"/>
+          <p:cNvPr id="102" name="CustomShape 2"/>
           <p:cNvSpPr/>
           <p:nvPr/>
         </p:nvSpPr>
         <p:spPr>
           <a:xfrm>
             <a:off x="532080" y="1417320"/>
-            <a:ext cx="3506040" cy="4433760"/>
+            <a:ext cx="3505680" cy="4433400"/>
           </a:xfrm>
           <a:prstGeom prst="rect">
             <a:avLst/>
@@ -4362,22 +4387,22 @@
               <a:rPr lang="en-US">
                 <a:latin typeface="Comic Sans MS"/>
               </a:rPr>
-              <a:t>When the red dot hits the balloon, the balloon should disappear and make a 'pop' sound.</a:t>
-            </a:r>
-            <a:endParaRPr/>
-          </a:p>
-        </p:txBody>
-      </p:sp>
-      <p:sp>
-        <p:nvSpPr>
-          <p:cNvPr id="102" name="CustomShape 3"/>
+              <a:t>When the red dot hits the balloon, the balloon should hide and make a 'pop' sound.</a:t>
+            </a:r>
+            <a:endParaRPr/>
+          </a:p>
+        </p:txBody>
+      </p:sp>
+      <p:sp>
+        <p:nvSpPr>
+          <p:cNvPr id="103" name="CustomShape 3"/>
           <p:cNvSpPr/>
           <p:nvPr/>
         </p:nvSpPr>
         <p:spPr>
           <a:xfrm>
             <a:off x="6553440" y="6356520"/>
-            <a:ext cx="2132640" cy="363960"/>
+            <a:ext cx="2132280" cy="363600"/>
           </a:xfrm>
           <a:prstGeom prst="rect">
             <a:avLst/>
@@ -4395,7 +4420,7 @@
                 <a:spcPct val="100000"/>
               </a:lnSpc>
             </a:pPr>
-            <a:fld id="{E74A8E2E-2869-4163-B77D-F389FF0A1BA1}" type="slidenum">
+            <a:fld id="{307EA8FA-32C2-46D2-9155-C801922B1BF7}" type="slidenum">
               <a:rPr lang="en-US">
                 <a:solidFill>
                   <a:srgbClr val="000000"/>
@@ -4410,14 +4435,14 @@
       </p:sp>
       <p:sp>
         <p:nvSpPr>
-          <p:cNvPr id="103" name="CustomShape 4"/>
+          <p:cNvPr id="104" name="CustomShape 4"/>
           <p:cNvSpPr/>
           <p:nvPr/>
         </p:nvSpPr>
         <p:spPr>
           <a:xfrm>
             <a:off x="3124440" y="6356520"/>
-            <a:ext cx="2894400" cy="363960"/>
+            <a:ext cx="2894040" cy="363600"/>
           </a:xfrm>
           <a:prstGeom prst="rect">
             <a:avLst/>
@@ -4450,7 +4475,7 @@
       </p:sp>
       <p:pic>
         <p:nvPicPr>
-          <p:cNvPr id="104" name="Afbeelding 7" descr=""/>
+          <p:cNvPr id="105" name="" descr=""/>
           <p:cNvPicPr/>
           <p:nvPr/>
         </p:nvPicPr>
@@ -4462,8 +4487,8 @@
         </p:blipFill>
         <p:spPr>
           <a:xfrm>
-            <a:off x="4140000" y="1391040"/>
-            <a:ext cx="4854240" cy="2951280"/>
+            <a:off x="4114800" y="936720"/>
+            <a:ext cx="3200400" cy="3027960"/>
           </a:xfrm>
           <a:prstGeom prst="rect">
             <a:avLst/>
@@ -4475,7 +4500,7 @@
       </p:pic>
       <p:pic>
         <p:nvPicPr>
-          <p:cNvPr id="105" name="Afbeelding 8" descr=""/>
+          <p:cNvPr id="106" name="" descr=""/>
           <p:cNvPicPr/>
           <p:nvPr/>
         </p:nvPicPr>
@@ -4487,8 +4512,8 @@
         </p:blipFill>
         <p:spPr>
           <a:xfrm>
-            <a:off x="4140360" y="4434120"/>
-            <a:ext cx="2770920" cy="1784520"/>
+            <a:off x="4095360" y="4081680"/>
+            <a:ext cx="2579760" cy="1895040"/>
           </a:xfrm>
           <a:prstGeom prst="rect">
             <a:avLst/>
@@ -4549,14 +4574,14 @@
       </p:grpSpPr>
       <p:sp>
         <p:nvSpPr>
-          <p:cNvPr id="106" name="CustomShape 1"/>
+          <p:cNvPr id="107" name="CustomShape 1"/>
           <p:cNvSpPr/>
           <p:nvPr/>
         </p:nvSpPr>
         <p:spPr>
           <a:xfrm>
             <a:off x="457200" y="274680"/>
-            <a:ext cx="8228160" cy="1141560"/>
+            <a:ext cx="8227800" cy="1141200"/>
           </a:xfrm>
           <a:prstGeom prst="rect">
             <a:avLst/>
@@ -4589,14 +4614,14 @@
       </p:sp>
       <p:sp>
         <p:nvSpPr>
-          <p:cNvPr id="107" name="CustomShape 2"/>
+          <p:cNvPr id="108" name="CustomShape 2"/>
           <p:cNvSpPr/>
           <p:nvPr/>
         </p:nvSpPr>
         <p:spPr>
           <a:xfrm>
             <a:off x="532080" y="1417320"/>
-            <a:ext cx="3506040" cy="4433760"/>
+            <a:ext cx="3505680" cy="4433400"/>
           </a:xfrm>
           <a:prstGeom prst="rect">
             <a:avLst/>
@@ -4704,14 +4729,14 @@
       </p:sp>
       <p:sp>
         <p:nvSpPr>
-          <p:cNvPr id="108" name="CustomShape 3"/>
+          <p:cNvPr id="109" name="CustomShape 3"/>
           <p:cNvSpPr/>
           <p:nvPr/>
         </p:nvSpPr>
         <p:spPr>
           <a:xfrm>
             <a:off x="6553440" y="6356520"/>
-            <a:ext cx="2132640" cy="363960"/>
+            <a:ext cx="2132280" cy="363600"/>
           </a:xfrm>
           <a:prstGeom prst="rect">
             <a:avLst/>
@@ -4729,7 +4754,7 @@
                 <a:spcPct val="100000"/>
               </a:lnSpc>
             </a:pPr>
-            <a:fld id="{2987109C-3E5D-4861-BEF6-72FF38E2E553}" type="slidenum">
+            <a:fld id="{C35C3908-5709-4622-8481-767E091689EE}" type="slidenum">
               <a:rPr lang="en-US">
                 <a:solidFill>
                   <a:srgbClr val="000000"/>
@@ -4744,14 +4769,14 @@
       </p:sp>
       <p:sp>
         <p:nvSpPr>
-          <p:cNvPr id="109" name="CustomShape 4"/>
+          <p:cNvPr id="110" name="CustomShape 4"/>
           <p:cNvSpPr/>
           <p:nvPr/>
         </p:nvSpPr>
         <p:spPr>
           <a:xfrm>
             <a:off x="3124440" y="6356520"/>
-            <a:ext cx="2894400" cy="363960"/>
+            <a:ext cx="2894040" cy="363600"/>
           </a:xfrm>
           <a:prstGeom prst="rect">
             <a:avLst/>
@@ -4784,7 +4809,7 @@
       </p:sp>
       <p:pic>
         <p:nvPicPr>
-          <p:cNvPr id="110" name="Afbeelding 2" descr=""/>
+          <p:cNvPr id="111" name="" descr=""/>
           <p:cNvPicPr/>
           <p:nvPr/>
         </p:nvPicPr>
@@ -4796,8 +4821,8 @@
         </p:blipFill>
         <p:spPr>
           <a:xfrm>
-            <a:off x="4408560" y="1391400"/>
-            <a:ext cx="3179160" cy="2621880"/>
+            <a:off x="4389120" y="1155600"/>
+            <a:ext cx="2511720" cy="3050640"/>
           </a:xfrm>
           <a:prstGeom prst="rect">
             <a:avLst/>
@@ -4809,7 +4834,7 @@
       </p:pic>
       <p:pic>
         <p:nvPicPr>
-          <p:cNvPr id="111" name="Afbeelding 5" descr=""/>
+          <p:cNvPr id="112" name="" descr=""/>
           <p:cNvPicPr/>
           <p:nvPr/>
         </p:nvPicPr>
@@ -4821,8 +4846,8 @@
         </p:blipFill>
         <p:spPr>
           <a:xfrm>
-            <a:off x="4408200" y="4198680"/>
-            <a:ext cx="4456800" cy="1357920"/>
+            <a:off x="4404600" y="4389120"/>
+            <a:ext cx="3997440" cy="1005840"/>
           </a:xfrm>
           <a:prstGeom prst="rect">
             <a:avLst/>
@@ -4883,14 +4908,14 @@
       </p:grpSpPr>
       <p:sp>
         <p:nvSpPr>
-          <p:cNvPr id="112" name="CustomShape 1"/>
+          <p:cNvPr id="113" name="CustomShape 1"/>
           <p:cNvSpPr/>
           <p:nvPr/>
         </p:nvSpPr>
         <p:spPr>
           <a:xfrm>
             <a:off x="457200" y="274680"/>
-            <a:ext cx="8228160" cy="1141560"/>
+            <a:ext cx="8227800" cy="1141200"/>
           </a:xfrm>
           <a:prstGeom prst="rect">
             <a:avLst/>
@@ -4923,14 +4948,14 @@
       </p:sp>
       <p:sp>
         <p:nvSpPr>
-          <p:cNvPr id="113" name="CustomShape 2"/>
+          <p:cNvPr id="114" name="CustomShape 2"/>
           <p:cNvSpPr/>
           <p:nvPr/>
         </p:nvSpPr>
         <p:spPr>
           <a:xfrm>
             <a:off x="532080" y="1417320"/>
-            <a:ext cx="3506040" cy="4433760"/>
+            <a:ext cx="3505680" cy="4433400"/>
           </a:xfrm>
           <a:prstGeom prst="rect">
             <a:avLst/>
@@ -4943,14 +4968,14 @@
       </p:sp>
       <p:sp>
         <p:nvSpPr>
-          <p:cNvPr id="114" name="CustomShape 3"/>
+          <p:cNvPr id="115" name="CustomShape 3"/>
           <p:cNvSpPr/>
           <p:nvPr/>
         </p:nvSpPr>
         <p:spPr>
           <a:xfrm>
             <a:off x="6553440" y="6356520"/>
-            <a:ext cx="2132640" cy="363960"/>
+            <a:ext cx="2132280" cy="363600"/>
           </a:xfrm>
           <a:prstGeom prst="rect">
             <a:avLst/>
@@ -4968,7 +4993,7 @@
                 <a:spcPct val="100000"/>
               </a:lnSpc>
             </a:pPr>
-            <a:fld id="{840A5F78-977A-4E67-A21B-D340693C58FD}" type="slidenum">
+            <a:fld id="{975CE56C-AA33-4FE0-8824-93B91DFDAEC4}" type="slidenum">
               <a:rPr lang="en-US">
                 <a:solidFill>
                   <a:srgbClr val="000000"/>
@@ -4983,14 +5008,14 @@
       </p:sp>
       <p:sp>
         <p:nvSpPr>
-          <p:cNvPr id="115" name="CustomShape 4"/>
+          <p:cNvPr id="116" name="CustomShape 4"/>
           <p:cNvSpPr/>
           <p:nvPr/>
         </p:nvSpPr>
         <p:spPr>
           <a:xfrm>
             <a:off x="3124440" y="6356520"/>
-            <a:ext cx="2894400" cy="363960"/>
+            <a:ext cx="2894040" cy="363600"/>
           </a:xfrm>
           <a:prstGeom prst="rect">
             <a:avLst/>
@@ -5023,7 +5048,7 @@
       </p:sp>
       <p:pic>
         <p:nvPicPr>
-          <p:cNvPr id="116" name="Afbeelding 7" descr=""/>
+          <p:cNvPr id="117" name="Afbeelding 11" descr=""/>
           <p:cNvPicPr/>
           <p:nvPr/>
         </p:nvPicPr>
@@ -5035,8 +5060,8 @@
         </p:blipFill>
         <p:spPr>
           <a:xfrm>
-            <a:off x="4385880" y="1277280"/>
-            <a:ext cx="4332960" cy="3369960"/>
+            <a:off x="662040" y="3616560"/>
+            <a:ext cx="507240" cy="638640"/>
           </a:xfrm>
           <a:prstGeom prst="rect">
             <a:avLst/>
@@ -5048,7 +5073,7 @@
       </p:pic>
       <p:pic>
         <p:nvPicPr>
-          <p:cNvPr id="117" name="Afbeelding 17" descr=""/>
+          <p:cNvPr id="118" name="Afbeelding 13" descr=""/>
           <p:cNvPicPr/>
           <p:nvPr/>
         </p:nvPicPr>
@@ -5060,8 +5085,8 @@
         </p:blipFill>
         <p:spPr>
           <a:xfrm>
-            <a:off x="544680" y="4586040"/>
-            <a:ext cx="2437200" cy="1497600"/>
+            <a:off x="1652760" y="3555720"/>
+            <a:ext cx="604080" cy="713520"/>
           </a:xfrm>
           <a:prstGeom prst="rect">
             <a:avLst/>
@@ -5073,7 +5098,7 @@
       </p:pic>
       <p:pic>
         <p:nvPicPr>
-          <p:cNvPr id="118" name="Afbeelding 11" descr=""/>
+          <p:cNvPr id="119" name="Afbeelding 12" descr=""/>
           <p:cNvPicPr/>
           <p:nvPr/>
         </p:nvPicPr>
@@ -5085,8 +5110,8 @@
         </p:blipFill>
         <p:spPr>
           <a:xfrm>
-            <a:off x="662040" y="3616560"/>
-            <a:ext cx="507600" cy="639000"/>
+            <a:off x="2258280" y="3580200"/>
+            <a:ext cx="563040" cy="695160"/>
           </a:xfrm>
           <a:prstGeom prst="rect">
             <a:avLst/>
@@ -5096,9 +5121,253 @@
           </a:ln>
         </p:spPr>
       </p:pic>
+      <p:sp>
+        <p:nvSpPr>
+          <p:cNvPr id="120" name="CustomShape 5"/>
+          <p:cNvSpPr/>
+          <p:nvPr/>
+        </p:nvSpPr>
+        <p:spPr>
+          <a:xfrm>
+            <a:off x="444600" y="4272840"/>
+            <a:ext cx="963360" cy="363600"/>
+          </a:xfrm>
+          <a:prstGeom prst="rect">
+            <a:avLst/>
+          </a:prstGeom>
+          <a:noFill/>
+          <a:ln>
+            <a:noFill/>
+          </a:ln>
+        </p:spPr>
+        <p:txBody>
+          <a:bodyPr wrap="none" lIns="90000" rIns="90000" tIns="45000" bIns="45000"/>
+          <a:p>
+            <a:pPr>
+              <a:lnSpc>
+                <a:spcPct val="100000"/>
+              </a:lnSpc>
+            </a:pPr>
+            <a:r>
+              <a:rPr lang="en-US">
+                <a:solidFill>
+                  <a:srgbClr val="000000"/>
+                </a:solidFill>
+                <a:latin typeface="Calibri"/>
+              </a:rPr>
+              <a:t>1 Point</a:t>
+            </a:r>
+            <a:endParaRPr/>
+          </a:p>
+        </p:txBody>
+      </p:sp>
+      <p:sp>
+        <p:nvSpPr>
+          <p:cNvPr id="121" name="CustomShape 6"/>
+          <p:cNvSpPr/>
+          <p:nvPr/>
+        </p:nvSpPr>
+        <p:spPr>
+          <a:xfrm>
+            <a:off x="1629000" y="4266360"/>
+            <a:ext cx="1275840" cy="363600"/>
+          </a:xfrm>
+          <a:prstGeom prst="rect">
+            <a:avLst/>
+          </a:prstGeom>
+          <a:noFill/>
+          <a:ln>
+            <a:noFill/>
+          </a:ln>
+        </p:spPr>
+        <p:txBody>
+          <a:bodyPr wrap="none" lIns="90000" rIns="90000" tIns="45000" bIns="45000"/>
+          <a:p>
+            <a:pPr>
+              <a:lnSpc>
+                <a:spcPct val="100000"/>
+              </a:lnSpc>
+            </a:pPr>
+            <a:r>
+              <a:rPr lang="en-US">
+                <a:solidFill>
+                  <a:srgbClr val="000000"/>
+                </a:solidFill>
+                <a:latin typeface="Calibri"/>
+              </a:rPr>
+              <a:t>-2 Points</a:t>
+            </a:r>
+            <a:endParaRPr/>
+          </a:p>
+        </p:txBody>
+      </p:sp>
+      <p:sp>
+        <p:nvSpPr>
+          <p:cNvPr id="122" name="CustomShape 7"/>
+          <p:cNvSpPr/>
+          <p:nvPr/>
+        </p:nvSpPr>
+        <p:spPr>
+          <a:xfrm>
+            <a:off x="333000" y="1425240"/>
+            <a:ext cx="3762000" cy="2283840"/>
+          </a:xfrm>
+          <a:prstGeom prst="rect">
+            <a:avLst/>
+          </a:prstGeom>
+          <a:noFill/>
+          <a:ln>
+            <a:noFill/>
+          </a:ln>
+        </p:spPr>
+        <p:txBody>
+          <a:bodyPr lIns="90000" rIns="90000" tIns="45000" bIns="45000"/>
+          <a:p>
+            <a:pPr>
+              <a:lnSpc>
+                <a:spcPct val="100000"/>
+              </a:lnSpc>
+            </a:pPr>
+            <a:r>
+              <a:rPr lang="en-US">
+                <a:solidFill>
+                  <a:srgbClr val="000000"/>
+                </a:solidFill>
+                <a:latin typeface="Comic Sans MS"/>
+              </a:rPr>
+              <a:t>Counting points!</a:t>
+            </a:r>
+            <a:endParaRPr/>
+          </a:p>
+          <a:p>
+            <a:pPr>
+              <a:lnSpc>
+                <a:spcPct val="100000"/>
+              </a:lnSpc>
+            </a:pPr>
+            <a:endParaRPr/>
+          </a:p>
+          <a:p>
+            <a:pPr>
+              <a:lnSpc>
+                <a:spcPct val="100000"/>
+              </a:lnSpc>
+            </a:pPr>
+            <a:r>
+              <a:rPr lang="en-US">
+                <a:solidFill>
+                  <a:srgbClr val="000000"/>
+                </a:solidFill>
+                <a:latin typeface="Comic Sans MS"/>
+              </a:rPr>
+              <a:t>Make a variable Data element with the name 'score'. </a:t>
+            </a:r>
+            <a:endParaRPr/>
+          </a:p>
+          <a:p>
+            <a:pPr>
+              <a:lnSpc>
+                <a:spcPct val="100000"/>
+              </a:lnSpc>
+            </a:pPr>
+            <a:endParaRPr/>
+          </a:p>
+          <a:p>
+            <a:pPr>
+              <a:lnSpc>
+                <a:spcPct val="100000"/>
+              </a:lnSpc>
+            </a:pPr>
+            <a:r>
+              <a:rPr lang="en-US">
+                <a:solidFill>
+                  <a:srgbClr val="000000"/>
+                </a:solidFill>
+                <a:latin typeface="Comic Sans MS"/>
+              </a:rPr>
+              <a:t>The score will be visible on the screen, with the following code the score will start at 0</a:t>
+            </a:r>
+            <a:endParaRPr/>
+          </a:p>
+        </p:txBody>
+      </p:sp>
+      <p:sp>
+        <p:nvSpPr>
+          <p:cNvPr id="123" name="CustomShape 8"/>
+          <p:cNvSpPr/>
+          <p:nvPr/>
+        </p:nvSpPr>
+        <p:spPr>
+          <a:xfrm>
+            <a:off x="3926880" y="5008680"/>
+            <a:ext cx="4669920" cy="912240"/>
+          </a:xfrm>
+          <a:prstGeom prst="rect">
+            <a:avLst/>
+          </a:prstGeom>
+          <a:noFill/>
+          <a:ln>
+            <a:noFill/>
+          </a:ln>
+        </p:spPr>
+        <p:txBody>
+          <a:bodyPr wrap="none" lIns="90000" rIns="90000" tIns="45000" bIns="45000"/>
+          <a:p>
+            <a:pPr>
+              <a:lnSpc>
+                <a:spcPct val="100000"/>
+              </a:lnSpc>
+            </a:pPr>
+            <a:r>
+              <a:rPr lang="en-US">
+                <a:solidFill>
+                  <a:srgbClr val="000000"/>
+                </a:solidFill>
+                <a:latin typeface="Calibri"/>
+              </a:rPr>
+              <a:t>The Balloon pop game is almost ready!</a:t>
+            </a:r>
+            <a:endParaRPr/>
+          </a:p>
+          <a:p>
+            <a:pPr>
+              <a:lnSpc>
+                <a:spcPct val="100000"/>
+              </a:lnSpc>
+            </a:pPr>
+            <a:r>
+              <a:rPr lang="en-US">
+                <a:solidFill>
+                  <a:srgbClr val="000000"/>
+                </a:solidFill>
+                <a:latin typeface="Calibri"/>
+              </a:rPr>
+              <a:t>Lets implement counting the points when the </a:t>
+            </a:r>
+            <a:endParaRPr/>
+          </a:p>
+          <a:p>
+            <a:pPr>
+              <a:lnSpc>
+                <a:spcPct val="100000"/>
+              </a:lnSpc>
+            </a:pPr>
+            <a:r>
+              <a:rPr lang="en-US">
+                <a:solidFill>
+                  <a:srgbClr val="000000"/>
+                </a:solidFill>
+                <a:latin typeface="Calibri"/>
+              </a:rPr>
+              <a:t>balloon is hit</a:t>
+            </a:r>
+            <a:endParaRPr/>
+          </a:p>
+        </p:txBody>
+      </p:sp>
       <p:pic>
         <p:nvPicPr>
-          <p:cNvPr id="119" name="Afbeelding 13" descr=""/>
+          <p:cNvPr id="124" name="" descr=""/>
           <p:cNvPicPr/>
           <p:nvPr/>
         </p:nvPicPr>
@@ -5110,8 +5379,8 @@
         </p:blipFill>
         <p:spPr>
           <a:xfrm>
-            <a:off x="1652760" y="3555720"/>
-            <a:ext cx="604440" cy="713880"/>
+            <a:off x="4176000" y="1097280"/>
+            <a:ext cx="3230640" cy="3363480"/>
           </a:xfrm>
           <a:prstGeom prst="rect">
             <a:avLst/>
@@ -5123,7 +5392,7 @@
       </p:pic>
       <p:pic>
         <p:nvPicPr>
-          <p:cNvPr id="120" name="Afbeelding 12" descr=""/>
+          <p:cNvPr id="125" name="" descr=""/>
           <p:cNvPicPr/>
           <p:nvPr/>
         </p:nvPicPr>
@@ -5135,8 +5404,8 @@
         </p:blipFill>
         <p:spPr>
           <a:xfrm>
-            <a:off x="2258280" y="3580200"/>
-            <a:ext cx="563400" cy="695520"/>
+            <a:off x="493200" y="4591440"/>
+            <a:ext cx="2504880" cy="1458000"/>
           </a:xfrm>
           <a:prstGeom prst="rect">
             <a:avLst/>
@@ -5146,241 +5415,6 @@
           </a:ln>
         </p:spPr>
       </p:pic>
-      <p:sp>
-        <p:nvSpPr>
-          <p:cNvPr id="121" name="CustomShape 5"/>
-          <p:cNvSpPr/>
-          <p:nvPr/>
-        </p:nvSpPr>
-        <p:spPr>
-          <a:xfrm>
-            <a:off x="444600" y="4272840"/>
-            <a:ext cx="963720" cy="363960"/>
-          </a:xfrm>
-          <a:prstGeom prst="rect">
-            <a:avLst/>
-          </a:prstGeom>
-          <a:noFill/>
-          <a:ln>
-            <a:noFill/>
-          </a:ln>
-        </p:spPr>
-        <p:txBody>
-          <a:bodyPr wrap="none" lIns="90000" rIns="90000" tIns="45000" bIns="45000"/>
-          <a:p>
-            <a:pPr>
-              <a:lnSpc>
-                <a:spcPct val="100000"/>
-              </a:lnSpc>
-            </a:pPr>
-            <a:r>
-              <a:rPr lang="en-US">
-                <a:solidFill>
-                  <a:srgbClr val="000000"/>
-                </a:solidFill>
-                <a:latin typeface="Calibri"/>
-              </a:rPr>
-              <a:t>1 Point</a:t>
-            </a:r>
-            <a:endParaRPr/>
-          </a:p>
-        </p:txBody>
-      </p:sp>
-      <p:sp>
-        <p:nvSpPr>
-          <p:cNvPr id="122" name="CustomShape 6"/>
-          <p:cNvSpPr/>
-          <p:nvPr/>
-        </p:nvSpPr>
-        <p:spPr>
-          <a:xfrm>
-            <a:off x="1629000" y="4266360"/>
-            <a:ext cx="1276200" cy="363960"/>
-          </a:xfrm>
-          <a:prstGeom prst="rect">
-            <a:avLst/>
-          </a:prstGeom>
-          <a:noFill/>
-          <a:ln>
-            <a:noFill/>
-          </a:ln>
-        </p:spPr>
-        <p:txBody>
-          <a:bodyPr wrap="none" lIns="90000" rIns="90000" tIns="45000" bIns="45000"/>
-          <a:p>
-            <a:pPr>
-              <a:lnSpc>
-                <a:spcPct val="100000"/>
-              </a:lnSpc>
-            </a:pPr>
-            <a:r>
-              <a:rPr lang="en-US">
-                <a:solidFill>
-                  <a:srgbClr val="000000"/>
-                </a:solidFill>
-                <a:latin typeface="Calibri"/>
-              </a:rPr>
-              <a:t>-2 Points</a:t>
-            </a:r>
-            <a:endParaRPr/>
-          </a:p>
-        </p:txBody>
-      </p:sp>
-      <p:sp>
-        <p:nvSpPr>
-          <p:cNvPr id="123" name="CustomShape 7"/>
-          <p:cNvSpPr/>
-          <p:nvPr/>
-        </p:nvSpPr>
-        <p:spPr>
-          <a:xfrm>
-            <a:off x="333000" y="1425240"/>
-            <a:ext cx="3762360" cy="2284200"/>
-          </a:xfrm>
-          <a:prstGeom prst="rect">
-            <a:avLst/>
-          </a:prstGeom>
-          <a:noFill/>
-          <a:ln>
-            <a:noFill/>
-          </a:ln>
-        </p:spPr>
-        <p:txBody>
-          <a:bodyPr lIns="90000" rIns="90000" tIns="45000" bIns="45000"/>
-          <a:p>
-            <a:pPr>
-              <a:lnSpc>
-                <a:spcPct val="100000"/>
-              </a:lnSpc>
-            </a:pPr>
-            <a:r>
-              <a:rPr lang="en-US">
-                <a:solidFill>
-                  <a:srgbClr val="000000"/>
-                </a:solidFill>
-                <a:latin typeface="Comic Sans MS"/>
-              </a:rPr>
-              <a:t>Counting points!</a:t>
-            </a:r>
-            <a:endParaRPr/>
-          </a:p>
-          <a:p>
-            <a:pPr>
-              <a:lnSpc>
-                <a:spcPct val="100000"/>
-              </a:lnSpc>
-            </a:pPr>
-            <a:endParaRPr/>
-          </a:p>
-          <a:p>
-            <a:pPr>
-              <a:lnSpc>
-                <a:spcPct val="100000"/>
-              </a:lnSpc>
-            </a:pPr>
-            <a:r>
-              <a:rPr lang="en-US">
-                <a:solidFill>
-                  <a:srgbClr val="000000"/>
-                </a:solidFill>
-                <a:latin typeface="Comic Sans MS"/>
-              </a:rPr>
-              <a:t>Make a data element with the name 'score'. </a:t>
-            </a:r>
-            <a:endParaRPr/>
-          </a:p>
-          <a:p>
-            <a:pPr>
-              <a:lnSpc>
-                <a:spcPct val="100000"/>
-              </a:lnSpc>
-            </a:pPr>
-            <a:endParaRPr/>
-          </a:p>
-          <a:p>
-            <a:pPr>
-              <a:lnSpc>
-                <a:spcPct val="100000"/>
-              </a:lnSpc>
-            </a:pPr>
-            <a:r>
-              <a:rPr lang="en-US">
-                <a:solidFill>
-                  <a:srgbClr val="000000"/>
-                </a:solidFill>
-                <a:latin typeface="Comic Sans MS"/>
-              </a:rPr>
-              <a:t>The score will be visible on the screen, with the following code the score will start at 0</a:t>
-            </a:r>
-            <a:endParaRPr/>
-          </a:p>
-        </p:txBody>
-      </p:sp>
-      <p:sp>
-        <p:nvSpPr>
-          <p:cNvPr id="124" name="CustomShape 8"/>
-          <p:cNvSpPr/>
-          <p:nvPr/>
-        </p:nvSpPr>
-        <p:spPr>
-          <a:xfrm>
-            <a:off x="3926880" y="5008680"/>
-            <a:ext cx="4670280" cy="912600"/>
-          </a:xfrm>
-          <a:prstGeom prst="rect">
-            <a:avLst/>
-          </a:prstGeom>
-          <a:noFill/>
-          <a:ln>
-            <a:noFill/>
-          </a:ln>
-        </p:spPr>
-        <p:txBody>
-          <a:bodyPr wrap="none" lIns="90000" rIns="90000" tIns="45000" bIns="45000"/>
-          <a:p>
-            <a:pPr>
-              <a:lnSpc>
-                <a:spcPct val="100000"/>
-              </a:lnSpc>
-            </a:pPr>
-            <a:r>
-              <a:rPr lang="en-US">
-                <a:solidFill>
-                  <a:srgbClr val="000000"/>
-                </a:solidFill>
-                <a:latin typeface="Calibri"/>
-              </a:rPr>
-              <a:t>The Balloon pop game is almost ready!</a:t>
-            </a:r>
-            <a:endParaRPr/>
-          </a:p>
-          <a:p>
-            <a:pPr>
-              <a:lnSpc>
-                <a:spcPct val="100000"/>
-              </a:lnSpc>
-            </a:pPr>
-            <a:endParaRPr/>
-          </a:p>
-          <a:p>
-            <a:pPr>
-              <a:lnSpc>
-                <a:spcPct val="100000"/>
-              </a:lnSpc>
-            </a:pPr>
-            <a:r>
-              <a:rPr lang="en-US">
-                <a:solidFill>
-                  <a:srgbClr val="000000"/>
-                </a:solidFill>
-                <a:latin typeface="Calibri"/>
-              </a:rPr>
-              <a:t>Lets implement counting the points</a:t>
-            </a:r>
-            <a:endParaRPr/>
-          </a:p>
-        </p:txBody>
-      </p:sp>
     </p:spTree>
   </p:cSld>
   <p:timing>
@@ -5432,14 +5466,14 @@
       </p:grpSpPr>
       <p:sp>
         <p:nvSpPr>
-          <p:cNvPr id="125" name="CustomShape 1"/>
+          <p:cNvPr id="126" name="CustomShape 1"/>
           <p:cNvSpPr/>
           <p:nvPr/>
         </p:nvSpPr>
         <p:spPr>
           <a:xfrm>
             <a:off x="457200" y="274680"/>
-            <a:ext cx="8228160" cy="1141560"/>
+            <a:ext cx="8227800" cy="1141200"/>
           </a:xfrm>
           <a:prstGeom prst="rect">
             <a:avLst/>
@@ -5472,14 +5506,14 @@
       </p:sp>
       <p:sp>
         <p:nvSpPr>
-          <p:cNvPr id="126" name="CustomShape 2"/>
+          <p:cNvPr id="127" name="CustomShape 2"/>
           <p:cNvSpPr/>
           <p:nvPr/>
         </p:nvSpPr>
         <p:spPr>
           <a:xfrm>
             <a:off x="532080" y="1417320"/>
-            <a:ext cx="3506040" cy="4433760"/>
+            <a:ext cx="3505680" cy="4433400"/>
           </a:xfrm>
           <a:prstGeom prst="rect">
             <a:avLst/>
@@ -5492,14 +5526,14 @@
       </p:sp>
       <p:sp>
         <p:nvSpPr>
-          <p:cNvPr id="127" name="CustomShape 3"/>
+          <p:cNvPr id="128" name="CustomShape 3"/>
           <p:cNvSpPr/>
           <p:nvPr/>
         </p:nvSpPr>
         <p:spPr>
           <a:xfrm>
             <a:off x="6553440" y="6356520"/>
-            <a:ext cx="2132640" cy="363960"/>
+            <a:ext cx="2132280" cy="363600"/>
           </a:xfrm>
           <a:prstGeom prst="rect">
             <a:avLst/>
@@ -5517,7 +5551,7 @@
                 <a:spcPct val="100000"/>
               </a:lnSpc>
             </a:pPr>
-            <a:fld id="{07BB603A-4E1E-417B-8910-686141B283E8}" type="slidenum">
+            <a:fld id="{E6210843-E420-4486-B76C-21B8ED3D6367}" type="slidenum">
               <a:rPr lang="en-US">
                 <a:solidFill>
                   <a:srgbClr val="000000"/>
@@ -5532,14 +5566,14 @@
       </p:sp>
       <p:sp>
         <p:nvSpPr>
-          <p:cNvPr id="128" name="CustomShape 4"/>
+          <p:cNvPr id="129" name="CustomShape 4"/>
           <p:cNvSpPr/>
           <p:nvPr/>
         </p:nvSpPr>
         <p:spPr>
           <a:xfrm>
             <a:off x="3124440" y="6356520"/>
-            <a:ext cx="2894400" cy="363960"/>
+            <a:ext cx="2894040" cy="363600"/>
           </a:xfrm>
           <a:prstGeom prst="rect">
             <a:avLst/>
@@ -5570,9 +5604,89 @@
           </a:p>
         </p:txBody>
       </p:sp>
+      <p:sp>
+        <p:nvSpPr>
+          <p:cNvPr id="130" name="CustomShape 5"/>
+          <p:cNvSpPr/>
+          <p:nvPr/>
+        </p:nvSpPr>
+        <p:spPr>
+          <a:xfrm>
+            <a:off x="1458720" y="1578960"/>
+            <a:ext cx="4695120" cy="363600"/>
+          </a:xfrm>
+          <a:prstGeom prst="rect">
+            <a:avLst/>
+          </a:prstGeom>
+          <a:noFill/>
+          <a:ln>
+            <a:noFill/>
+          </a:ln>
+        </p:spPr>
+        <p:txBody>
+          <a:bodyPr lIns="90000" rIns="90000" tIns="45000" bIns="45000"/>
+          <a:p>
+            <a:pPr>
+              <a:lnSpc>
+                <a:spcPct val="100000"/>
+              </a:lnSpc>
+            </a:pPr>
+            <a:r>
+              <a:rPr lang="en-US">
+                <a:solidFill>
+                  <a:srgbClr val="000000"/>
+                </a:solidFill>
+                <a:latin typeface="Comic Sans MS"/>
+              </a:rPr>
+              <a:t>Lets set a nice background</a:t>
+            </a:r>
+            <a:endParaRPr/>
+          </a:p>
+        </p:txBody>
+      </p:sp>
+      <p:sp>
+        <p:nvSpPr>
+          <p:cNvPr id="131" name="CustomShape 6"/>
+          <p:cNvSpPr/>
+          <p:nvPr/>
+        </p:nvSpPr>
+        <p:spPr>
+          <a:xfrm>
+            <a:off x="1567080" y="2377440"/>
+            <a:ext cx="2624400" cy="363600"/>
+          </a:xfrm>
+          <a:prstGeom prst="rect">
+            <a:avLst/>
+          </a:prstGeom>
+          <a:noFill/>
+          <a:ln>
+            <a:noFill/>
+          </a:ln>
+        </p:spPr>
+        <p:txBody>
+          <a:bodyPr wrap="none" lIns="90000" rIns="90000" tIns="45000" bIns="45000"/>
+          <a:p>
+            <a:pPr>
+              <a:lnSpc>
+                <a:spcPct val="100000"/>
+              </a:lnSpc>
+            </a:pPr>
+            <a:r>
+              <a:rPr lang="en-US">
+                <a:solidFill>
+                  <a:srgbClr val="000000"/>
+                </a:solidFill>
+                <a:latin typeface="Comic Sans MS"/>
+              </a:rPr>
+              <a:t>There is enough choice</a:t>
+            </a:r>
+            <a:endParaRPr/>
+          </a:p>
+        </p:txBody>
+      </p:sp>
       <p:pic>
         <p:nvPicPr>
-          <p:cNvPr id="129" name="Afbeelding 2" descr=""/>
+          <p:cNvPr id="132" name="Afbeelding 9" descr=""/>
           <p:cNvPicPr/>
           <p:nvPr/>
         </p:nvPicPr>
@@ -5584,8 +5698,8 @@
         </p:blipFill>
         <p:spPr>
           <a:xfrm>
-            <a:off x="407880" y="1533600"/>
-            <a:ext cx="1014840" cy="1789560"/>
+            <a:off x="4892400" y="2428560"/>
+            <a:ext cx="3792960" cy="2898360"/>
           </a:xfrm>
           <a:prstGeom prst="rect">
             <a:avLst/>
@@ -5597,14 +5711,14 @@
       </p:pic>
       <p:sp>
         <p:nvSpPr>
-          <p:cNvPr id="130" name="CustomShape 5"/>
+          <p:cNvPr id="133" name="CustomShape 7"/>
           <p:cNvSpPr/>
           <p:nvPr/>
         </p:nvSpPr>
         <p:spPr>
           <a:xfrm>
-            <a:off x="1458720" y="1578960"/>
-            <a:ext cx="4695480" cy="363960"/>
+            <a:off x="49320" y="3835800"/>
+            <a:ext cx="4839840" cy="2558160"/>
           </a:xfrm>
           <a:prstGeom prst="rect">
             <a:avLst/>
@@ -5615,7 +5729,7 @@
           </a:ln>
         </p:spPr>
         <p:txBody>
-          <a:bodyPr lIns="90000" rIns="90000" tIns="45000" bIns="45000"/>
+          <a:bodyPr wrap="none" lIns="90000" rIns="90000" tIns="45000" bIns="45000"/>
           <a:p>
             <a:pPr>
               <a:lnSpc>
@@ -5629,33 +5743,18 @@
                 </a:solidFill>
                 <a:latin typeface="Comic Sans MS"/>
               </a:rPr>
-              <a:t>Lets set a nice background</a:t>
-            </a:r>
-            <a:endParaRPr/>
-          </a:p>
-        </p:txBody>
-      </p:sp>
-      <p:sp>
-        <p:nvSpPr>
-          <p:cNvPr id="131" name="CustomShape 6"/>
-          <p:cNvSpPr/>
-          <p:nvPr/>
-        </p:nvSpPr>
-        <p:spPr>
-          <a:xfrm>
-            <a:off x="1567080" y="2377440"/>
-            <a:ext cx="2624760" cy="363960"/>
-          </a:xfrm>
-          <a:prstGeom prst="rect">
-            <a:avLst/>
-          </a:prstGeom>
-          <a:noFill/>
-          <a:ln>
-            <a:noFill/>
-          </a:ln>
-        </p:spPr>
-        <p:txBody>
-          <a:bodyPr wrap="none" lIns="90000" rIns="90000" tIns="45000" bIns="45000"/>
+              <a:t>Finished?</a:t>
+            </a:r>
+            <a:endParaRPr/>
+          </a:p>
+          <a:p>
+            <a:pPr>
+              <a:lnSpc>
+                <a:spcPct val="100000"/>
+              </a:lnSpc>
+            </a:pPr>
+            <a:endParaRPr/>
+          </a:p>
           <a:p>
             <a:pPr>
               <a:lnSpc>
@@ -5669,58 +5768,10 @@
                 </a:solidFill>
                 <a:latin typeface="Comic Sans MS"/>
               </a:rPr>
-              <a:t>There is enough choice</a:t>
-            </a:r>
-            <a:endParaRPr/>
-          </a:p>
-        </p:txBody>
-      </p:sp>
-      <p:pic>
-        <p:nvPicPr>
-          <p:cNvPr id="132" name="Afbeelding 9" descr=""/>
-          <p:cNvPicPr/>
-          <p:nvPr/>
-        </p:nvPicPr>
-        <p:blipFill>
-          <a:blip r:embed="rId2"/>
-          <a:stretch>
-            <a:fillRect/>
-          </a:stretch>
-        </p:blipFill>
-        <p:spPr>
-          <a:xfrm>
-            <a:off x="4892400" y="2428560"/>
-            <a:ext cx="3793320" cy="2898720"/>
-          </a:xfrm>
-          <a:prstGeom prst="rect">
-            <a:avLst/>
-          </a:prstGeom>
-          <a:ln>
-            <a:noFill/>
-          </a:ln>
-        </p:spPr>
-      </p:pic>
-      <p:sp>
-        <p:nvSpPr>
-          <p:cNvPr id="133" name="CustomShape 7"/>
-          <p:cNvSpPr/>
-          <p:nvPr/>
-        </p:nvSpPr>
-        <p:spPr>
-          <a:xfrm>
-            <a:off x="49320" y="3835800"/>
-            <a:ext cx="4840200" cy="2558520"/>
-          </a:xfrm>
-          <a:prstGeom prst="rect">
-            <a:avLst/>
-          </a:prstGeom>
-          <a:noFill/>
-          <a:ln>
-            <a:noFill/>
-          </a:ln>
-        </p:spPr>
-        <p:txBody>
-          <a:bodyPr wrap="none" lIns="90000" rIns="90000" tIns="45000" bIns="45000"/>
+              <a:t>What things do you like to add to</a:t>
+            </a:r>
+            <a:endParaRPr/>
+          </a:p>
           <a:p>
             <a:pPr>
               <a:lnSpc>
@@ -5734,16 +5785,8 @@
                 </a:solidFill>
                 <a:latin typeface="Comic Sans MS"/>
               </a:rPr>
-              <a:t>Finished?</a:t>
-            </a:r>
-            <a:endParaRPr/>
-          </a:p>
-          <a:p>
-            <a:pPr>
-              <a:lnSpc>
-                <a:spcPct val="100000"/>
-              </a:lnSpc>
-            </a:pPr>
+              <a:t>make the game more fun or more difficult.</a:t>
+            </a:r>
             <a:endParaRPr/>
           </a:p>
           <a:p>
@@ -5759,15 +5802,18 @@
                 </a:solidFill>
                 <a:latin typeface="Comic Sans MS"/>
               </a:rPr>
-              <a:t>What things do you like to add to</a:t>
-            </a:r>
-            <a:endParaRPr/>
-          </a:p>
-          <a:p>
-            <a:pPr>
-              <a:lnSpc>
-                <a:spcPct val="100000"/>
-              </a:lnSpc>
+              <a:t>Think about things like:</a:t>
+            </a:r>
+            <a:endParaRPr/>
+          </a:p>
+          <a:p>
+            <a:pPr>
+              <a:lnSpc>
+                <a:spcPct val="100000"/>
+              </a:lnSpc>
+              <a:buBlip>
+                <a:blip r:embed="rId2"/>
+              </a:buBlip>
             </a:pPr>
             <a:r>
               <a:rPr lang="en-US">
@@ -5776,15 +5822,18 @@
                 </a:solidFill>
                 <a:latin typeface="Comic Sans MS"/>
               </a:rPr>
-              <a:t>make the game more fun or more difficult.</a:t>
-            </a:r>
-            <a:endParaRPr/>
-          </a:p>
-          <a:p>
-            <a:pPr>
-              <a:lnSpc>
-                <a:spcPct val="100000"/>
-              </a:lnSpc>
+              <a:t>Smaller balloons</a:t>
+            </a:r>
+            <a:endParaRPr/>
+          </a:p>
+          <a:p>
+            <a:pPr>
+              <a:lnSpc>
+                <a:spcPct val="100000"/>
+              </a:lnSpc>
+              <a:buBlip>
+                <a:blip r:embed="rId3"/>
+              </a:buBlip>
             </a:pPr>
             <a:r>
               <a:rPr lang="en-US">
@@ -5793,7 +5842,7 @@
                 </a:solidFill>
                 <a:latin typeface="Comic Sans MS"/>
               </a:rPr>
-              <a:t>Think about things like:</a:t>
+              <a:t>Speed</a:t>
             </a:r>
             <a:endParaRPr/>
           </a:p>
@@ -5803,7 +5852,7 @@
                 <a:spcPct val="100000"/>
               </a:lnSpc>
               <a:buBlip>
-                <a:blip r:embed="rId3"/>
+                <a:blip r:embed="rId4"/>
               </a:buBlip>
             </a:pPr>
             <a:r>
@@ -5813,46 +5862,6 @@
                 </a:solidFill>
                 <a:latin typeface="Comic Sans MS"/>
               </a:rPr>
-              <a:t>Smaller balloons</a:t>
-            </a:r>
-            <a:endParaRPr/>
-          </a:p>
-          <a:p>
-            <a:pPr>
-              <a:lnSpc>
-                <a:spcPct val="100000"/>
-              </a:lnSpc>
-              <a:buBlip>
-                <a:blip r:embed="rId4"/>
-              </a:buBlip>
-            </a:pPr>
-            <a:r>
-              <a:rPr lang="en-US">
-                <a:solidFill>
-                  <a:srgbClr val="000000"/>
-                </a:solidFill>
-                <a:latin typeface="Comic Sans MS"/>
-              </a:rPr>
-              <a:t>Speed</a:t>
-            </a:r>
-            <a:endParaRPr/>
-          </a:p>
-          <a:p>
-            <a:pPr>
-              <a:lnSpc>
-                <a:spcPct val="100000"/>
-              </a:lnSpc>
-              <a:buBlip>
-                <a:blip r:embed="rId5"/>
-              </a:buBlip>
-            </a:pPr>
-            <a:r>
-              <a:rPr lang="en-US">
-                <a:solidFill>
-                  <a:srgbClr val="000000"/>
-                </a:solidFill>
-                <a:latin typeface="Comic Sans MS"/>
-              </a:rPr>
               <a:t>Sideways movement of the balloons.</a:t>
             </a:r>
             <a:endParaRPr/>
@@ -5870,6 +5879,31 @@
       <p:pic>
         <p:nvPicPr>
           <p:cNvPr id="134" name="" descr=""/>
+          <p:cNvPicPr/>
+          <p:nvPr/>
+        </p:nvPicPr>
+        <p:blipFill>
+          <a:blip r:embed="rId5"/>
+          <a:stretch>
+            <a:fillRect/>
+          </a:stretch>
+        </p:blipFill>
+        <p:spPr>
+          <a:xfrm>
+            <a:off x="4190760" y="5259600"/>
+            <a:ext cx="572760" cy="1095120"/>
+          </a:xfrm>
+          <a:prstGeom prst="rect">
+            <a:avLst/>
+          </a:prstGeom>
+          <a:ln>
+            <a:noFill/>
+          </a:ln>
+        </p:spPr>
+      </p:pic>
+      <p:pic>
+        <p:nvPicPr>
+          <p:cNvPr id="135" name="" descr=""/>
           <p:cNvPicPr/>
           <p:nvPr/>
         </p:nvPicPr>
@@ -5881,8 +5915,8 @@
         </p:blipFill>
         <p:spPr>
           <a:xfrm>
-            <a:off x="4190760" y="5259600"/>
-            <a:ext cx="573120" cy="1095480"/>
+            <a:off x="503280" y="1531800"/>
+            <a:ext cx="959760" cy="1809720"/>
           </a:xfrm>
           <a:prstGeom prst="rect">
             <a:avLst/>

--- a/scratch-leapmotion/instructions/en/Balloon Pop.pptx
+++ b/scratch-leapmotion/instructions/en/Balloon Pop.pptx
@@ -1,27 +1,122 @@
 
 <file path=ppt/presentation.xml><?xml version="1.0" encoding="utf-8"?>
-<p:presentation xmlns:a="http://schemas.openxmlformats.org/drawingml/2006/main" xmlns:p="http://schemas.openxmlformats.org/presentationml/2006/main" xmlns:r="http://schemas.openxmlformats.org/officeDocument/2006/relationships">
+<p:presentation xmlns:a="http://schemas.openxmlformats.org/drawingml/2006/main" xmlns:r="http://schemas.openxmlformats.org/officeDocument/2006/relationships" xmlns:p="http://schemas.openxmlformats.org/presentationml/2006/main">
   <p:sldMasterIdLst>
-    <p:sldMasterId id="2147483648" r:id="rId2"/>
-    <p:sldMasterId id="2147483661" r:id="rId3"/>
+    <p:sldMasterId id="2147483648" r:id="rId1"/>
+    <p:sldMasterId id="2147483661" r:id="rId2"/>
   </p:sldMasterIdLst>
   <p:sldIdLst>
-    <p:sldId id="256" r:id="rId4"/>
-    <p:sldId id="257" r:id="rId5"/>
-    <p:sldId id="258" r:id="rId6"/>
-    <p:sldId id="259" r:id="rId7"/>
-    <p:sldId id="260" r:id="rId8"/>
-    <p:sldId id="261" r:id="rId9"/>
-    <p:sldId id="262" r:id="rId10"/>
-    <p:sldId id="263" r:id="rId11"/>
+    <p:sldId id="256" r:id="rId3"/>
+    <p:sldId id="257" r:id="rId4"/>
+    <p:sldId id="258" r:id="rId5"/>
+    <p:sldId id="259" r:id="rId6"/>
+    <p:sldId id="260" r:id="rId7"/>
+    <p:sldId id="261" r:id="rId8"/>
+    <p:sldId id="262" r:id="rId9"/>
+    <p:sldId id="263" r:id="rId10"/>
   </p:sldIdLst>
-  <p:sldSz cx="9144000" cy="6858000"/>
-  <p:notesSz cx="7559675" cy="10691812"/>
+  <p:sldSz cx="9144000" cy="6858000" type="screen4x3"/>
+  <p:notesSz cx="7559675" cy="10691813"/>
+  <p:defaultTextStyle>
+    <a:defPPr>
+      <a:defRPr lang="en-US"/>
+    </a:defPPr>
+    <a:lvl1pPr marL="0" algn="l" defTabSz="457200" rtl="0" eaLnBrk="1" latinLnBrk="0" hangingPunct="1">
+      <a:defRPr sz="1800" kern="1200">
+        <a:solidFill>
+          <a:schemeClr val="tx1"/>
+        </a:solidFill>
+        <a:latin typeface="+mn-lt"/>
+        <a:ea typeface="+mn-ea"/>
+        <a:cs typeface="+mn-cs"/>
+      </a:defRPr>
+    </a:lvl1pPr>
+    <a:lvl2pPr marL="457200" algn="l" defTabSz="457200" rtl="0" eaLnBrk="1" latinLnBrk="0" hangingPunct="1">
+      <a:defRPr sz="1800" kern="1200">
+        <a:solidFill>
+          <a:schemeClr val="tx1"/>
+        </a:solidFill>
+        <a:latin typeface="+mn-lt"/>
+        <a:ea typeface="+mn-ea"/>
+        <a:cs typeface="+mn-cs"/>
+      </a:defRPr>
+    </a:lvl2pPr>
+    <a:lvl3pPr marL="914400" algn="l" defTabSz="457200" rtl="0" eaLnBrk="1" latinLnBrk="0" hangingPunct="1">
+      <a:defRPr sz="1800" kern="1200">
+        <a:solidFill>
+          <a:schemeClr val="tx1"/>
+        </a:solidFill>
+        <a:latin typeface="+mn-lt"/>
+        <a:ea typeface="+mn-ea"/>
+        <a:cs typeface="+mn-cs"/>
+      </a:defRPr>
+    </a:lvl3pPr>
+    <a:lvl4pPr marL="1371600" algn="l" defTabSz="457200" rtl="0" eaLnBrk="1" latinLnBrk="0" hangingPunct="1">
+      <a:defRPr sz="1800" kern="1200">
+        <a:solidFill>
+          <a:schemeClr val="tx1"/>
+        </a:solidFill>
+        <a:latin typeface="+mn-lt"/>
+        <a:ea typeface="+mn-ea"/>
+        <a:cs typeface="+mn-cs"/>
+      </a:defRPr>
+    </a:lvl4pPr>
+    <a:lvl5pPr marL="1828800" algn="l" defTabSz="457200" rtl="0" eaLnBrk="1" latinLnBrk="0" hangingPunct="1">
+      <a:defRPr sz="1800" kern="1200">
+        <a:solidFill>
+          <a:schemeClr val="tx1"/>
+        </a:solidFill>
+        <a:latin typeface="+mn-lt"/>
+        <a:ea typeface="+mn-ea"/>
+        <a:cs typeface="+mn-cs"/>
+      </a:defRPr>
+    </a:lvl5pPr>
+    <a:lvl6pPr marL="2286000" algn="l" defTabSz="457200" rtl="0" eaLnBrk="1" latinLnBrk="0" hangingPunct="1">
+      <a:defRPr sz="1800" kern="1200">
+        <a:solidFill>
+          <a:schemeClr val="tx1"/>
+        </a:solidFill>
+        <a:latin typeface="+mn-lt"/>
+        <a:ea typeface="+mn-ea"/>
+        <a:cs typeface="+mn-cs"/>
+      </a:defRPr>
+    </a:lvl6pPr>
+    <a:lvl7pPr marL="2743200" algn="l" defTabSz="457200" rtl="0" eaLnBrk="1" latinLnBrk="0" hangingPunct="1">
+      <a:defRPr sz="1800" kern="1200">
+        <a:solidFill>
+          <a:schemeClr val="tx1"/>
+        </a:solidFill>
+        <a:latin typeface="+mn-lt"/>
+        <a:ea typeface="+mn-ea"/>
+        <a:cs typeface="+mn-cs"/>
+      </a:defRPr>
+    </a:lvl7pPr>
+    <a:lvl8pPr marL="3200400" algn="l" defTabSz="457200" rtl="0" eaLnBrk="1" latinLnBrk="0" hangingPunct="1">
+      <a:defRPr sz="1800" kern="1200">
+        <a:solidFill>
+          <a:schemeClr val="tx1"/>
+        </a:solidFill>
+        <a:latin typeface="+mn-lt"/>
+        <a:ea typeface="+mn-ea"/>
+        <a:cs typeface="+mn-cs"/>
+      </a:defRPr>
+    </a:lvl8pPr>
+    <a:lvl9pPr marL="3657600" algn="l" defTabSz="457200" rtl="0" eaLnBrk="1" latinLnBrk="0" hangingPunct="1">
+      <a:defRPr sz="1800" kern="1200">
+        <a:solidFill>
+          <a:schemeClr val="tx1"/>
+        </a:solidFill>
+        <a:latin typeface="+mn-lt"/>
+        <a:ea typeface="+mn-ea"/>
+        <a:cs typeface="+mn-cs"/>
+      </a:defRPr>
+    </a:lvl9pPr>
+  </p:defaultTextStyle>
 </p:presentation>
 </file>
 
 <file path=ppt/slideLayouts/slideLayout1.xml><?xml version="1.0" encoding="utf-8"?>
-<p:sldLayout xmlns:a="http://schemas.openxmlformats.org/drawingml/2006/main" xmlns:p="http://schemas.openxmlformats.org/presentationml/2006/main" xmlns:r="http://schemas.openxmlformats.org/officeDocument/2006/relationships" type="blank" preserve="1">
+<p:sldLayout xmlns:a="http://schemas.openxmlformats.org/drawingml/2006/main" xmlns:r="http://schemas.openxmlformats.org/officeDocument/2006/relationships" xmlns:p="http://schemas.openxmlformats.org/presentationml/2006/main" type="blank" preserve="1">
   <p:cSld name="Blank Slide">
     <p:spTree>
       <p:nvGrpSpPr>
@@ -39,11 +134,14 @@
       </p:grpSpPr>
     </p:spTree>
   </p:cSld>
+  <p:clrMapOvr>
+    <a:masterClrMapping/>
+  </p:clrMapOvr>
 </p:sldLayout>
 </file>
 
 <file path=ppt/slideLayouts/slideLayout10.xml><?xml version="1.0" encoding="utf-8"?>
-<p:sldLayout xmlns:a="http://schemas.openxmlformats.org/drawingml/2006/main" xmlns:p="http://schemas.openxmlformats.org/presentationml/2006/main" xmlns:r="http://schemas.openxmlformats.org/officeDocument/2006/relationships" type="objOverTx" preserve="1">
+<p:sldLayout xmlns:a="http://schemas.openxmlformats.org/drawingml/2006/main" xmlns:r="http://schemas.openxmlformats.org/officeDocument/2006/relationships" xmlns:p="http://schemas.openxmlformats.org/presentationml/2006/main" type="objOverTx" preserve="1">
   <p:cSld name="Title, Content over Content">
     <p:spTree>
       <p:nvGrpSpPr>
@@ -79,7 +177,8 @@
           </a:prstGeom>
         </p:spPr>
         <p:txBody>
-          <a:bodyPr lIns="0" rIns="0" tIns="0" bIns="0" anchor="ctr"/>
+          <a:bodyPr lIns="0" tIns="0" rIns="0" bIns="0" anchor="ctr"/>
+          <a:lstStyle/>
           <a:p>
             <a:pPr algn="ctr"/>
             <a:endParaRPr/>
@@ -106,7 +205,8 @@
           </a:prstGeom>
         </p:spPr>
         <p:txBody>
-          <a:bodyPr lIns="0" rIns="0" tIns="0" bIns="0"/>
+          <a:bodyPr lIns="0" tIns="0" rIns="0" bIns="0"/>
+          <a:lstStyle/>
           <a:p>
             <a:endParaRPr/>
           </a:p>
@@ -132,7 +232,8 @@
           </a:prstGeom>
         </p:spPr>
         <p:txBody>
-          <a:bodyPr lIns="0" rIns="0" tIns="0" bIns="0"/>
+          <a:bodyPr lIns="0" tIns="0" rIns="0" bIns="0"/>
+          <a:lstStyle/>
           <a:p>
             <a:endParaRPr/>
           </a:p>
@@ -140,11 +241,14 @@
       </p:sp>
     </p:spTree>
   </p:cSld>
+  <p:clrMapOvr>
+    <a:masterClrMapping/>
+  </p:clrMapOvr>
 </p:sldLayout>
 </file>
 
 <file path=ppt/slideLayouts/slideLayout11.xml><?xml version="1.0" encoding="utf-8"?>
-<p:sldLayout xmlns:a="http://schemas.openxmlformats.org/drawingml/2006/main" xmlns:p="http://schemas.openxmlformats.org/presentationml/2006/main" xmlns:r="http://schemas.openxmlformats.org/officeDocument/2006/relationships" type="fourObj" preserve="1">
+<p:sldLayout xmlns:a="http://schemas.openxmlformats.org/drawingml/2006/main" xmlns:r="http://schemas.openxmlformats.org/officeDocument/2006/relationships" xmlns:p="http://schemas.openxmlformats.org/presentationml/2006/main" type="fourObj" preserve="1">
   <p:cSld name="Title, 4 Content">
     <p:spTree>
       <p:nvGrpSpPr>
@@ -180,7 +284,8 @@
           </a:prstGeom>
         </p:spPr>
         <p:txBody>
-          <a:bodyPr lIns="0" rIns="0" tIns="0" bIns="0" anchor="ctr"/>
+          <a:bodyPr lIns="0" tIns="0" rIns="0" bIns="0" anchor="ctr"/>
+          <a:lstStyle/>
           <a:p>
             <a:pPr algn="ctr"/>
             <a:endParaRPr/>
@@ -207,7 +312,8 @@
           </a:prstGeom>
         </p:spPr>
         <p:txBody>
-          <a:bodyPr lIns="0" rIns="0" tIns="0" bIns="0"/>
+          <a:bodyPr lIns="0" tIns="0" rIns="0" bIns="0"/>
+          <a:lstStyle/>
           <a:p>
             <a:endParaRPr/>
           </a:p>
@@ -233,7 +339,8 @@
           </a:prstGeom>
         </p:spPr>
         <p:txBody>
-          <a:bodyPr lIns="0" rIns="0" tIns="0" bIns="0"/>
+          <a:bodyPr lIns="0" tIns="0" rIns="0" bIns="0"/>
+          <a:lstStyle/>
           <a:p>
             <a:endParaRPr/>
           </a:p>
@@ -259,7 +366,8 @@
           </a:prstGeom>
         </p:spPr>
         <p:txBody>
-          <a:bodyPr lIns="0" rIns="0" tIns="0" bIns="0"/>
+          <a:bodyPr lIns="0" tIns="0" rIns="0" bIns="0"/>
+          <a:lstStyle/>
           <a:p>
             <a:endParaRPr/>
           </a:p>
@@ -285,7 +393,8 @@
           </a:prstGeom>
         </p:spPr>
         <p:txBody>
-          <a:bodyPr lIns="0" rIns="0" tIns="0" bIns="0"/>
+          <a:bodyPr lIns="0" tIns="0" rIns="0" bIns="0"/>
+          <a:lstStyle/>
           <a:p>
             <a:endParaRPr/>
           </a:p>
@@ -293,11 +402,14 @@
       </p:sp>
     </p:spTree>
   </p:cSld>
+  <p:clrMapOvr>
+    <a:masterClrMapping/>
+  </p:clrMapOvr>
 </p:sldLayout>
 </file>
 
 <file path=ppt/slideLayouts/slideLayout12.xml><?xml version="1.0" encoding="utf-8"?>
-<p:sldLayout xmlns:a="http://schemas.openxmlformats.org/drawingml/2006/main" xmlns:p="http://schemas.openxmlformats.org/presentationml/2006/main" xmlns:r="http://schemas.openxmlformats.org/officeDocument/2006/relationships" type="blank" preserve="1">
+<p:sldLayout xmlns:a="http://schemas.openxmlformats.org/drawingml/2006/main" xmlns:r="http://schemas.openxmlformats.org/officeDocument/2006/relationships" xmlns:p="http://schemas.openxmlformats.org/presentationml/2006/main" type="blank" preserve="1">
   <p:cSld name="Title, 6 Content">
     <p:spTree>
       <p:nvGrpSpPr>
@@ -333,7 +445,8 @@
           </a:prstGeom>
         </p:spPr>
         <p:txBody>
-          <a:bodyPr lIns="0" rIns="0" tIns="0" bIns="0" anchor="ctr"/>
+          <a:bodyPr lIns="0" tIns="0" rIns="0" bIns="0" anchor="ctr"/>
+          <a:lstStyle/>
           <a:p>
             <a:pPr algn="ctr"/>
             <a:endParaRPr/>
@@ -360,7 +473,8 @@
           </a:prstGeom>
         </p:spPr>
         <p:txBody>
-          <a:bodyPr lIns="0" rIns="0" tIns="0" bIns="0"/>
+          <a:bodyPr lIns="0" tIns="0" rIns="0" bIns="0"/>
+          <a:lstStyle/>
           <a:p>
             <a:endParaRPr/>
           </a:p>
@@ -386,7 +500,8 @@
           </a:prstGeom>
         </p:spPr>
         <p:txBody>
-          <a:bodyPr lIns="0" rIns="0" tIns="0" bIns="0"/>
+          <a:bodyPr lIns="0" tIns="0" rIns="0" bIns="0"/>
+          <a:lstStyle/>
           <a:p>
             <a:endParaRPr/>
           </a:p>
@@ -394,7 +509,7 @@
       </p:sp>
       <p:pic>
         <p:nvPicPr>
-          <p:cNvPr id="37" name="" descr=""/>
+          <p:cNvPr id="37" name="Picture 36"/>
           <p:cNvPicPr/>
           <p:nvPr/>
         </p:nvPicPr>
@@ -419,12 +534,12 @@
       </p:pic>
       <p:pic>
         <p:nvPicPr>
-          <p:cNvPr id="38" name="" descr=""/>
+          <p:cNvPr id="38" name="Picture 37"/>
           <p:cNvPicPr/>
           <p:nvPr/>
         </p:nvPicPr>
         <p:blipFill>
-          <a:blip r:embed="rId3"/>
+          <a:blip r:embed="rId2"/>
           <a:stretch>
             <a:fillRect/>
           </a:stretch>
@@ -444,11 +559,14 @@
       </p:pic>
     </p:spTree>
   </p:cSld>
+  <p:clrMapOvr>
+    <a:masterClrMapping/>
+  </p:clrMapOvr>
 </p:sldLayout>
 </file>
 
 <file path=ppt/slideLayouts/slideLayout13.xml><?xml version="1.0" encoding="utf-8"?>
-<p:sldLayout xmlns:a="http://schemas.openxmlformats.org/drawingml/2006/main" xmlns:p="http://schemas.openxmlformats.org/presentationml/2006/main" xmlns:r="http://schemas.openxmlformats.org/officeDocument/2006/relationships" type="blank" preserve="1">
+<p:sldLayout xmlns:a="http://schemas.openxmlformats.org/drawingml/2006/main" xmlns:r="http://schemas.openxmlformats.org/officeDocument/2006/relationships" xmlns:p="http://schemas.openxmlformats.org/presentationml/2006/main" type="blank" preserve="1">
   <p:cSld name="Blank Slide">
     <p:spTree>
       <p:nvGrpSpPr>
@@ -466,11 +584,14 @@
       </p:grpSpPr>
     </p:spTree>
   </p:cSld>
+  <p:clrMapOvr>
+    <a:masterClrMapping/>
+  </p:clrMapOvr>
 </p:sldLayout>
 </file>
 
 <file path=ppt/slideLayouts/slideLayout14.xml><?xml version="1.0" encoding="utf-8"?>
-<p:sldLayout xmlns:a="http://schemas.openxmlformats.org/drawingml/2006/main" xmlns:p="http://schemas.openxmlformats.org/presentationml/2006/main" xmlns:r="http://schemas.openxmlformats.org/officeDocument/2006/relationships" type="tx" preserve="1">
+<p:sldLayout xmlns:a="http://schemas.openxmlformats.org/drawingml/2006/main" xmlns:r="http://schemas.openxmlformats.org/officeDocument/2006/relationships" xmlns:p="http://schemas.openxmlformats.org/presentationml/2006/main" type="tx" preserve="1">
   <p:cSld name="Title Slide">
     <p:spTree>
       <p:nvGrpSpPr>
@@ -506,7 +627,8 @@
           </a:prstGeom>
         </p:spPr>
         <p:txBody>
-          <a:bodyPr lIns="0" rIns="0" tIns="0" bIns="0" anchor="ctr"/>
+          <a:bodyPr lIns="0" tIns="0" rIns="0" bIns="0" anchor="ctr"/>
+          <a:lstStyle/>
           <a:p>
             <a:pPr algn="ctr"/>
             <a:endParaRPr/>
@@ -533,7 +655,8 @@
           </a:prstGeom>
         </p:spPr>
         <p:txBody>
-          <a:bodyPr lIns="0" rIns="0" tIns="0" bIns="0" anchor="ctr"/>
+          <a:bodyPr lIns="0" tIns="0" rIns="0" bIns="0" anchor="ctr"/>
+          <a:lstStyle/>
           <a:p>
             <a:pPr algn="ctr"/>
             <a:endParaRPr/>
@@ -542,11 +665,14 @@
       </p:sp>
     </p:spTree>
   </p:cSld>
+  <p:clrMapOvr>
+    <a:masterClrMapping/>
+  </p:clrMapOvr>
 </p:sldLayout>
 </file>
 
 <file path=ppt/slideLayouts/slideLayout15.xml><?xml version="1.0" encoding="utf-8"?>
-<p:sldLayout xmlns:a="http://schemas.openxmlformats.org/drawingml/2006/main" xmlns:p="http://schemas.openxmlformats.org/presentationml/2006/main" xmlns:r="http://schemas.openxmlformats.org/officeDocument/2006/relationships" type="obj" preserve="1">
+<p:sldLayout xmlns:a="http://schemas.openxmlformats.org/drawingml/2006/main" xmlns:r="http://schemas.openxmlformats.org/officeDocument/2006/relationships" xmlns:p="http://schemas.openxmlformats.org/presentationml/2006/main" type="obj" preserve="1">
   <p:cSld name="Title, Content">
     <p:spTree>
       <p:nvGrpSpPr>
@@ -582,7 +708,8 @@
           </a:prstGeom>
         </p:spPr>
         <p:txBody>
-          <a:bodyPr lIns="0" rIns="0" tIns="0" bIns="0" anchor="ctr"/>
+          <a:bodyPr lIns="0" tIns="0" rIns="0" bIns="0" anchor="ctr"/>
+          <a:lstStyle/>
           <a:p>
             <a:pPr algn="ctr"/>
             <a:endParaRPr/>
@@ -609,7 +736,8 @@
           </a:prstGeom>
         </p:spPr>
         <p:txBody>
-          <a:bodyPr lIns="0" rIns="0" tIns="0" bIns="0"/>
+          <a:bodyPr lIns="0" tIns="0" rIns="0" bIns="0"/>
+          <a:lstStyle/>
           <a:p>
             <a:endParaRPr/>
           </a:p>
@@ -617,11 +745,14 @@
       </p:sp>
     </p:spTree>
   </p:cSld>
+  <p:clrMapOvr>
+    <a:masterClrMapping/>
+  </p:clrMapOvr>
 </p:sldLayout>
 </file>
 
 <file path=ppt/slideLayouts/slideLayout16.xml><?xml version="1.0" encoding="utf-8"?>
-<p:sldLayout xmlns:a="http://schemas.openxmlformats.org/drawingml/2006/main" xmlns:p="http://schemas.openxmlformats.org/presentationml/2006/main" xmlns:r="http://schemas.openxmlformats.org/officeDocument/2006/relationships" type="twoObj" preserve="1">
+<p:sldLayout xmlns:a="http://schemas.openxmlformats.org/drawingml/2006/main" xmlns:r="http://schemas.openxmlformats.org/officeDocument/2006/relationships" xmlns:p="http://schemas.openxmlformats.org/presentationml/2006/main" type="twoObj" preserve="1">
   <p:cSld name="Title, 2 Content">
     <p:spTree>
       <p:nvGrpSpPr>
@@ -657,7 +788,8 @@
           </a:prstGeom>
         </p:spPr>
         <p:txBody>
-          <a:bodyPr lIns="0" rIns="0" tIns="0" bIns="0" anchor="ctr"/>
+          <a:bodyPr lIns="0" tIns="0" rIns="0" bIns="0" anchor="ctr"/>
+          <a:lstStyle/>
           <a:p>
             <a:pPr algn="ctr"/>
             <a:endParaRPr/>
@@ -684,7 +816,8 @@
           </a:prstGeom>
         </p:spPr>
         <p:txBody>
-          <a:bodyPr lIns="0" rIns="0" tIns="0" bIns="0"/>
+          <a:bodyPr lIns="0" tIns="0" rIns="0" bIns="0"/>
+          <a:lstStyle/>
           <a:p>
             <a:endParaRPr/>
           </a:p>
@@ -710,7 +843,8 @@
           </a:prstGeom>
         </p:spPr>
         <p:txBody>
-          <a:bodyPr lIns="0" rIns="0" tIns="0" bIns="0"/>
+          <a:bodyPr lIns="0" tIns="0" rIns="0" bIns="0"/>
+          <a:lstStyle/>
           <a:p>
             <a:endParaRPr/>
           </a:p>
@@ -718,11 +852,14 @@
       </p:sp>
     </p:spTree>
   </p:cSld>
+  <p:clrMapOvr>
+    <a:masterClrMapping/>
+  </p:clrMapOvr>
 </p:sldLayout>
 </file>
 
 <file path=ppt/slideLayouts/slideLayout17.xml><?xml version="1.0" encoding="utf-8"?>
-<p:sldLayout xmlns:a="http://schemas.openxmlformats.org/drawingml/2006/main" xmlns:p="http://schemas.openxmlformats.org/presentationml/2006/main" xmlns:r="http://schemas.openxmlformats.org/officeDocument/2006/relationships" type="titleOnly" preserve="1">
+<p:sldLayout xmlns:a="http://schemas.openxmlformats.org/drawingml/2006/main" xmlns:r="http://schemas.openxmlformats.org/officeDocument/2006/relationships" xmlns:p="http://schemas.openxmlformats.org/presentationml/2006/main" type="titleOnly" preserve="1">
   <p:cSld name="Title Only">
     <p:spTree>
       <p:nvGrpSpPr>
@@ -758,7 +895,8 @@
           </a:prstGeom>
         </p:spPr>
         <p:txBody>
-          <a:bodyPr lIns="0" rIns="0" tIns="0" bIns="0" anchor="ctr"/>
+          <a:bodyPr lIns="0" tIns="0" rIns="0" bIns="0" anchor="ctr"/>
+          <a:lstStyle/>
           <a:p>
             <a:pPr algn="ctr"/>
             <a:endParaRPr/>
@@ -767,11 +905,14 @@
       </p:sp>
     </p:spTree>
   </p:cSld>
+  <p:clrMapOvr>
+    <a:masterClrMapping/>
+  </p:clrMapOvr>
 </p:sldLayout>
 </file>
 
 <file path=ppt/slideLayouts/slideLayout18.xml><?xml version="1.0" encoding="utf-8"?>
-<p:sldLayout xmlns:a="http://schemas.openxmlformats.org/drawingml/2006/main" xmlns:p="http://schemas.openxmlformats.org/presentationml/2006/main" xmlns:r="http://schemas.openxmlformats.org/officeDocument/2006/relationships" type="objOnly" preserve="1">
+<p:sldLayout xmlns:a="http://schemas.openxmlformats.org/drawingml/2006/main" xmlns:r="http://schemas.openxmlformats.org/officeDocument/2006/relationships" xmlns:p="http://schemas.openxmlformats.org/presentationml/2006/main" type="objOnly" preserve="1">
   <p:cSld name="Centered Text">
     <p:spTree>
       <p:nvGrpSpPr>
@@ -807,7 +948,8 @@
           </a:prstGeom>
         </p:spPr>
         <p:txBody>
-          <a:bodyPr lIns="0" rIns="0" tIns="0" bIns="0" anchor="ctr"/>
+          <a:bodyPr lIns="0" tIns="0" rIns="0" bIns="0" anchor="ctr"/>
+          <a:lstStyle/>
           <a:p>
             <a:pPr algn="ctr"/>
             <a:endParaRPr/>
@@ -816,11 +958,14 @@
       </p:sp>
     </p:spTree>
   </p:cSld>
+  <p:clrMapOvr>
+    <a:masterClrMapping/>
+  </p:clrMapOvr>
 </p:sldLayout>
 </file>
 
 <file path=ppt/slideLayouts/slideLayout19.xml><?xml version="1.0" encoding="utf-8"?>
-<p:sldLayout xmlns:a="http://schemas.openxmlformats.org/drawingml/2006/main" xmlns:p="http://schemas.openxmlformats.org/presentationml/2006/main" xmlns:r="http://schemas.openxmlformats.org/officeDocument/2006/relationships" type="twoObjAndObj" preserve="1">
+<p:sldLayout xmlns:a="http://schemas.openxmlformats.org/drawingml/2006/main" xmlns:r="http://schemas.openxmlformats.org/officeDocument/2006/relationships" xmlns:p="http://schemas.openxmlformats.org/presentationml/2006/main" type="twoObjAndObj" preserve="1">
   <p:cSld name="Title, 2 Content and Content">
     <p:spTree>
       <p:nvGrpSpPr>
@@ -856,7 +1001,8 @@
           </a:prstGeom>
         </p:spPr>
         <p:txBody>
-          <a:bodyPr lIns="0" rIns="0" tIns="0" bIns="0" anchor="ctr"/>
+          <a:bodyPr lIns="0" tIns="0" rIns="0" bIns="0" anchor="ctr"/>
+          <a:lstStyle/>
           <a:p>
             <a:pPr algn="ctr"/>
             <a:endParaRPr/>
@@ -883,7 +1029,8 @@
           </a:prstGeom>
         </p:spPr>
         <p:txBody>
-          <a:bodyPr lIns="0" rIns="0" tIns="0" bIns="0"/>
+          <a:bodyPr lIns="0" tIns="0" rIns="0" bIns="0"/>
+          <a:lstStyle/>
           <a:p>
             <a:endParaRPr/>
           </a:p>
@@ -909,7 +1056,8 @@
           </a:prstGeom>
         </p:spPr>
         <p:txBody>
-          <a:bodyPr lIns="0" rIns="0" tIns="0" bIns="0"/>
+          <a:bodyPr lIns="0" tIns="0" rIns="0" bIns="0"/>
+          <a:lstStyle/>
           <a:p>
             <a:endParaRPr/>
           </a:p>
@@ -935,7 +1083,8 @@
           </a:prstGeom>
         </p:spPr>
         <p:txBody>
-          <a:bodyPr lIns="0" rIns="0" tIns="0" bIns="0"/>
+          <a:bodyPr lIns="0" tIns="0" rIns="0" bIns="0"/>
+          <a:lstStyle/>
           <a:p>
             <a:endParaRPr/>
           </a:p>
@@ -943,11 +1092,14 @@
       </p:sp>
     </p:spTree>
   </p:cSld>
+  <p:clrMapOvr>
+    <a:masterClrMapping/>
+  </p:clrMapOvr>
 </p:sldLayout>
 </file>
 
 <file path=ppt/slideLayouts/slideLayout2.xml><?xml version="1.0" encoding="utf-8"?>
-<p:sldLayout xmlns:a="http://schemas.openxmlformats.org/drawingml/2006/main" xmlns:p="http://schemas.openxmlformats.org/presentationml/2006/main" xmlns:r="http://schemas.openxmlformats.org/officeDocument/2006/relationships" type="tx" preserve="1">
+<p:sldLayout xmlns:a="http://schemas.openxmlformats.org/drawingml/2006/main" xmlns:r="http://schemas.openxmlformats.org/officeDocument/2006/relationships" xmlns:p="http://schemas.openxmlformats.org/presentationml/2006/main" type="tx" preserve="1">
   <p:cSld name="Title Slide">
     <p:spTree>
       <p:nvGrpSpPr>
@@ -983,7 +1135,8 @@
           </a:prstGeom>
         </p:spPr>
         <p:txBody>
-          <a:bodyPr lIns="0" rIns="0" tIns="0" bIns="0" anchor="ctr"/>
+          <a:bodyPr lIns="0" tIns="0" rIns="0" bIns="0" anchor="ctr"/>
+          <a:lstStyle/>
           <a:p>
             <a:pPr algn="ctr"/>
             <a:endParaRPr/>
@@ -1010,7 +1163,8 @@
           </a:prstGeom>
         </p:spPr>
         <p:txBody>
-          <a:bodyPr lIns="0" rIns="0" tIns="0" bIns="0" anchor="ctr"/>
+          <a:bodyPr lIns="0" tIns="0" rIns="0" bIns="0" anchor="ctr"/>
+          <a:lstStyle/>
           <a:p>
             <a:pPr algn="ctr"/>
             <a:endParaRPr/>
@@ -1019,11 +1173,14 @@
       </p:sp>
     </p:spTree>
   </p:cSld>
+  <p:clrMapOvr>
+    <a:masterClrMapping/>
+  </p:clrMapOvr>
 </p:sldLayout>
 </file>
 
 <file path=ppt/slideLayouts/slideLayout20.xml><?xml version="1.0" encoding="utf-8"?>
-<p:sldLayout xmlns:a="http://schemas.openxmlformats.org/drawingml/2006/main" xmlns:p="http://schemas.openxmlformats.org/presentationml/2006/main" xmlns:r="http://schemas.openxmlformats.org/officeDocument/2006/relationships" type="objAndTwoObj" preserve="1">
+<p:sldLayout xmlns:a="http://schemas.openxmlformats.org/drawingml/2006/main" xmlns:r="http://schemas.openxmlformats.org/officeDocument/2006/relationships" xmlns:p="http://schemas.openxmlformats.org/presentationml/2006/main" type="objAndTwoObj" preserve="1">
   <p:cSld name="Title Content and 2 Content">
     <p:spTree>
       <p:nvGrpSpPr>
@@ -1059,7 +1216,8 @@
           </a:prstGeom>
         </p:spPr>
         <p:txBody>
-          <a:bodyPr lIns="0" rIns="0" tIns="0" bIns="0" anchor="ctr"/>
+          <a:bodyPr lIns="0" tIns="0" rIns="0" bIns="0" anchor="ctr"/>
+          <a:lstStyle/>
           <a:p>
             <a:pPr algn="ctr"/>
             <a:endParaRPr/>
@@ -1086,7 +1244,8 @@
           </a:prstGeom>
         </p:spPr>
         <p:txBody>
-          <a:bodyPr lIns="0" rIns="0" tIns="0" bIns="0"/>
+          <a:bodyPr lIns="0" tIns="0" rIns="0" bIns="0"/>
+          <a:lstStyle/>
           <a:p>
             <a:endParaRPr/>
           </a:p>
@@ -1112,7 +1271,8 @@
           </a:prstGeom>
         </p:spPr>
         <p:txBody>
-          <a:bodyPr lIns="0" rIns="0" tIns="0" bIns="0"/>
+          <a:bodyPr lIns="0" tIns="0" rIns="0" bIns="0"/>
+          <a:lstStyle/>
           <a:p>
             <a:endParaRPr/>
           </a:p>
@@ -1138,7 +1298,8 @@
           </a:prstGeom>
         </p:spPr>
         <p:txBody>
-          <a:bodyPr lIns="0" rIns="0" tIns="0" bIns="0"/>
+          <a:bodyPr lIns="0" tIns="0" rIns="0" bIns="0"/>
+          <a:lstStyle/>
           <a:p>
             <a:endParaRPr/>
           </a:p>
@@ -1146,11 +1307,14 @@
       </p:sp>
     </p:spTree>
   </p:cSld>
+  <p:clrMapOvr>
+    <a:masterClrMapping/>
+  </p:clrMapOvr>
 </p:sldLayout>
 </file>
 
 <file path=ppt/slideLayouts/slideLayout21.xml><?xml version="1.0" encoding="utf-8"?>
-<p:sldLayout xmlns:a="http://schemas.openxmlformats.org/drawingml/2006/main" xmlns:p="http://schemas.openxmlformats.org/presentationml/2006/main" xmlns:r="http://schemas.openxmlformats.org/officeDocument/2006/relationships" type="twoObjOverTx" preserve="1">
+<p:sldLayout xmlns:a="http://schemas.openxmlformats.org/drawingml/2006/main" xmlns:r="http://schemas.openxmlformats.org/officeDocument/2006/relationships" xmlns:p="http://schemas.openxmlformats.org/presentationml/2006/main" type="twoObjOverTx" preserve="1">
   <p:cSld name="Title, 2 Content over Content">
     <p:spTree>
       <p:nvGrpSpPr>
@@ -1186,7 +1350,8 @@
           </a:prstGeom>
         </p:spPr>
         <p:txBody>
-          <a:bodyPr lIns="0" rIns="0" tIns="0" bIns="0" anchor="ctr"/>
+          <a:bodyPr lIns="0" tIns="0" rIns="0" bIns="0" anchor="ctr"/>
+          <a:lstStyle/>
           <a:p>
             <a:pPr algn="ctr"/>
             <a:endParaRPr/>
@@ -1213,7 +1378,8 @@
           </a:prstGeom>
         </p:spPr>
         <p:txBody>
-          <a:bodyPr lIns="0" rIns="0" tIns="0" bIns="0"/>
+          <a:bodyPr lIns="0" tIns="0" rIns="0" bIns="0"/>
+          <a:lstStyle/>
           <a:p>
             <a:endParaRPr/>
           </a:p>
@@ -1239,7 +1405,8 @@
           </a:prstGeom>
         </p:spPr>
         <p:txBody>
-          <a:bodyPr lIns="0" rIns="0" tIns="0" bIns="0"/>
+          <a:bodyPr lIns="0" tIns="0" rIns="0" bIns="0"/>
+          <a:lstStyle/>
           <a:p>
             <a:endParaRPr/>
           </a:p>
@@ -1265,7 +1432,8 @@
           </a:prstGeom>
         </p:spPr>
         <p:txBody>
-          <a:bodyPr lIns="0" rIns="0" tIns="0" bIns="0"/>
+          <a:bodyPr lIns="0" tIns="0" rIns="0" bIns="0"/>
+          <a:lstStyle/>
           <a:p>
             <a:endParaRPr/>
           </a:p>
@@ -1273,11 +1441,14 @@
       </p:sp>
     </p:spTree>
   </p:cSld>
+  <p:clrMapOvr>
+    <a:masterClrMapping/>
+  </p:clrMapOvr>
 </p:sldLayout>
 </file>
 
 <file path=ppt/slideLayouts/slideLayout22.xml><?xml version="1.0" encoding="utf-8"?>
-<p:sldLayout xmlns:a="http://schemas.openxmlformats.org/drawingml/2006/main" xmlns:p="http://schemas.openxmlformats.org/presentationml/2006/main" xmlns:r="http://schemas.openxmlformats.org/officeDocument/2006/relationships" type="objOverTx" preserve="1">
+<p:sldLayout xmlns:a="http://schemas.openxmlformats.org/drawingml/2006/main" xmlns:r="http://schemas.openxmlformats.org/officeDocument/2006/relationships" xmlns:p="http://schemas.openxmlformats.org/presentationml/2006/main" type="objOverTx" preserve="1">
   <p:cSld name="Title, Content over Content">
     <p:spTree>
       <p:nvGrpSpPr>
@@ -1313,7 +1484,8 @@
           </a:prstGeom>
         </p:spPr>
         <p:txBody>
-          <a:bodyPr lIns="0" rIns="0" tIns="0" bIns="0" anchor="ctr"/>
+          <a:bodyPr lIns="0" tIns="0" rIns="0" bIns="0" anchor="ctr"/>
+          <a:lstStyle/>
           <a:p>
             <a:pPr algn="ctr"/>
             <a:endParaRPr/>
@@ -1340,7 +1512,8 @@
           </a:prstGeom>
         </p:spPr>
         <p:txBody>
-          <a:bodyPr lIns="0" rIns="0" tIns="0" bIns="0"/>
+          <a:bodyPr lIns="0" tIns="0" rIns="0" bIns="0"/>
+          <a:lstStyle/>
           <a:p>
             <a:endParaRPr/>
           </a:p>
@@ -1366,7 +1539,8 @@
           </a:prstGeom>
         </p:spPr>
         <p:txBody>
-          <a:bodyPr lIns="0" rIns="0" tIns="0" bIns="0"/>
+          <a:bodyPr lIns="0" tIns="0" rIns="0" bIns="0"/>
+          <a:lstStyle/>
           <a:p>
             <a:endParaRPr/>
           </a:p>
@@ -1374,11 +1548,14 @@
       </p:sp>
     </p:spTree>
   </p:cSld>
+  <p:clrMapOvr>
+    <a:masterClrMapping/>
+  </p:clrMapOvr>
 </p:sldLayout>
 </file>
 
 <file path=ppt/slideLayouts/slideLayout23.xml><?xml version="1.0" encoding="utf-8"?>
-<p:sldLayout xmlns:a="http://schemas.openxmlformats.org/drawingml/2006/main" xmlns:p="http://schemas.openxmlformats.org/presentationml/2006/main" xmlns:r="http://schemas.openxmlformats.org/officeDocument/2006/relationships" type="fourObj" preserve="1">
+<p:sldLayout xmlns:a="http://schemas.openxmlformats.org/drawingml/2006/main" xmlns:r="http://schemas.openxmlformats.org/officeDocument/2006/relationships" xmlns:p="http://schemas.openxmlformats.org/presentationml/2006/main" type="fourObj" preserve="1">
   <p:cSld name="Title, 4 Content">
     <p:spTree>
       <p:nvGrpSpPr>
@@ -1414,7 +1591,8 @@
           </a:prstGeom>
         </p:spPr>
         <p:txBody>
-          <a:bodyPr lIns="0" rIns="0" tIns="0" bIns="0" anchor="ctr"/>
+          <a:bodyPr lIns="0" tIns="0" rIns="0" bIns="0" anchor="ctr"/>
+          <a:lstStyle/>
           <a:p>
             <a:pPr algn="ctr"/>
             <a:endParaRPr/>
@@ -1441,7 +1619,8 @@
           </a:prstGeom>
         </p:spPr>
         <p:txBody>
-          <a:bodyPr lIns="0" rIns="0" tIns="0" bIns="0"/>
+          <a:bodyPr lIns="0" tIns="0" rIns="0" bIns="0"/>
+          <a:lstStyle/>
           <a:p>
             <a:endParaRPr/>
           </a:p>
@@ -1467,7 +1646,8 @@
           </a:prstGeom>
         </p:spPr>
         <p:txBody>
-          <a:bodyPr lIns="0" rIns="0" tIns="0" bIns="0"/>
+          <a:bodyPr lIns="0" tIns="0" rIns="0" bIns="0"/>
+          <a:lstStyle/>
           <a:p>
             <a:endParaRPr/>
           </a:p>
@@ -1493,7 +1673,8 @@
           </a:prstGeom>
         </p:spPr>
         <p:txBody>
-          <a:bodyPr lIns="0" rIns="0" tIns="0" bIns="0"/>
+          <a:bodyPr lIns="0" tIns="0" rIns="0" bIns="0"/>
+          <a:lstStyle/>
           <a:p>
             <a:endParaRPr/>
           </a:p>
@@ -1519,7 +1700,8 @@
           </a:prstGeom>
         </p:spPr>
         <p:txBody>
-          <a:bodyPr lIns="0" rIns="0" tIns="0" bIns="0"/>
+          <a:bodyPr lIns="0" tIns="0" rIns="0" bIns="0"/>
+          <a:lstStyle/>
           <a:p>
             <a:endParaRPr/>
           </a:p>
@@ -1527,11 +1709,14 @@
       </p:sp>
     </p:spTree>
   </p:cSld>
+  <p:clrMapOvr>
+    <a:masterClrMapping/>
+  </p:clrMapOvr>
 </p:sldLayout>
 </file>
 
 <file path=ppt/slideLayouts/slideLayout24.xml><?xml version="1.0" encoding="utf-8"?>
-<p:sldLayout xmlns:a="http://schemas.openxmlformats.org/drawingml/2006/main" xmlns:p="http://schemas.openxmlformats.org/presentationml/2006/main" xmlns:r="http://schemas.openxmlformats.org/officeDocument/2006/relationships" type="blank" preserve="1">
+<p:sldLayout xmlns:a="http://schemas.openxmlformats.org/drawingml/2006/main" xmlns:r="http://schemas.openxmlformats.org/officeDocument/2006/relationships" xmlns:p="http://schemas.openxmlformats.org/presentationml/2006/main" type="blank" preserve="1">
   <p:cSld name="Title, 6 Content">
     <p:spTree>
       <p:nvGrpSpPr>
@@ -1567,7 +1752,8 @@
           </a:prstGeom>
         </p:spPr>
         <p:txBody>
-          <a:bodyPr lIns="0" rIns="0" tIns="0" bIns="0" anchor="ctr"/>
+          <a:bodyPr lIns="0" tIns="0" rIns="0" bIns="0" anchor="ctr"/>
+          <a:lstStyle/>
           <a:p>
             <a:pPr algn="ctr"/>
             <a:endParaRPr/>
@@ -1594,7 +1780,8 @@
           </a:prstGeom>
         </p:spPr>
         <p:txBody>
-          <a:bodyPr lIns="0" rIns="0" tIns="0" bIns="0"/>
+          <a:bodyPr lIns="0" tIns="0" rIns="0" bIns="0"/>
+          <a:lstStyle/>
           <a:p>
             <a:endParaRPr/>
           </a:p>
@@ -1620,7 +1807,8 @@
           </a:prstGeom>
         </p:spPr>
         <p:txBody>
-          <a:bodyPr lIns="0" rIns="0" tIns="0" bIns="0"/>
+          <a:bodyPr lIns="0" tIns="0" rIns="0" bIns="0"/>
+          <a:lstStyle/>
           <a:p>
             <a:endParaRPr/>
           </a:p>
@@ -1628,7 +1816,7 @@
       </p:sp>
       <p:pic>
         <p:nvPicPr>
-          <p:cNvPr id="77" name="" descr=""/>
+          <p:cNvPr id="77" name="Picture 76"/>
           <p:cNvPicPr/>
           <p:nvPr/>
         </p:nvPicPr>
@@ -1653,12 +1841,12 @@
       </p:pic>
       <p:pic>
         <p:nvPicPr>
-          <p:cNvPr id="78" name="" descr=""/>
+          <p:cNvPr id="78" name="Picture 77"/>
           <p:cNvPicPr/>
           <p:nvPr/>
         </p:nvPicPr>
         <p:blipFill>
-          <a:blip r:embed="rId3"/>
+          <a:blip r:embed="rId2"/>
           <a:stretch>
             <a:fillRect/>
           </a:stretch>
@@ -1678,11 +1866,14 @@
       </p:pic>
     </p:spTree>
   </p:cSld>
+  <p:clrMapOvr>
+    <a:masterClrMapping/>
+  </p:clrMapOvr>
 </p:sldLayout>
 </file>
 
 <file path=ppt/slideLayouts/slideLayout3.xml><?xml version="1.0" encoding="utf-8"?>
-<p:sldLayout xmlns:a="http://schemas.openxmlformats.org/drawingml/2006/main" xmlns:p="http://schemas.openxmlformats.org/presentationml/2006/main" xmlns:r="http://schemas.openxmlformats.org/officeDocument/2006/relationships" type="obj" preserve="1">
+<p:sldLayout xmlns:a="http://schemas.openxmlformats.org/drawingml/2006/main" xmlns:r="http://schemas.openxmlformats.org/officeDocument/2006/relationships" xmlns:p="http://schemas.openxmlformats.org/presentationml/2006/main" type="obj" preserve="1">
   <p:cSld name="Title, Content">
     <p:spTree>
       <p:nvGrpSpPr>
@@ -1718,7 +1909,8 @@
           </a:prstGeom>
         </p:spPr>
         <p:txBody>
-          <a:bodyPr lIns="0" rIns="0" tIns="0" bIns="0" anchor="ctr"/>
+          <a:bodyPr lIns="0" tIns="0" rIns="0" bIns="0" anchor="ctr"/>
+          <a:lstStyle/>
           <a:p>
             <a:pPr algn="ctr"/>
             <a:endParaRPr/>
@@ -1745,7 +1937,8 @@
           </a:prstGeom>
         </p:spPr>
         <p:txBody>
-          <a:bodyPr lIns="0" rIns="0" tIns="0" bIns="0"/>
+          <a:bodyPr lIns="0" tIns="0" rIns="0" bIns="0"/>
+          <a:lstStyle/>
           <a:p>
             <a:endParaRPr/>
           </a:p>
@@ -1753,11 +1946,14 @@
       </p:sp>
     </p:spTree>
   </p:cSld>
+  <p:clrMapOvr>
+    <a:masterClrMapping/>
+  </p:clrMapOvr>
 </p:sldLayout>
 </file>
 
 <file path=ppt/slideLayouts/slideLayout4.xml><?xml version="1.0" encoding="utf-8"?>
-<p:sldLayout xmlns:a="http://schemas.openxmlformats.org/drawingml/2006/main" xmlns:p="http://schemas.openxmlformats.org/presentationml/2006/main" xmlns:r="http://schemas.openxmlformats.org/officeDocument/2006/relationships" type="twoObj" preserve="1">
+<p:sldLayout xmlns:a="http://schemas.openxmlformats.org/drawingml/2006/main" xmlns:r="http://schemas.openxmlformats.org/officeDocument/2006/relationships" xmlns:p="http://schemas.openxmlformats.org/presentationml/2006/main" type="twoObj" preserve="1">
   <p:cSld name="Title, 2 Content">
     <p:spTree>
       <p:nvGrpSpPr>
@@ -1793,7 +1989,8 @@
           </a:prstGeom>
         </p:spPr>
         <p:txBody>
-          <a:bodyPr lIns="0" rIns="0" tIns="0" bIns="0" anchor="ctr"/>
+          <a:bodyPr lIns="0" tIns="0" rIns="0" bIns="0" anchor="ctr"/>
+          <a:lstStyle/>
           <a:p>
             <a:pPr algn="ctr"/>
             <a:endParaRPr/>
@@ -1820,7 +2017,8 @@
           </a:prstGeom>
         </p:spPr>
         <p:txBody>
-          <a:bodyPr lIns="0" rIns="0" tIns="0" bIns="0"/>
+          <a:bodyPr lIns="0" tIns="0" rIns="0" bIns="0"/>
+          <a:lstStyle/>
           <a:p>
             <a:endParaRPr/>
           </a:p>
@@ -1846,7 +2044,8 @@
           </a:prstGeom>
         </p:spPr>
         <p:txBody>
-          <a:bodyPr lIns="0" rIns="0" tIns="0" bIns="0"/>
+          <a:bodyPr lIns="0" tIns="0" rIns="0" bIns="0"/>
+          <a:lstStyle/>
           <a:p>
             <a:endParaRPr/>
           </a:p>
@@ -1854,11 +2053,14 @@
       </p:sp>
     </p:spTree>
   </p:cSld>
+  <p:clrMapOvr>
+    <a:masterClrMapping/>
+  </p:clrMapOvr>
 </p:sldLayout>
 </file>
 
 <file path=ppt/slideLayouts/slideLayout5.xml><?xml version="1.0" encoding="utf-8"?>
-<p:sldLayout xmlns:a="http://schemas.openxmlformats.org/drawingml/2006/main" xmlns:p="http://schemas.openxmlformats.org/presentationml/2006/main" xmlns:r="http://schemas.openxmlformats.org/officeDocument/2006/relationships" type="titleOnly" preserve="1">
+<p:sldLayout xmlns:a="http://schemas.openxmlformats.org/drawingml/2006/main" xmlns:r="http://schemas.openxmlformats.org/officeDocument/2006/relationships" xmlns:p="http://schemas.openxmlformats.org/presentationml/2006/main" type="titleOnly" preserve="1">
   <p:cSld name="Title Only">
     <p:spTree>
       <p:nvGrpSpPr>
@@ -1894,7 +2096,8 @@
           </a:prstGeom>
         </p:spPr>
         <p:txBody>
-          <a:bodyPr lIns="0" rIns="0" tIns="0" bIns="0" anchor="ctr"/>
+          <a:bodyPr lIns="0" tIns="0" rIns="0" bIns="0" anchor="ctr"/>
+          <a:lstStyle/>
           <a:p>
             <a:pPr algn="ctr"/>
             <a:endParaRPr/>
@@ -1903,11 +2106,14 @@
       </p:sp>
     </p:spTree>
   </p:cSld>
+  <p:clrMapOvr>
+    <a:masterClrMapping/>
+  </p:clrMapOvr>
 </p:sldLayout>
 </file>
 
 <file path=ppt/slideLayouts/slideLayout6.xml><?xml version="1.0" encoding="utf-8"?>
-<p:sldLayout xmlns:a="http://schemas.openxmlformats.org/drawingml/2006/main" xmlns:p="http://schemas.openxmlformats.org/presentationml/2006/main" xmlns:r="http://schemas.openxmlformats.org/officeDocument/2006/relationships" type="objOnly" preserve="1">
+<p:sldLayout xmlns:a="http://schemas.openxmlformats.org/drawingml/2006/main" xmlns:r="http://schemas.openxmlformats.org/officeDocument/2006/relationships" xmlns:p="http://schemas.openxmlformats.org/presentationml/2006/main" type="objOnly" preserve="1">
   <p:cSld name="Centered Text">
     <p:spTree>
       <p:nvGrpSpPr>
@@ -1943,7 +2149,8 @@
           </a:prstGeom>
         </p:spPr>
         <p:txBody>
-          <a:bodyPr lIns="0" rIns="0" tIns="0" bIns="0" anchor="ctr"/>
+          <a:bodyPr lIns="0" tIns="0" rIns="0" bIns="0" anchor="ctr"/>
+          <a:lstStyle/>
           <a:p>
             <a:pPr algn="ctr"/>
             <a:endParaRPr/>
@@ -1952,11 +2159,14 @@
       </p:sp>
     </p:spTree>
   </p:cSld>
+  <p:clrMapOvr>
+    <a:masterClrMapping/>
+  </p:clrMapOvr>
 </p:sldLayout>
 </file>
 
 <file path=ppt/slideLayouts/slideLayout7.xml><?xml version="1.0" encoding="utf-8"?>
-<p:sldLayout xmlns:a="http://schemas.openxmlformats.org/drawingml/2006/main" xmlns:p="http://schemas.openxmlformats.org/presentationml/2006/main" xmlns:r="http://schemas.openxmlformats.org/officeDocument/2006/relationships" type="twoObjAndObj" preserve="1">
+<p:sldLayout xmlns:a="http://schemas.openxmlformats.org/drawingml/2006/main" xmlns:r="http://schemas.openxmlformats.org/officeDocument/2006/relationships" xmlns:p="http://schemas.openxmlformats.org/presentationml/2006/main" type="twoObjAndObj" preserve="1">
   <p:cSld name="Title, 2 Content and Content">
     <p:spTree>
       <p:nvGrpSpPr>
@@ -1992,7 +2202,8 @@
           </a:prstGeom>
         </p:spPr>
         <p:txBody>
-          <a:bodyPr lIns="0" rIns="0" tIns="0" bIns="0" anchor="ctr"/>
+          <a:bodyPr lIns="0" tIns="0" rIns="0" bIns="0" anchor="ctr"/>
+          <a:lstStyle/>
           <a:p>
             <a:pPr algn="ctr"/>
             <a:endParaRPr/>
@@ -2019,7 +2230,8 @@
           </a:prstGeom>
         </p:spPr>
         <p:txBody>
-          <a:bodyPr lIns="0" rIns="0" tIns="0" bIns="0"/>
+          <a:bodyPr lIns="0" tIns="0" rIns="0" bIns="0"/>
+          <a:lstStyle/>
           <a:p>
             <a:endParaRPr/>
           </a:p>
@@ -2045,7 +2257,8 @@
           </a:prstGeom>
         </p:spPr>
         <p:txBody>
-          <a:bodyPr lIns="0" rIns="0" tIns="0" bIns="0"/>
+          <a:bodyPr lIns="0" tIns="0" rIns="0" bIns="0"/>
+          <a:lstStyle/>
           <a:p>
             <a:endParaRPr/>
           </a:p>
@@ -2071,7 +2284,8 @@
           </a:prstGeom>
         </p:spPr>
         <p:txBody>
-          <a:bodyPr lIns="0" rIns="0" tIns="0" bIns="0"/>
+          <a:bodyPr lIns="0" tIns="0" rIns="0" bIns="0"/>
+          <a:lstStyle/>
           <a:p>
             <a:endParaRPr/>
           </a:p>
@@ -2079,11 +2293,14 @@
       </p:sp>
     </p:spTree>
   </p:cSld>
+  <p:clrMapOvr>
+    <a:masterClrMapping/>
+  </p:clrMapOvr>
 </p:sldLayout>
 </file>
 
 <file path=ppt/slideLayouts/slideLayout8.xml><?xml version="1.0" encoding="utf-8"?>
-<p:sldLayout xmlns:a="http://schemas.openxmlformats.org/drawingml/2006/main" xmlns:p="http://schemas.openxmlformats.org/presentationml/2006/main" xmlns:r="http://schemas.openxmlformats.org/officeDocument/2006/relationships" type="objAndTwoObj" preserve="1">
+<p:sldLayout xmlns:a="http://schemas.openxmlformats.org/drawingml/2006/main" xmlns:r="http://schemas.openxmlformats.org/officeDocument/2006/relationships" xmlns:p="http://schemas.openxmlformats.org/presentationml/2006/main" type="objAndTwoObj" preserve="1">
   <p:cSld name="Title Content and 2 Content">
     <p:spTree>
       <p:nvGrpSpPr>
@@ -2119,7 +2336,8 @@
           </a:prstGeom>
         </p:spPr>
         <p:txBody>
-          <a:bodyPr lIns="0" rIns="0" tIns="0" bIns="0" anchor="ctr"/>
+          <a:bodyPr lIns="0" tIns="0" rIns="0" bIns="0" anchor="ctr"/>
+          <a:lstStyle/>
           <a:p>
             <a:pPr algn="ctr"/>
             <a:endParaRPr/>
@@ -2146,7 +2364,8 @@
           </a:prstGeom>
         </p:spPr>
         <p:txBody>
-          <a:bodyPr lIns="0" rIns="0" tIns="0" bIns="0"/>
+          <a:bodyPr lIns="0" tIns="0" rIns="0" bIns="0"/>
+          <a:lstStyle/>
           <a:p>
             <a:endParaRPr/>
           </a:p>
@@ -2172,7 +2391,8 @@
           </a:prstGeom>
         </p:spPr>
         <p:txBody>
-          <a:bodyPr lIns="0" rIns="0" tIns="0" bIns="0"/>
+          <a:bodyPr lIns="0" tIns="0" rIns="0" bIns="0"/>
+          <a:lstStyle/>
           <a:p>
             <a:endParaRPr/>
           </a:p>
@@ -2198,7 +2418,8 @@
           </a:prstGeom>
         </p:spPr>
         <p:txBody>
-          <a:bodyPr lIns="0" rIns="0" tIns="0" bIns="0"/>
+          <a:bodyPr lIns="0" tIns="0" rIns="0" bIns="0"/>
+          <a:lstStyle/>
           <a:p>
             <a:endParaRPr/>
           </a:p>
@@ -2206,11 +2427,14 @@
       </p:sp>
     </p:spTree>
   </p:cSld>
+  <p:clrMapOvr>
+    <a:masterClrMapping/>
+  </p:clrMapOvr>
 </p:sldLayout>
 </file>
 
 <file path=ppt/slideLayouts/slideLayout9.xml><?xml version="1.0" encoding="utf-8"?>
-<p:sldLayout xmlns:a="http://schemas.openxmlformats.org/drawingml/2006/main" xmlns:p="http://schemas.openxmlformats.org/presentationml/2006/main" xmlns:r="http://schemas.openxmlformats.org/officeDocument/2006/relationships" type="twoObjOverTx" preserve="1">
+<p:sldLayout xmlns:a="http://schemas.openxmlformats.org/drawingml/2006/main" xmlns:r="http://schemas.openxmlformats.org/officeDocument/2006/relationships" xmlns:p="http://schemas.openxmlformats.org/presentationml/2006/main" type="twoObjOverTx" preserve="1">
   <p:cSld name="Title, 2 Content over Content">
     <p:spTree>
       <p:nvGrpSpPr>
@@ -2246,7 +2470,8 @@
           </a:prstGeom>
         </p:spPr>
         <p:txBody>
-          <a:bodyPr lIns="0" rIns="0" tIns="0" bIns="0" anchor="ctr"/>
+          <a:bodyPr lIns="0" tIns="0" rIns="0" bIns="0" anchor="ctr"/>
+          <a:lstStyle/>
           <a:p>
             <a:pPr algn="ctr"/>
             <a:endParaRPr/>
@@ -2273,7 +2498,8 @@
           </a:prstGeom>
         </p:spPr>
         <p:txBody>
-          <a:bodyPr lIns="0" rIns="0" tIns="0" bIns="0"/>
+          <a:bodyPr lIns="0" tIns="0" rIns="0" bIns="0"/>
+          <a:lstStyle/>
           <a:p>
             <a:endParaRPr/>
           </a:p>
@@ -2299,7 +2525,8 @@
           </a:prstGeom>
         </p:spPr>
         <p:txBody>
-          <a:bodyPr lIns="0" rIns="0" tIns="0" bIns="0"/>
+          <a:bodyPr lIns="0" tIns="0" rIns="0" bIns="0"/>
+          <a:lstStyle/>
           <a:p>
             <a:endParaRPr/>
           </a:p>
@@ -2325,7 +2552,8 @@
           </a:prstGeom>
         </p:spPr>
         <p:txBody>
-          <a:bodyPr lIns="0" rIns="0" tIns="0" bIns="0"/>
+          <a:bodyPr lIns="0" tIns="0" rIns="0" bIns="0"/>
+          <a:lstStyle/>
           <a:p>
             <a:endParaRPr/>
           </a:p>
@@ -2333,17 +2561,21 @@
       </p:sp>
     </p:spTree>
   </p:cSld>
+  <p:clrMapOvr>
+    <a:masterClrMapping/>
+  </p:clrMapOvr>
 </p:sldLayout>
 </file>
 
 <file path=ppt/slideMasters/slideMaster1.xml><?xml version="1.0" encoding="utf-8"?>
-<p:sldMaster xmlns:a="http://schemas.openxmlformats.org/drawingml/2006/main" xmlns:p="http://schemas.openxmlformats.org/presentationml/2006/main" xmlns:r="http://schemas.openxmlformats.org/officeDocument/2006/relationships">
+<p:sldMaster xmlns:a="http://schemas.openxmlformats.org/drawingml/2006/main" xmlns:r="http://schemas.openxmlformats.org/officeDocument/2006/relationships" xmlns:p="http://schemas.openxmlformats.org/presentationml/2006/main">
   <p:cSld>
     <p:bg>
       <p:bgPr>
         <a:solidFill>
-          <a:srgbClr val="ffffff"/>
+          <a:srgbClr val="FFFFFF"/>
         </a:solidFill>
+        <a:effectLst/>
       </p:bgPr>
     </p:bg>
     <p:spTree>
@@ -2362,12 +2594,12 @@
       </p:grpSpPr>
       <p:pic>
         <p:nvPicPr>
-          <p:cNvPr id="0" name="Picture 9" descr=""/>
+          <p:cNvPr id="5" name="Picture 9"/>
           <p:cNvPicPr/>
           <p:nvPr/>
         </p:nvPicPr>
         <p:blipFill>
-          <a:blip r:embed="rId2"/>
+          <a:blip r:embed="rId14"/>
           <a:stretch>
             <a:fillRect/>
           </a:stretch>
@@ -2387,7 +2619,7 @@
       </p:pic>
       <p:sp>
         <p:nvSpPr>
-          <p:cNvPr id="1" name="CustomShape 1"/>
+          <p:cNvPr id="6" name="CustomShape 1"/>
           <p:cNvSpPr/>
           <p:nvPr/>
         </p:nvSpPr>
@@ -2405,7 +2637,8 @@
           </a:ln>
         </p:spPr>
         <p:txBody>
-          <a:bodyPr lIns="90000" rIns="90000" tIns="45000" bIns="45000"/>
+          <a:bodyPr lIns="90000" tIns="45000" rIns="90000" bIns="45000"/>
+          <a:lstStyle/>
           <a:p>
             <a:pPr algn="ctr">
               <a:lnSpc>
@@ -2441,7 +2674,7 @@
           </a:prstGeom>
           <a:ln w="25560">
             <a:solidFill>
-              <a:srgbClr val="f3a426"/>
+              <a:srgbClr val="F3A426"/>
             </a:solidFill>
             <a:round/>
           </a:ln>
@@ -2467,7 +2700,8 @@
           </a:prstGeom>
         </p:spPr>
         <p:txBody>
-          <a:bodyPr lIns="0" rIns="0" tIns="0" bIns="0" anchor="ctr"/>
+          <a:bodyPr lIns="0" tIns="0" rIns="0" bIns="0" anchor="ctr"/>
+          <a:lstStyle/>
           <a:p>
             <a:pPr algn="ctr"/>
             <a:r>
@@ -2500,7 +2734,8 @@
           </a:prstGeom>
         </p:spPr>
         <p:txBody>
-          <a:bodyPr lIns="0" rIns="0" tIns="0" bIns="0"/>
+          <a:bodyPr lIns="0" tIns="0" rIns="0" bIns="0"/>
+          <a:lstStyle/>
           <a:p>
             <a:pPr>
               <a:buSzPct val="45000"/>
@@ -2603,32 +2838,38 @@
       </p:sp>
     </p:spTree>
   </p:cSld>
-  <p:clrMap bg1="lt1" bg2="lt2" tx1="dk1" tx2="dk2" accent1="accent1" accent2="accent2" accent3="accent3" accent4="accent4" accent5="accent5" accent6="accent6" hlink="hlink" folHlink="folHlink"/>
+  <p:clrMap bg1="lt1" tx1="dk1" bg2="lt2" tx2="dk2" accent1="accent1" accent2="accent2" accent3="accent3" accent4="accent4" accent5="accent5" accent6="accent6" hlink="hlink" folHlink="folHlink"/>
   <p:sldLayoutIdLst>
-    <p:sldLayoutId id="2147483649" r:id="rId3"/>
-    <p:sldLayoutId id="2147483650" r:id="rId4"/>
-    <p:sldLayoutId id="2147483651" r:id="rId5"/>
-    <p:sldLayoutId id="2147483652" r:id="rId6"/>
-    <p:sldLayoutId id="2147483653" r:id="rId7"/>
-    <p:sldLayoutId id="2147483654" r:id="rId8"/>
-    <p:sldLayoutId id="2147483655" r:id="rId9"/>
-    <p:sldLayoutId id="2147483656" r:id="rId10"/>
-    <p:sldLayoutId id="2147483657" r:id="rId11"/>
-    <p:sldLayoutId id="2147483658" r:id="rId12"/>
-    <p:sldLayoutId id="2147483659" r:id="rId13"/>
-    <p:sldLayoutId id="2147483660" r:id="rId14"/>
+    <p:sldLayoutId id="2147483649" r:id="rId1"/>
+    <p:sldLayoutId id="2147483650" r:id="rId2"/>
+    <p:sldLayoutId id="2147483651" r:id="rId3"/>
+    <p:sldLayoutId id="2147483652" r:id="rId4"/>
+    <p:sldLayoutId id="2147483653" r:id="rId5"/>
+    <p:sldLayoutId id="2147483654" r:id="rId6"/>
+    <p:sldLayoutId id="2147483655" r:id="rId7"/>
+    <p:sldLayoutId id="2147483656" r:id="rId8"/>
+    <p:sldLayoutId id="2147483657" r:id="rId9"/>
+    <p:sldLayoutId id="2147483658" r:id="rId10"/>
+    <p:sldLayoutId id="2147483659" r:id="rId11"/>
+    <p:sldLayoutId id="2147483660" r:id="rId12"/>
   </p:sldLayoutIdLst>
+  <p:txStyles>
+    <p:titleStyle/>
+    <p:bodyStyle/>
+    <p:otherStyle/>
+  </p:txStyles>
 </p:sldMaster>
 </file>
 
 <file path=ppt/slideMasters/slideMaster2.xml><?xml version="1.0" encoding="utf-8"?>
-<p:sldMaster xmlns:a="http://schemas.openxmlformats.org/drawingml/2006/main" xmlns:p="http://schemas.openxmlformats.org/presentationml/2006/main" xmlns:r="http://schemas.openxmlformats.org/officeDocument/2006/relationships">
+<p:sldMaster xmlns:a="http://schemas.openxmlformats.org/drawingml/2006/main" xmlns:r="http://schemas.openxmlformats.org/officeDocument/2006/relationships" xmlns:p="http://schemas.openxmlformats.org/presentationml/2006/main">
   <p:cSld>
     <p:bg>
       <p:bgPr>
         <a:solidFill>
-          <a:srgbClr val="ffffff"/>
+          <a:srgbClr val="FFFFFF"/>
         </a:solidFill>
+        <a:effectLst/>
       </p:bgPr>
     </p:bg>
     <p:spTree>
@@ -2647,12 +2888,12 @@
       </p:grpSpPr>
       <p:pic>
         <p:nvPicPr>
-          <p:cNvPr id="39" name="Picture 7" descr=""/>
+          <p:cNvPr id="39" name="Picture 7"/>
           <p:cNvPicPr/>
           <p:nvPr/>
         </p:nvPicPr>
         <p:blipFill>
-          <a:blip r:embed="rId2"/>
+          <a:blip r:embed="rId14"/>
           <a:stretch>
             <a:fillRect/>
           </a:stretch>
@@ -2690,7 +2931,8 @@
           </a:ln>
         </p:spPr>
         <p:txBody>
-          <a:bodyPr lIns="90000" rIns="90000" tIns="45000" bIns="45000"/>
+          <a:bodyPr lIns="90000" tIns="45000" rIns="90000" bIns="45000"/>
+          <a:lstStyle/>
           <a:p>
             <a:pPr algn="ctr">
               <a:lnSpc>
@@ -2726,7 +2968,7 @@
           </a:prstGeom>
           <a:ln w="25560">
             <a:solidFill>
-              <a:srgbClr val="f3a426"/>
+              <a:srgbClr val="F3A426"/>
             </a:solidFill>
             <a:round/>
           </a:ln>
@@ -2752,7 +2994,8 @@
           </a:prstGeom>
         </p:spPr>
         <p:txBody>
-          <a:bodyPr lIns="0" rIns="0" tIns="0" bIns="0" anchor="ctr"/>
+          <a:bodyPr lIns="0" tIns="0" rIns="0" bIns="0" anchor="ctr"/>
+          <a:lstStyle/>
           <a:p>
             <a:r>
               <a:rPr lang="en-US">
@@ -2784,7 +3027,8 @@
           </a:prstGeom>
         </p:spPr>
         <p:txBody>
-          <a:bodyPr lIns="0" rIns="0" tIns="0" bIns="0"/>
+          <a:bodyPr lIns="0" tIns="0" rIns="0" bIns="0"/>
+          <a:lstStyle/>
           <a:p>
             <a:pPr>
               <a:buSzPct val="45000"/>
@@ -2905,7 +3149,8 @@
           </a:prstGeom>
         </p:spPr>
         <p:txBody>
-          <a:bodyPr lIns="0" rIns="0" tIns="0" bIns="0"/>
+          <a:bodyPr lIns="0" tIns="0" rIns="0" bIns="0"/>
+          <a:lstStyle/>
           <a:p>
             <a:pPr>
               <a:buSzPct val="45000"/>
@@ -3008,26 +3253,31 @@
       </p:sp>
     </p:spTree>
   </p:cSld>
-  <p:clrMap bg1="lt1" bg2="lt2" tx1="dk1" tx2="dk2" accent1="accent1" accent2="accent2" accent3="accent3" accent4="accent4" accent5="accent5" accent6="accent6" hlink="hlink" folHlink="folHlink"/>
+  <p:clrMap bg1="lt1" tx1="dk1" bg2="lt2" tx2="dk2" accent1="accent1" accent2="accent2" accent3="accent3" accent4="accent4" accent5="accent5" accent6="accent6" hlink="hlink" folHlink="folHlink"/>
   <p:sldLayoutIdLst>
-    <p:sldLayoutId id="2147483662" r:id="rId3"/>
-    <p:sldLayoutId id="2147483663" r:id="rId4"/>
-    <p:sldLayoutId id="2147483664" r:id="rId5"/>
-    <p:sldLayoutId id="2147483665" r:id="rId6"/>
-    <p:sldLayoutId id="2147483666" r:id="rId7"/>
-    <p:sldLayoutId id="2147483667" r:id="rId8"/>
-    <p:sldLayoutId id="2147483668" r:id="rId9"/>
-    <p:sldLayoutId id="2147483669" r:id="rId10"/>
-    <p:sldLayoutId id="2147483670" r:id="rId11"/>
-    <p:sldLayoutId id="2147483671" r:id="rId12"/>
-    <p:sldLayoutId id="2147483672" r:id="rId13"/>
-    <p:sldLayoutId id="2147483673" r:id="rId14"/>
+    <p:sldLayoutId id="2147483662" r:id="rId1"/>
+    <p:sldLayoutId id="2147483663" r:id="rId2"/>
+    <p:sldLayoutId id="2147483664" r:id="rId3"/>
+    <p:sldLayoutId id="2147483665" r:id="rId4"/>
+    <p:sldLayoutId id="2147483666" r:id="rId5"/>
+    <p:sldLayoutId id="2147483667" r:id="rId6"/>
+    <p:sldLayoutId id="2147483668" r:id="rId7"/>
+    <p:sldLayoutId id="2147483669" r:id="rId8"/>
+    <p:sldLayoutId id="2147483670" r:id="rId9"/>
+    <p:sldLayoutId id="2147483671" r:id="rId10"/>
+    <p:sldLayoutId id="2147483672" r:id="rId11"/>
+    <p:sldLayoutId id="2147483673" r:id="rId12"/>
   </p:sldLayoutIdLst>
+  <p:txStyles>
+    <p:titleStyle/>
+    <p:bodyStyle/>
+    <p:otherStyle/>
+  </p:txStyles>
 </p:sldMaster>
 </file>
 
 <file path=ppt/slides/slide1.xml><?xml version="1.0" encoding="utf-8"?>
-<p:sld xmlns:a="http://schemas.openxmlformats.org/drawingml/2006/main" xmlns:p="http://schemas.openxmlformats.org/presentationml/2006/main" xmlns:r="http://schemas.openxmlformats.org/officeDocument/2006/relationships">
+<p:sld xmlns:a="http://schemas.openxmlformats.org/drawingml/2006/main" xmlns:r="http://schemas.openxmlformats.org/officeDocument/2006/relationships" xmlns:p="http://schemas.openxmlformats.org/presentationml/2006/main">
   <p:cSld>
     <p:spTree>
       <p:nvGrpSpPr>
@@ -3045,32 +3295,7 @@
       </p:grpSpPr>
       <p:pic>
         <p:nvPicPr>
-          <p:cNvPr id="79" name="Picture 3" descr=""/>
-          <p:cNvPicPr/>
-          <p:nvPr/>
-        </p:nvPicPr>
-        <p:blipFill>
-          <a:blip r:embed="rId1"/>
-          <a:stretch>
-            <a:fillRect/>
-          </a:stretch>
-        </p:blipFill>
-        <p:spPr>
-          <a:xfrm>
-            <a:off x="1685520" y="714600"/>
-            <a:ext cx="1864440" cy="544320"/>
-          </a:xfrm>
-          <a:prstGeom prst="rect">
-            <a:avLst/>
-          </a:prstGeom>
-          <a:ln>
-            <a:noFill/>
-          </a:ln>
-        </p:spPr>
-      </p:pic>
-      <p:pic>
-        <p:nvPicPr>
-          <p:cNvPr id="80" name="Picture 4" descr=""/>
+          <p:cNvPr id="79" name="Picture 3"/>
           <p:cNvPicPr/>
           <p:nvPr/>
         </p:nvPicPr>
@@ -3082,8 +3307,8 @@
         </p:blipFill>
         <p:spPr>
           <a:xfrm>
-            <a:off x="2028240" y="1260720"/>
-            <a:ext cx="1179000" cy="1335960"/>
+            <a:off x="1685520" y="714600"/>
+            <a:ext cx="1864440" cy="544320"/>
           </a:xfrm>
           <a:prstGeom prst="rect">
             <a:avLst/>
@@ -3095,7 +3320,7 @@
       </p:pic>
       <p:pic>
         <p:nvPicPr>
-          <p:cNvPr id="81" name="image3.png" descr=""/>
+          <p:cNvPr id="80" name="Picture 4"/>
           <p:cNvPicPr/>
           <p:nvPr/>
         </p:nvPicPr>
@@ -3107,69 +3332,20 @@
         </p:blipFill>
         <p:spPr>
           <a:xfrm>
-            <a:off x="5344200" y="1610640"/>
-            <a:ext cx="1953360" cy="876960"/>
-          </a:xfrm>
-          <a:prstGeom prst="rect">
-            <a:avLst/>
-          </a:prstGeom>
-          <a:ln w="12600">
-            <a:noFill/>
-          </a:ln>
-        </p:spPr>
-      </p:pic>
-      <p:sp>
-        <p:nvSpPr>
-          <p:cNvPr id="82" name="CustomShape 1"/>
-          <p:cNvSpPr/>
-          <p:nvPr/>
-        </p:nvSpPr>
-        <p:spPr>
-          <a:xfrm>
-            <a:off x="3695760" y="1044720"/>
-            <a:ext cx="1375920" cy="1003320"/>
-          </a:xfrm>
-          <a:prstGeom prst="rect">
-            <a:avLst/>
-          </a:prstGeom>
-          <a:noFill/>
+            <a:off x="2028240" y="1260720"/>
+            <a:ext cx="1179000" cy="1335960"/>
+          </a:xfrm>
+          <a:prstGeom prst="rect">
+            <a:avLst/>
+          </a:prstGeom>
           <a:ln>
             <a:noFill/>
           </a:ln>
         </p:spPr>
-        <p:txBody>
-          <a:bodyPr wrap="none" lIns="90000" rIns="90000" tIns="45000" bIns="45000"/>
-          <a:p>
-            <a:pPr>
-              <a:lnSpc>
-                <a:spcPct val="100000"/>
-              </a:lnSpc>
-            </a:pPr>
-            <a:r>
-              <a:rPr b="1" lang="en-US" sz="6000">
-                <a:solidFill>
-                  <a:srgbClr val="f3a426"/>
-                </a:solidFill>
-                <a:latin typeface="Verdana"/>
-              </a:rPr>
-              <a:t>+</a:t>
-            </a:r>
-            <a:r>
-              <a:rPr lang="en-US" sz="6000">
-                <a:solidFill>
-                  <a:srgbClr val="f3a426"/>
-                </a:solidFill>
-                <a:latin typeface="Verdana"/>
-              </a:rPr>
-              <a:t>  </a:t>
-            </a:r>
-            <a:endParaRPr/>
-          </a:p>
-        </p:txBody>
-      </p:sp>
+      </p:pic>
       <p:pic>
         <p:nvPicPr>
-          <p:cNvPr id="83" name="Picture 7" descr=""/>
+          <p:cNvPr id="81" name="image3.png"/>
           <p:cNvPicPr/>
           <p:nvPr/>
         </p:nvPicPr>
@@ -3181,27 +3357,27 @@
         </p:blipFill>
         <p:spPr>
           <a:xfrm>
-            <a:off x="5132520" y="626760"/>
-            <a:ext cx="2344320" cy="907920"/>
-          </a:xfrm>
-          <a:prstGeom prst="rect">
-            <a:avLst/>
-          </a:prstGeom>
-          <a:ln>
+            <a:off x="5344200" y="1610640"/>
+            <a:ext cx="1953360" cy="876960"/>
+          </a:xfrm>
+          <a:prstGeom prst="rect">
+            <a:avLst/>
+          </a:prstGeom>
+          <a:ln w="12600">
             <a:noFill/>
           </a:ln>
         </p:spPr>
       </p:pic>
       <p:sp>
         <p:nvSpPr>
-          <p:cNvPr id="84" name="CustomShape 2"/>
+          <p:cNvPr id="82" name="CustomShape 1"/>
           <p:cNvSpPr/>
           <p:nvPr/>
         </p:nvSpPr>
         <p:spPr>
           <a:xfrm>
-            <a:off x="60120" y="3090600"/>
-            <a:ext cx="8766000" cy="1429560"/>
+            <a:off x="3695760" y="1044720"/>
+            <a:ext cx="1375920" cy="1003320"/>
           </a:xfrm>
           <a:prstGeom prst="rect">
             <a:avLst/>
@@ -3212,7 +3388,83 @@
           </a:ln>
         </p:spPr>
         <p:txBody>
-          <a:bodyPr wrap="none" lIns="90000" rIns="90000" tIns="45000" bIns="45000"/>
+          <a:bodyPr wrap="none" lIns="90000" tIns="45000" rIns="90000" bIns="45000"/>
+          <a:lstStyle/>
+          <a:p>
+            <a:pPr>
+              <a:lnSpc>
+                <a:spcPct val="100000"/>
+              </a:lnSpc>
+            </a:pPr>
+            <a:r>
+              <a:rPr lang="en-US" sz="6000" b="1">
+                <a:solidFill>
+                  <a:srgbClr val="F3A426"/>
+                </a:solidFill>
+                <a:latin typeface="Verdana"/>
+              </a:rPr>
+              <a:t>+</a:t>
+            </a:r>
+            <a:r>
+              <a:rPr lang="en-US" sz="6000">
+                <a:solidFill>
+                  <a:srgbClr val="F3A426"/>
+                </a:solidFill>
+                <a:latin typeface="Verdana"/>
+              </a:rPr>
+              <a:t>  </a:t>
+            </a:r>
+            <a:endParaRPr/>
+          </a:p>
+        </p:txBody>
+      </p:sp>
+      <p:pic>
+        <p:nvPicPr>
+          <p:cNvPr id="83" name="Picture 7"/>
+          <p:cNvPicPr/>
+          <p:nvPr/>
+        </p:nvPicPr>
+        <p:blipFill>
+          <a:blip r:embed="rId5"/>
+          <a:stretch>
+            <a:fillRect/>
+          </a:stretch>
+        </p:blipFill>
+        <p:spPr>
+          <a:xfrm>
+            <a:off x="5132520" y="626760"/>
+            <a:ext cx="2344320" cy="907920"/>
+          </a:xfrm>
+          <a:prstGeom prst="rect">
+            <a:avLst/>
+          </a:prstGeom>
+          <a:ln>
+            <a:noFill/>
+          </a:ln>
+        </p:spPr>
+      </p:pic>
+      <p:sp>
+        <p:nvSpPr>
+          <p:cNvPr id="84" name="CustomShape 2"/>
+          <p:cNvSpPr/>
+          <p:nvPr/>
+        </p:nvSpPr>
+        <p:spPr>
+          <a:xfrm>
+            <a:off x="60120" y="3090600"/>
+            <a:ext cx="8766000" cy="1429560"/>
+          </a:xfrm>
+          <a:prstGeom prst="rect">
+            <a:avLst/>
+          </a:prstGeom>
+          <a:noFill/>
+          <a:ln>
+            <a:noFill/>
+          </a:ln>
+        </p:spPr>
+        <p:txBody>
+          <a:bodyPr wrap="none" lIns="90000" tIns="45000" rIns="90000" bIns="45000"/>
+          <a:lstStyle/>
           <a:p>
             <a:pPr algn="ctr">
               <a:lnSpc>
@@ -3220,9 +3472,9 @@
               </a:lnSpc>
             </a:pPr>
             <a:r>
-              <a:rPr b="1" lang="en-US" sz="8800">
+              <a:rPr lang="en-US" sz="8800" b="1">
                 <a:solidFill>
-                  <a:srgbClr val="f3a426"/>
+                  <a:srgbClr val="F3A426"/>
                 </a:solidFill>
                 <a:latin typeface="Calibri"/>
               </a:rPr>
@@ -3237,9 +3489,9 @@
               </a:lnSpc>
             </a:pPr>
             <a:r>
-              <a:rPr b="1" lang="en-US" sz="8800">
+              <a:rPr lang="en-US" sz="8800" b="1">
                 <a:solidFill>
-                  <a:srgbClr val="f3a426"/>
+                  <a:srgbClr val="F3A426"/>
                 </a:solidFill>
                 <a:latin typeface="Calibri"/>
               </a:rPr>
@@ -3251,22 +3503,25 @@
       </p:sp>
     </p:spTree>
   </p:cSld>
+  <p:clrMapOvr>
+    <a:masterClrMapping/>
+  </p:clrMapOvr>
   <p:timing>
     <p:tnLst>
       <p:par>
-        <p:cTn id="1" dur="indefinite" restart="never" nodeType="tmRoot">
+        <p:cTn xmlns:p14="http://schemas.microsoft.com/office/powerpoint/2010/main" id="1" dur="indefinite" restart="never" nodeType="tmRoot">
           <p:childTnLst>
             <p:seq>
               <p:cTn id="2" nodeType="mainSeq"/>
               <p:prevCondLst>
-                <p:cond delay="0" evt="onPrev">
+                <p:cond evt="onPrev" delay="0">
                   <p:tgtEl>
                     <p:sldTgt/>
                   </p:tgtEl>
                 </p:cond>
               </p:prevCondLst>
               <p:nextCondLst>
-                <p:cond delay="0" evt="onNext">
+                <p:cond evt="onNext" delay="0">
                   <p:tgtEl>
                     <p:sldTgt/>
                   </p:tgtEl>
@@ -3282,7 +3537,7 @@
 </file>
 
 <file path=ppt/slides/slide2.xml><?xml version="1.0" encoding="utf-8"?>
-<p:sld xmlns:a="http://schemas.openxmlformats.org/drawingml/2006/main" xmlns:p="http://schemas.openxmlformats.org/presentationml/2006/main" xmlns:r="http://schemas.openxmlformats.org/officeDocument/2006/relationships">
+<p:sld xmlns:a="http://schemas.openxmlformats.org/drawingml/2006/main" xmlns:r="http://schemas.openxmlformats.org/officeDocument/2006/relationships" xmlns:p="http://schemas.openxmlformats.org/presentationml/2006/main">
   <p:cSld>
     <p:spTree>
       <p:nvGrpSpPr>
@@ -3318,17 +3573,18 @@
           </a:ln>
         </p:spPr>
         <p:txBody>
-          <a:bodyPr lIns="90000" rIns="90000" tIns="45000" bIns="45000"/>
-          <a:p>
-            <a:pPr>
-              <a:lnSpc>
-                <a:spcPct val="100000"/>
-              </a:lnSpc>
-            </a:pPr>
-            <a:r>
-              <a:rPr b="1" lang="en-US" sz="4400">
+          <a:bodyPr lIns="90000" tIns="45000" rIns="90000" bIns="45000"/>
+          <a:lstStyle/>
+          <a:p>
+            <a:pPr>
+              <a:lnSpc>
+                <a:spcPct val="100000"/>
+              </a:lnSpc>
+            </a:pPr>
+            <a:r>
+              <a:rPr lang="en-US" sz="4400" b="1">
                 <a:solidFill>
-                  <a:srgbClr val="f3a426"/>
+                  <a:srgbClr val="F3A426"/>
                 </a:solidFill>
                 <a:latin typeface="Verdana"/>
               </a:rPr>
@@ -3358,7 +3614,8 @@
           </a:ln>
         </p:spPr>
         <p:txBody>
-          <a:bodyPr lIns="90000" rIns="90000" tIns="45000" bIns="45000"/>
+          <a:bodyPr lIns="90000" tIns="45000" rIns="90000" bIns="45000"/>
+          <a:lstStyle/>
           <a:p>
             <a:pPr>
               <a:lnSpc>
@@ -3483,12 +3740,12 @@
       </p:sp>
       <p:pic>
         <p:nvPicPr>
-          <p:cNvPr id="87" name="" descr=""/>
+          <p:cNvPr id="87" name="Picture 86"/>
           <p:cNvPicPr/>
           <p:nvPr/>
         </p:nvPicPr>
         <p:blipFill>
-          <a:blip r:embed="rId1"/>
+          <a:blip r:embed="rId2"/>
           <a:stretch>
             <a:fillRect/>
           </a:stretch>
@@ -3508,22 +3765,25 @@
       </p:pic>
     </p:spTree>
   </p:cSld>
+  <p:clrMapOvr>
+    <a:masterClrMapping/>
+  </p:clrMapOvr>
   <p:timing>
     <p:tnLst>
       <p:par>
-        <p:cTn id="3" dur="indefinite" restart="never" nodeType="tmRoot">
+        <p:cTn xmlns:p14="http://schemas.microsoft.com/office/powerpoint/2010/main" id="1" dur="indefinite" restart="never" nodeType="tmRoot">
           <p:childTnLst>
             <p:seq>
-              <p:cTn id="4" nodeType="mainSeq"/>
+              <p:cTn id="2" nodeType="mainSeq"/>
               <p:prevCondLst>
-                <p:cond delay="0" evt="onPrev">
+                <p:cond evt="onPrev" delay="0">
                   <p:tgtEl>
                     <p:sldTgt/>
                   </p:tgtEl>
                 </p:cond>
               </p:prevCondLst>
               <p:nextCondLst>
-                <p:cond delay="0" evt="onNext">
+                <p:cond evt="onNext" delay="0">
                   <p:tgtEl>
                     <p:sldTgt/>
                   </p:tgtEl>
@@ -3539,7 +3799,7 @@
 </file>
 
 <file path=ppt/slides/slide3.xml><?xml version="1.0" encoding="utf-8"?>
-<p:sld xmlns:a="http://schemas.openxmlformats.org/drawingml/2006/main" xmlns:p="http://schemas.openxmlformats.org/presentationml/2006/main" xmlns:r="http://schemas.openxmlformats.org/officeDocument/2006/relationships">
+<p:sld xmlns:a="http://schemas.openxmlformats.org/drawingml/2006/main" xmlns:r="http://schemas.openxmlformats.org/officeDocument/2006/relationships" xmlns:p="http://schemas.openxmlformats.org/presentationml/2006/main">
   <p:cSld>
     <p:spTree>
       <p:nvGrpSpPr>
@@ -3575,17 +3835,18 @@
           </a:ln>
         </p:spPr>
         <p:txBody>
-          <a:bodyPr lIns="90000" rIns="90000" tIns="45000" bIns="45000"/>
-          <a:p>
-            <a:pPr>
-              <a:lnSpc>
-                <a:spcPct val="100000"/>
-              </a:lnSpc>
-            </a:pPr>
-            <a:r>
-              <a:rPr b="1" lang="en-US" sz="4400">
+          <a:bodyPr lIns="90000" tIns="45000" rIns="90000" bIns="45000"/>
+          <a:lstStyle/>
+          <a:p>
+            <a:pPr>
+              <a:lnSpc>
+                <a:spcPct val="100000"/>
+              </a:lnSpc>
+            </a:pPr>
+            <a:r>
+              <a:rPr lang="en-US" sz="4400" b="1">
                 <a:solidFill>
-                  <a:srgbClr val="f3a426"/>
+                  <a:srgbClr val="F3A426"/>
                 </a:solidFill>
                 <a:latin typeface="Verdana"/>
               </a:rPr>
@@ -3615,7 +3876,8 @@
           </a:ln>
         </p:spPr>
         <p:txBody>
-          <a:bodyPr lIns="90000" rIns="90000" tIns="45000" bIns="45000"/>
+          <a:bodyPr lIns="90000" tIns="45000" rIns="90000" bIns="45000"/>
+          <a:lstStyle/>
           <a:p>
             <a:pPr>
               <a:lnSpc>
@@ -3718,7 +3980,8 @@
           </a:ln>
         </p:spPr>
         <p:txBody>
-          <a:bodyPr lIns="90000" rIns="90000" tIns="45000" bIns="45000"/>
+          <a:bodyPr lIns="90000" tIns="45000" rIns="90000" bIns="45000"/>
+          <a:lstStyle/>
           <a:p>
             <a:pPr algn="r">
               <a:lnSpc>
@@ -3732,7 +3995,7 @@
                 </a:solidFill>
                 <a:latin typeface="Calibri"/>
               </a:rPr>
-              <a:t>&lt;number&gt;</a:t>
+              <a:t>3</a:t>
             </a:fld>
             <a:endParaRPr/>
           </a:p>
@@ -3758,7 +4021,8 @@
           </a:ln>
         </p:spPr>
         <p:txBody>
-          <a:bodyPr lIns="90000" rIns="90000" tIns="45000" bIns="45000"/>
+          <a:bodyPr lIns="90000" tIns="45000" rIns="90000" bIns="45000"/>
+          <a:lstStyle/>
           <a:p>
             <a:pPr algn="ctr">
               <a:lnSpc>
@@ -3780,32 +4044,7 @@
       </p:sp>
       <p:pic>
         <p:nvPicPr>
-          <p:cNvPr id="92" name="" descr=""/>
-          <p:cNvPicPr/>
-          <p:nvPr/>
-        </p:nvPicPr>
-        <p:blipFill>
-          <a:blip r:embed="rId1"/>
-          <a:stretch>
-            <a:fillRect/>
-          </a:stretch>
-        </p:blipFill>
-        <p:spPr>
-          <a:xfrm>
-            <a:off x="4193280" y="1178640"/>
-            <a:ext cx="4676400" cy="3210480"/>
-          </a:xfrm>
-          <a:prstGeom prst="rect">
-            <a:avLst/>
-          </a:prstGeom>
-          <a:ln>
-            <a:noFill/>
-          </a:ln>
-        </p:spPr>
-      </p:pic>
-      <p:pic>
-        <p:nvPicPr>
-          <p:cNvPr id="93" name="" descr=""/>
+          <p:cNvPr id="92" name="Picture 91"/>
           <p:cNvPicPr/>
           <p:nvPr/>
         </p:nvPicPr>
@@ -3817,8 +4056,8 @@
         </p:blipFill>
         <p:spPr>
           <a:xfrm>
-            <a:off x="4206240" y="4646880"/>
-            <a:ext cx="2232360" cy="1188360"/>
+            <a:off x="4193280" y="1178640"/>
+            <a:ext cx="4676400" cy="3210480"/>
           </a:xfrm>
           <a:prstGeom prst="rect">
             <a:avLst/>
@@ -3828,24 +4067,52 @@
           </a:ln>
         </p:spPr>
       </p:pic>
+      <p:pic>
+        <p:nvPicPr>
+          <p:cNvPr id="93" name="Picture 92"/>
+          <p:cNvPicPr/>
+          <p:nvPr/>
+        </p:nvPicPr>
+        <p:blipFill>
+          <a:blip r:embed="rId3"/>
+          <a:stretch>
+            <a:fillRect/>
+          </a:stretch>
+        </p:blipFill>
+        <p:spPr>
+          <a:xfrm>
+            <a:off x="4206240" y="4646880"/>
+            <a:ext cx="2232360" cy="1188360"/>
+          </a:xfrm>
+          <a:prstGeom prst="rect">
+            <a:avLst/>
+          </a:prstGeom>
+          <a:ln>
+            <a:noFill/>
+          </a:ln>
+        </p:spPr>
+      </p:pic>
     </p:spTree>
   </p:cSld>
+  <p:clrMapOvr>
+    <a:masterClrMapping/>
+  </p:clrMapOvr>
   <p:timing>
     <p:tnLst>
       <p:par>
-        <p:cTn id="5" dur="indefinite" restart="never" nodeType="tmRoot">
+        <p:cTn xmlns:p14="http://schemas.microsoft.com/office/powerpoint/2010/main" id="1" dur="indefinite" restart="never" nodeType="tmRoot">
           <p:childTnLst>
             <p:seq>
-              <p:cTn id="6" nodeType="mainSeq"/>
+              <p:cTn id="2" nodeType="mainSeq"/>
               <p:prevCondLst>
-                <p:cond delay="0" evt="onPrev">
+                <p:cond evt="onPrev" delay="0">
                   <p:tgtEl>
                     <p:sldTgt/>
                   </p:tgtEl>
                 </p:cond>
               </p:prevCondLst>
               <p:nextCondLst>
-                <p:cond delay="0" evt="onNext">
+                <p:cond evt="onNext" delay="0">
                   <p:tgtEl>
                     <p:sldTgt/>
                   </p:tgtEl>
@@ -3861,7 +4128,7 @@
 </file>
 
 <file path=ppt/slides/slide4.xml><?xml version="1.0" encoding="utf-8"?>
-<p:sld xmlns:a="http://schemas.openxmlformats.org/drawingml/2006/main" xmlns:p="http://schemas.openxmlformats.org/presentationml/2006/main" xmlns:r="http://schemas.openxmlformats.org/officeDocument/2006/relationships">
+<p:sld xmlns:a="http://schemas.openxmlformats.org/drawingml/2006/main" xmlns:r="http://schemas.openxmlformats.org/officeDocument/2006/relationships" xmlns:p="http://schemas.openxmlformats.org/presentationml/2006/main">
   <p:cSld>
     <p:spTree>
       <p:nvGrpSpPr>
@@ -3897,17 +4164,18 @@
           </a:ln>
         </p:spPr>
         <p:txBody>
-          <a:bodyPr lIns="90000" rIns="90000" tIns="45000" bIns="45000"/>
-          <a:p>
-            <a:pPr>
-              <a:lnSpc>
-                <a:spcPct val="100000"/>
-              </a:lnSpc>
-            </a:pPr>
-            <a:r>
-              <a:rPr b="1" lang="en-US" sz="4400">
+          <a:bodyPr lIns="90000" tIns="45000" rIns="90000" bIns="45000"/>
+          <a:lstStyle/>
+          <a:p>
+            <a:pPr>
+              <a:lnSpc>
+                <a:spcPct val="100000"/>
+              </a:lnSpc>
+            </a:pPr>
+            <a:r>
+              <a:rPr lang="en-US" sz="4400" b="1">
                 <a:solidFill>
-                  <a:srgbClr val="f3a426"/>
+                  <a:srgbClr val="F3A426"/>
                 </a:solidFill>
                 <a:latin typeface="Verdana"/>
               </a:rPr>
@@ -3937,7 +4205,8 @@
           </a:ln>
         </p:spPr>
         <p:txBody>
-          <a:bodyPr lIns="90000" rIns="90000" tIns="45000" bIns="45000"/>
+          <a:bodyPr lIns="90000" tIns="45000" rIns="90000" bIns="45000"/>
+          <a:lstStyle/>
           <a:p>
             <a:pPr>
               <a:lnSpc>
@@ -4040,7 +4309,8 @@
           </a:ln>
         </p:spPr>
         <p:txBody>
-          <a:bodyPr lIns="90000" rIns="90000" tIns="45000" bIns="45000"/>
+          <a:bodyPr lIns="90000" tIns="45000" rIns="90000" bIns="45000"/>
+          <a:lstStyle/>
           <a:p>
             <a:pPr algn="r">
               <a:lnSpc>
@@ -4054,7 +4324,7 @@
                 </a:solidFill>
                 <a:latin typeface="Calibri"/>
               </a:rPr>
-              <a:t>&lt;number&gt;</a:t>
+              <a:t>4</a:t>
             </a:fld>
             <a:endParaRPr/>
           </a:p>
@@ -4080,7 +4350,8 @@
           </a:ln>
         </p:spPr>
         <p:txBody>
-          <a:bodyPr lIns="90000" rIns="90000" tIns="45000" bIns="45000"/>
+          <a:bodyPr lIns="90000" tIns="45000" rIns="90000" bIns="45000"/>
+          <a:lstStyle/>
           <a:p>
             <a:pPr algn="ctr">
               <a:lnSpc>
@@ -4102,32 +4373,7 @@
       </p:sp>
       <p:pic>
         <p:nvPicPr>
-          <p:cNvPr id="98" name="" descr=""/>
-          <p:cNvPicPr/>
-          <p:nvPr/>
-        </p:nvPicPr>
-        <p:blipFill>
-          <a:blip r:embed="rId1"/>
-          <a:stretch>
-            <a:fillRect/>
-          </a:stretch>
-        </p:blipFill>
-        <p:spPr>
-          <a:xfrm>
-            <a:off x="4572000" y="1103040"/>
-            <a:ext cx="1920240" cy="1405080"/>
-          </a:xfrm>
-          <a:prstGeom prst="rect">
-            <a:avLst/>
-          </a:prstGeom>
-          <a:ln>
-            <a:noFill/>
-          </a:ln>
-        </p:spPr>
-      </p:pic>
-      <p:pic>
-        <p:nvPicPr>
-          <p:cNvPr id="99" name="" descr=""/>
+          <p:cNvPr id="98" name="Picture 97"/>
           <p:cNvPicPr/>
           <p:nvPr/>
         </p:nvPicPr>
@@ -4139,8 +4385,8 @@
         </p:blipFill>
         <p:spPr>
           <a:xfrm>
-            <a:off x="4564800" y="2680560"/>
-            <a:ext cx="3116160" cy="1517040"/>
+            <a:off x="4572000" y="1103040"/>
+            <a:ext cx="1920240" cy="1405080"/>
           </a:xfrm>
           <a:prstGeom prst="rect">
             <a:avLst/>
@@ -4152,7 +4398,7 @@
       </p:pic>
       <p:pic>
         <p:nvPicPr>
-          <p:cNvPr id="100" name="" descr=""/>
+          <p:cNvPr id="99" name="Picture 98"/>
           <p:cNvPicPr/>
           <p:nvPr/>
         </p:nvPicPr>
@@ -4164,8 +4410,8 @@
         </p:blipFill>
         <p:spPr>
           <a:xfrm>
-            <a:off x="4579920" y="4389120"/>
-            <a:ext cx="3611880" cy="731520"/>
+            <a:off x="4564800" y="2680560"/>
+            <a:ext cx="3116160" cy="1517040"/>
           </a:xfrm>
           <a:prstGeom prst="rect">
             <a:avLst/>
@@ -4175,24 +4421,52 @@
           </a:ln>
         </p:spPr>
       </p:pic>
+      <p:pic>
+        <p:nvPicPr>
+          <p:cNvPr id="100" name="Picture 99"/>
+          <p:cNvPicPr/>
+          <p:nvPr/>
+        </p:nvPicPr>
+        <p:blipFill>
+          <a:blip r:embed="rId4"/>
+          <a:stretch>
+            <a:fillRect/>
+          </a:stretch>
+        </p:blipFill>
+        <p:spPr>
+          <a:xfrm>
+            <a:off x="4579920" y="4389120"/>
+            <a:ext cx="3611880" cy="731520"/>
+          </a:xfrm>
+          <a:prstGeom prst="rect">
+            <a:avLst/>
+          </a:prstGeom>
+          <a:ln>
+            <a:noFill/>
+          </a:ln>
+        </p:spPr>
+      </p:pic>
     </p:spTree>
   </p:cSld>
+  <p:clrMapOvr>
+    <a:masterClrMapping/>
+  </p:clrMapOvr>
   <p:timing>
     <p:tnLst>
       <p:par>
-        <p:cTn id="7" dur="indefinite" restart="never" nodeType="tmRoot">
+        <p:cTn xmlns:p14="http://schemas.microsoft.com/office/powerpoint/2010/main" id="1" dur="indefinite" restart="never" nodeType="tmRoot">
           <p:childTnLst>
             <p:seq>
-              <p:cTn id="8" nodeType="mainSeq"/>
+              <p:cTn id="2" nodeType="mainSeq"/>
               <p:prevCondLst>
-                <p:cond delay="0" evt="onPrev">
+                <p:cond evt="onPrev" delay="0">
                   <p:tgtEl>
                     <p:sldTgt/>
                   </p:tgtEl>
                 </p:cond>
               </p:prevCondLst>
               <p:nextCondLst>
-                <p:cond delay="0" evt="onNext">
+                <p:cond evt="onNext" delay="0">
                   <p:tgtEl>
                     <p:sldTgt/>
                   </p:tgtEl>
@@ -4208,7 +4482,7 @@
 </file>
 
 <file path=ppt/slides/slide5.xml><?xml version="1.0" encoding="utf-8"?>
-<p:sld xmlns:a="http://schemas.openxmlformats.org/drawingml/2006/main" xmlns:p="http://schemas.openxmlformats.org/presentationml/2006/main" xmlns:r="http://schemas.openxmlformats.org/officeDocument/2006/relationships">
+<p:sld xmlns:a="http://schemas.openxmlformats.org/drawingml/2006/main" xmlns:r="http://schemas.openxmlformats.org/officeDocument/2006/relationships" xmlns:p="http://schemas.openxmlformats.org/presentationml/2006/main">
   <p:cSld>
     <p:spTree>
       <p:nvGrpSpPr>
@@ -4244,17 +4518,18 @@
           </a:ln>
         </p:spPr>
         <p:txBody>
-          <a:bodyPr lIns="90000" rIns="90000" tIns="45000" bIns="45000"/>
-          <a:p>
-            <a:pPr>
-              <a:lnSpc>
-                <a:spcPct val="100000"/>
-              </a:lnSpc>
-            </a:pPr>
-            <a:r>
-              <a:rPr b="1" lang="en-US" sz="4400">
+          <a:bodyPr lIns="90000" tIns="45000" rIns="90000" bIns="45000"/>
+          <a:lstStyle/>
+          <a:p>
+            <a:pPr>
+              <a:lnSpc>
+                <a:spcPct val="100000"/>
+              </a:lnSpc>
+            </a:pPr>
+            <a:r>
+              <a:rPr lang="en-US" sz="4400" b="1">
                 <a:solidFill>
-                  <a:srgbClr val="f3a426"/>
+                  <a:srgbClr val="F3A426"/>
                 </a:solidFill>
                 <a:latin typeface="Verdana"/>
               </a:rPr>
@@ -4284,7 +4559,8 @@
           </a:ln>
         </p:spPr>
         <p:txBody>
-          <a:bodyPr lIns="90000" rIns="90000" tIns="45000" bIns="45000"/>
+          <a:bodyPr lIns="90000" tIns="45000" rIns="90000" bIns="45000"/>
+          <a:lstStyle/>
           <a:p>
             <a:pPr>
               <a:lnSpc>
@@ -4413,7 +4689,8 @@
           </a:ln>
         </p:spPr>
         <p:txBody>
-          <a:bodyPr lIns="90000" rIns="90000" tIns="45000" bIns="45000"/>
+          <a:bodyPr lIns="90000" tIns="45000" rIns="90000" bIns="45000"/>
+          <a:lstStyle/>
           <a:p>
             <a:pPr algn="r">
               <a:lnSpc>
@@ -4427,7 +4704,7 @@
                 </a:solidFill>
                 <a:latin typeface="Calibri"/>
               </a:rPr>
-              <a:t>&lt;number&gt;</a:t>
+              <a:t>5</a:t>
             </a:fld>
             <a:endParaRPr/>
           </a:p>
@@ -4453,7 +4730,8 @@
           </a:ln>
         </p:spPr>
         <p:txBody>
-          <a:bodyPr lIns="90000" rIns="90000" tIns="45000" bIns="45000"/>
+          <a:bodyPr lIns="90000" tIns="45000" rIns="90000" bIns="45000"/>
+          <a:lstStyle/>
           <a:p>
             <a:pPr algn="ctr">
               <a:lnSpc>
@@ -4475,32 +4753,7 @@
       </p:sp>
       <p:pic>
         <p:nvPicPr>
-          <p:cNvPr id="105" name="" descr=""/>
-          <p:cNvPicPr/>
-          <p:nvPr/>
-        </p:nvPicPr>
-        <p:blipFill>
-          <a:blip r:embed="rId1"/>
-          <a:stretch>
-            <a:fillRect/>
-          </a:stretch>
-        </p:blipFill>
-        <p:spPr>
-          <a:xfrm>
-            <a:off x="4114800" y="936720"/>
-            <a:ext cx="3200400" cy="3027960"/>
-          </a:xfrm>
-          <a:prstGeom prst="rect">
-            <a:avLst/>
-          </a:prstGeom>
-          <a:ln>
-            <a:noFill/>
-          </a:ln>
-        </p:spPr>
-      </p:pic>
-      <p:pic>
-        <p:nvPicPr>
-          <p:cNvPr id="106" name="" descr=""/>
+          <p:cNvPr id="105" name="Picture 104"/>
           <p:cNvPicPr/>
           <p:nvPr/>
         </p:nvPicPr>
@@ -4512,8 +4765,8 @@
         </p:blipFill>
         <p:spPr>
           <a:xfrm>
-            <a:off x="4095360" y="4081680"/>
-            <a:ext cx="2579760" cy="1895040"/>
+            <a:off x="4114800" y="936720"/>
+            <a:ext cx="3200400" cy="3027960"/>
           </a:xfrm>
           <a:prstGeom prst="rect">
             <a:avLst/>
@@ -4523,24 +4776,52 @@
           </a:ln>
         </p:spPr>
       </p:pic>
+      <p:pic>
+        <p:nvPicPr>
+          <p:cNvPr id="106" name="Picture 105"/>
+          <p:cNvPicPr/>
+          <p:nvPr/>
+        </p:nvPicPr>
+        <p:blipFill>
+          <a:blip r:embed="rId3"/>
+          <a:stretch>
+            <a:fillRect/>
+          </a:stretch>
+        </p:blipFill>
+        <p:spPr>
+          <a:xfrm>
+            <a:off x="4095360" y="4081680"/>
+            <a:ext cx="2579760" cy="1895040"/>
+          </a:xfrm>
+          <a:prstGeom prst="rect">
+            <a:avLst/>
+          </a:prstGeom>
+          <a:ln>
+            <a:noFill/>
+          </a:ln>
+        </p:spPr>
+      </p:pic>
     </p:spTree>
   </p:cSld>
+  <p:clrMapOvr>
+    <a:masterClrMapping/>
+  </p:clrMapOvr>
   <p:timing>
     <p:tnLst>
       <p:par>
-        <p:cTn id="9" dur="indefinite" restart="never" nodeType="tmRoot">
+        <p:cTn xmlns:p14="http://schemas.microsoft.com/office/powerpoint/2010/main" id="1" dur="indefinite" restart="never" nodeType="tmRoot">
           <p:childTnLst>
             <p:seq>
-              <p:cTn id="10" nodeType="mainSeq"/>
+              <p:cTn id="2" nodeType="mainSeq"/>
               <p:prevCondLst>
-                <p:cond delay="0" evt="onPrev">
+                <p:cond evt="onPrev" delay="0">
                   <p:tgtEl>
                     <p:sldTgt/>
                   </p:tgtEl>
                 </p:cond>
               </p:prevCondLst>
               <p:nextCondLst>
-                <p:cond delay="0" evt="onNext">
+                <p:cond evt="onNext" delay="0">
                   <p:tgtEl>
                     <p:sldTgt/>
                   </p:tgtEl>
@@ -4556,7 +4837,7 @@
 </file>
 
 <file path=ppt/slides/slide6.xml><?xml version="1.0" encoding="utf-8"?>
-<p:sld xmlns:a="http://schemas.openxmlformats.org/drawingml/2006/main" xmlns:p="http://schemas.openxmlformats.org/presentationml/2006/main" xmlns:r="http://schemas.openxmlformats.org/officeDocument/2006/relationships">
+<p:sld xmlns:a="http://schemas.openxmlformats.org/drawingml/2006/main" xmlns:r="http://schemas.openxmlformats.org/officeDocument/2006/relationships" xmlns:p="http://schemas.openxmlformats.org/presentationml/2006/main">
   <p:cSld>
     <p:spTree>
       <p:nvGrpSpPr>
@@ -4592,17 +4873,18 @@
           </a:ln>
         </p:spPr>
         <p:txBody>
-          <a:bodyPr lIns="90000" rIns="90000" tIns="45000" bIns="45000"/>
-          <a:p>
-            <a:pPr>
-              <a:lnSpc>
-                <a:spcPct val="100000"/>
-              </a:lnSpc>
-            </a:pPr>
-            <a:r>
-              <a:rPr b="1" lang="en-US" sz="4400">
+          <a:bodyPr lIns="90000" tIns="45000" rIns="90000" bIns="45000"/>
+          <a:lstStyle/>
+          <a:p>
+            <a:pPr>
+              <a:lnSpc>
+                <a:spcPct val="100000"/>
+              </a:lnSpc>
+            </a:pPr>
+            <a:r>
+              <a:rPr lang="en-US" sz="4400" b="1">
                 <a:solidFill>
-                  <a:srgbClr val="f3a426"/>
+                  <a:srgbClr val="F3A426"/>
                 </a:solidFill>
                 <a:latin typeface="Verdana"/>
               </a:rPr>
@@ -4632,98 +4914,117 @@
           </a:ln>
         </p:spPr>
         <p:txBody>
-          <a:bodyPr lIns="90000" rIns="90000" tIns="45000" bIns="45000"/>
-          <a:p>
-            <a:pPr>
-              <a:lnSpc>
-                <a:spcPct val="100000"/>
-              </a:lnSpc>
-            </a:pPr>
-            <a:r>
-              <a:rPr lang="en-US">
+          <a:bodyPr lIns="90000" tIns="45000" rIns="90000" bIns="45000"/>
+          <a:lstStyle/>
+          <a:p>
+            <a:pPr>
+              <a:lnSpc>
+                <a:spcPct val="100000"/>
+              </a:lnSpc>
+            </a:pPr>
+            <a:r>
+              <a:rPr lang="en-US" dirty="0">
                 <a:latin typeface="Comic Sans MS"/>
               </a:rPr>
               <a:t>The balloons that arrive at the top of the screen and didn't pop should disappear</a:t>
             </a:r>
-            <a:endParaRPr/>
-          </a:p>
-          <a:p>
-            <a:pPr>
-              <a:lnSpc>
-                <a:spcPct val="100000"/>
-              </a:lnSpc>
-            </a:pPr>
-            <a:endParaRPr/>
-          </a:p>
-          <a:p>
-            <a:pPr>
-              <a:lnSpc>
-                <a:spcPct val="100000"/>
-              </a:lnSpc>
-            </a:pPr>
-            <a:endParaRPr/>
-          </a:p>
-          <a:p>
-            <a:pPr>
-              <a:lnSpc>
-                <a:spcPct val="100000"/>
-              </a:lnSpc>
-            </a:pPr>
-            <a:endParaRPr/>
-          </a:p>
-          <a:p>
-            <a:pPr>
-              <a:lnSpc>
-                <a:spcPct val="100000"/>
-              </a:lnSpc>
-            </a:pPr>
-            <a:endParaRPr/>
-          </a:p>
-          <a:p>
-            <a:pPr>
-              <a:lnSpc>
-                <a:spcPct val="100000"/>
-              </a:lnSpc>
-            </a:pPr>
-            <a:endParaRPr/>
-          </a:p>
-          <a:p>
-            <a:pPr>
-              <a:lnSpc>
-                <a:spcPct val="100000"/>
-              </a:lnSpc>
-            </a:pPr>
-            <a:endParaRPr/>
-          </a:p>
-          <a:p>
-            <a:pPr>
-              <a:lnSpc>
-                <a:spcPct val="100000"/>
-              </a:lnSpc>
-            </a:pPr>
-            <a:endParaRPr/>
-          </a:p>
-          <a:p>
-            <a:pPr>
-              <a:lnSpc>
-                <a:spcPct val="100000"/>
-              </a:lnSpc>
-            </a:pPr>
-            <a:endParaRPr/>
-          </a:p>
-          <a:p>
-            <a:pPr>
-              <a:lnSpc>
-                <a:spcPct val="100000"/>
-              </a:lnSpc>
-            </a:pPr>
-            <a:r>
-              <a:rPr lang="en-US">
+            <a:endParaRPr dirty="0"/>
+          </a:p>
+          <a:p>
+            <a:pPr>
+              <a:lnSpc>
+                <a:spcPct val="100000"/>
+              </a:lnSpc>
+            </a:pPr>
+            <a:endParaRPr dirty="0"/>
+          </a:p>
+          <a:p>
+            <a:pPr>
+              <a:lnSpc>
+                <a:spcPct val="100000"/>
+              </a:lnSpc>
+            </a:pPr>
+            <a:endParaRPr dirty="0"/>
+          </a:p>
+          <a:p>
+            <a:pPr>
+              <a:lnSpc>
+                <a:spcPct val="100000"/>
+              </a:lnSpc>
+            </a:pPr>
+            <a:endParaRPr dirty="0"/>
+          </a:p>
+          <a:p>
+            <a:pPr>
+              <a:lnSpc>
+                <a:spcPct val="100000"/>
+              </a:lnSpc>
+            </a:pPr>
+            <a:endParaRPr dirty="0"/>
+          </a:p>
+          <a:p>
+            <a:pPr>
+              <a:lnSpc>
+                <a:spcPct val="100000"/>
+              </a:lnSpc>
+            </a:pPr>
+            <a:endParaRPr dirty="0"/>
+          </a:p>
+          <a:p>
+            <a:pPr>
+              <a:lnSpc>
+                <a:spcPct val="100000"/>
+              </a:lnSpc>
+            </a:pPr>
+            <a:endParaRPr dirty="0"/>
+          </a:p>
+          <a:p>
+            <a:pPr>
+              <a:lnSpc>
+                <a:spcPct val="100000"/>
+              </a:lnSpc>
+            </a:pPr>
+            <a:endParaRPr dirty="0"/>
+          </a:p>
+          <a:p>
+            <a:pPr>
+              <a:lnSpc>
+                <a:spcPct val="100000"/>
+              </a:lnSpc>
+            </a:pPr>
+            <a:endParaRPr dirty="0"/>
+          </a:p>
+          <a:p>
+            <a:pPr>
+              <a:lnSpc>
+                <a:spcPct val="100000"/>
+              </a:lnSpc>
+            </a:pPr>
+            <a:r>
+              <a:rPr lang="en-US" dirty="0">
                 <a:latin typeface="Comic Sans MS"/>
               </a:rPr>
-              <a:t>With the following code the size and color is random</a:t>
-            </a:r>
-            <a:endParaRPr/>
+              <a:t>With the following code the </a:t>
+            </a:r>
+            <a:r>
+              <a:rPr lang="en-US" dirty="0" smtClean="0">
+                <a:latin typeface="Comic Sans MS"/>
+              </a:rPr>
+              <a:t>sprite will get a random size </a:t>
+            </a:r>
+            <a:r>
+              <a:rPr lang="en-US" dirty="0">
+                <a:latin typeface="Comic Sans MS"/>
+              </a:rPr>
+              <a:t>and </a:t>
+            </a:r>
+            <a:r>
+              <a:rPr lang="en-US" dirty="0" smtClean="0">
+                <a:latin typeface="Comic Sans MS"/>
+              </a:rPr>
+              <a:t>color.</a:t>
+            </a:r>
+            <a:endParaRPr dirty="0"/>
           </a:p>
         </p:txBody>
       </p:sp>
@@ -4747,7 +5048,8 @@
           </a:ln>
         </p:spPr>
         <p:txBody>
-          <a:bodyPr lIns="90000" rIns="90000" tIns="45000" bIns="45000"/>
+          <a:bodyPr lIns="90000" tIns="45000" rIns="90000" bIns="45000"/>
+          <a:lstStyle/>
           <a:p>
             <a:pPr algn="r">
               <a:lnSpc>
@@ -4761,7 +5063,7 @@
                 </a:solidFill>
                 <a:latin typeface="Calibri"/>
               </a:rPr>
-              <a:t>&lt;number&gt;</a:t>
+              <a:t>6</a:t>
             </a:fld>
             <a:endParaRPr/>
           </a:p>
@@ -4787,7 +5089,8 @@
           </a:ln>
         </p:spPr>
         <p:txBody>
-          <a:bodyPr lIns="90000" rIns="90000" tIns="45000" bIns="45000"/>
+          <a:bodyPr lIns="90000" tIns="45000" rIns="90000" bIns="45000"/>
+          <a:lstStyle/>
           <a:p>
             <a:pPr algn="ctr">
               <a:lnSpc>
@@ -4809,32 +5112,7 @@
       </p:sp>
       <p:pic>
         <p:nvPicPr>
-          <p:cNvPr id="111" name="" descr=""/>
-          <p:cNvPicPr/>
-          <p:nvPr/>
-        </p:nvPicPr>
-        <p:blipFill>
-          <a:blip r:embed="rId1"/>
-          <a:stretch>
-            <a:fillRect/>
-          </a:stretch>
-        </p:blipFill>
-        <p:spPr>
-          <a:xfrm>
-            <a:off x="4389120" y="1155600"/>
-            <a:ext cx="2511720" cy="3050640"/>
-          </a:xfrm>
-          <a:prstGeom prst="rect">
-            <a:avLst/>
-          </a:prstGeom>
-          <a:ln>
-            <a:noFill/>
-          </a:ln>
-        </p:spPr>
-      </p:pic>
-      <p:pic>
-        <p:nvPicPr>
-          <p:cNvPr id="112" name="" descr=""/>
+          <p:cNvPr id="111" name="Picture 110"/>
           <p:cNvPicPr/>
           <p:nvPr/>
         </p:nvPicPr>
@@ -4846,8 +5124,8 @@
         </p:blipFill>
         <p:spPr>
           <a:xfrm>
-            <a:off x="4404600" y="4389120"/>
-            <a:ext cx="3997440" cy="1005840"/>
+            <a:off x="4389120" y="1155600"/>
+            <a:ext cx="2511720" cy="3050640"/>
           </a:xfrm>
           <a:prstGeom prst="rect">
             <a:avLst/>
@@ -4857,24 +5135,52 @@
           </a:ln>
         </p:spPr>
       </p:pic>
+      <p:pic>
+        <p:nvPicPr>
+          <p:cNvPr id="112" name="Picture 111"/>
+          <p:cNvPicPr/>
+          <p:nvPr/>
+        </p:nvPicPr>
+        <p:blipFill>
+          <a:blip r:embed="rId3"/>
+          <a:stretch>
+            <a:fillRect/>
+          </a:stretch>
+        </p:blipFill>
+        <p:spPr>
+          <a:xfrm>
+            <a:off x="4404600" y="4389120"/>
+            <a:ext cx="3997440" cy="1005840"/>
+          </a:xfrm>
+          <a:prstGeom prst="rect">
+            <a:avLst/>
+          </a:prstGeom>
+          <a:ln>
+            <a:noFill/>
+          </a:ln>
+        </p:spPr>
+      </p:pic>
     </p:spTree>
   </p:cSld>
+  <p:clrMapOvr>
+    <a:masterClrMapping/>
+  </p:clrMapOvr>
   <p:timing>
     <p:tnLst>
       <p:par>
-        <p:cTn id="11" dur="indefinite" restart="never" nodeType="tmRoot">
+        <p:cTn xmlns:p14="http://schemas.microsoft.com/office/powerpoint/2010/main" id="1" dur="indefinite" restart="never" nodeType="tmRoot">
           <p:childTnLst>
             <p:seq>
-              <p:cTn id="12" nodeType="mainSeq"/>
+              <p:cTn id="2" nodeType="mainSeq"/>
               <p:prevCondLst>
-                <p:cond delay="0" evt="onPrev">
+                <p:cond evt="onPrev" delay="0">
                   <p:tgtEl>
                     <p:sldTgt/>
                   </p:tgtEl>
                 </p:cond>
               </p:prevCondLst>
               <p:nextCondLst>
-                <p:cond delay="0" evt="onNext">
+                <p:cond evt="onNext" delay="0">
                   <p:tgtEl>
                     <p:sldTgt/>
                   </p:tgtEl>
@@ -4890,7 +5196,7 @@
 </file>
 
 <file path=ppt/slides/slide7.xml><?xml version="1.0" encoding="utf-8"?>
-<p:sld xmlns:a="http://schemas.openxmlformats.org/drawingml/2006/main" xmlns:p="http://schemas.openxmlformats.org/presentationml/2006/main" xmlns:r="http://schemas.openxmlformats.org/officeDocument/2006/relationships">
+<p:sld xmlns:a="http://schemas.openxmlformats.org/drawingml/2006/main" xmlns:r="http://schemas.openxmlformats.org/officeDocument/2006/relationships" xmlns:p="http://schemas.openxmlformats.org/presentationml/2006/main">
   <p:cSld>
     <p:spTree>
       <p:nvGrpSpPr>
@@ -4926,17 +5232,18 @@
           </a:ln>
         </p:spPr>
         <p:txBody>
-          <a:bodyPr lIns="90000" rIns="90000" tIns="45000" bIns="45000"/>
-          <a:p>
-            <a:pPr>
-              <a:lnSpc>
-                <a:spcPct val="100000"/>
-              </a:lnSpc>
-            </a:pPr>
-            <a:r>
-              <a:rPr b="1" lang="en-US" sz="4400">
+          <a:bodyPr lIns="90000" tIns="45000" rIns="90000" bIns="45000"/>
+          <a:lstStyle/>
+          <a:p>
+            <a:pPr>
+              <a:lnSpc>
+                <a:spcPct val="100000"/>
+              </a:lnSpc>
+            </a:pPr>
+            <a:r>
+              <a:rPr lang="en-US" sz="4400" b="1">
                 <a:solidFill>
-                  <a:srgbClr val="f3a426"/>
+                  <a:srgbClr val="F3A426"/>
                 </a:solidFill>
                 <a:latin typeface="Verdana"/>
               </a:rPr>
@@ -4986,7 +5293,8 @@
           </a:ln>
         </p:spPr>
         <p:txBody>
-          <a:bodyPr lIns="90000" rIns="90000" tIns="45000" bIns="45000"/>
+          <a:bodyPr lIns="90000" tIns="45000" rIns="90000" bIns="45000"/>
+          <a:lstStyle/>
           <a:p>
             <a:pPr algn="r">
               <a:lnSpc>
@@ -5000,7 +5308,7 @@
                 </a:solidFill>
                 <a:latin typeface="Calibri"/>
               </a:rPr>
-              <a:t>&lt;number&gt;</a:t>
+              <a:t>7</a:t>
             </a:fld>
             <a:endParaRPr/>
           </a:p>
@@ -5026,7 +5334,8 @@
           </a:ln>
         </p:spPr>
         <p:txBody>
-          <a:bodyPr lIns="90000" rIns="90000" tIns="45000" bIns="45000"/>
+          <a:bodyPr lIns="90000" tIns="45000" rIns="90000" bIns="45000"/>
+          <a:lstStyle/>
           <a:p>
             <a:pPr algn="ctr">
               <a:lnSpc>
@@ -5048,32 +5357,7 @@
       </p:sp>
       <p:pic>
         <p:nvPicPr>
-          <p:cNvPr id="117" name="Afbeelding 11" descr=""/>
-          <p:cNvPicPr/>
-          <p:nvPr/>
-        </p:nvPicPr>
-        <p:blipFill>
-          <a:blip r:embed="rId1"/>
-          <a:stretch>
-            <a:fillRect/>
-          </a:stretch>
-        </p:blipFill>
-        <p:spPr>
-          <a:xfrm>
-            <a:off x="662040" y="3616560"/>
-            <a:ext cx="507240" cy="638640"/>
-          </a:xfrm>
-          <a:prstGeom prst="rect">
-            <a:avLst/>
-          </a:prstGeom>
-          <a:ln>
-            <a:noFill/>
-          </a:ln>
-        </p:spPr>
-      </p:pic>
-      <p:pic>
-        <p:nvPicPr>
-          <p:cNvPr id="118" name="Afbeelding 13" descr=""/>
+          <p:cNvPr id="117" name="Afbeelding 11"/>
           <p:cNvPicPr/>
           <p:nvPr/>
         </p:nvPicPr>
@@ -5085,8 +5369,8 @@
         </p:blipFill>
         <p:spPr>
           <a:xfrm>
-            <a:off x="1652760" y="3555720"/>
-            <a:ext cx="604080" cy="713520"/>
+            <a:off x="662040" y="3616560"/>
+            <a:ext cx="507240" cy="638640"/>
           </a:xfrm>
           <a:prstGeom prst="rect">
             <a:avLst/>
@@ -5098,7 +5382,7 @@
       </p:pic>
       <p:pic>
         <p:nvPicPr>
-          <p:cNvPr id="119" name="Afbeelding 12" descr=""/>
+          <p:cNvPr id="118" name="Afbeelding 13"/>
           <p:cNvPicPr/>
           <p:nvPr/>
         </p:nvPicPr>
@@ -5110,8 +5394,8 @@
         </p:blipFill>
         <p:spPr>
           <a:xfrm>
-            <a:off x="2258280" y="3580200"/>
-            <a:ext cx="563040" cy="695160"/>
+            <a:off x="1652760" y="3555720"/>
+            <a:ext cx="604080" cy="713520"/>
           </a:xfrm>
           <a:prstGeom prst="rect">
             <a:avLst/>
@@ -5121,253 +5405,9 @@
           </a:ln>
         </p:spPr>
       </p:pic>
-      <p:sp>
-        <p:nvSpPr>
-          <p:cNvPr id="120" name="CustomShape 5"/>
-          <p:cNvSpPr/>
-          <p:nvPr/>
-        </p:nvSpPr>
-        <p:spPr>
-          <a:xfrm>
-            <a:off x="444600" y="4272840"/>
-            <a:ext cx="963360" cy="363600"/>
-          </a:xfrm>
-          <a:prstGeom prst="rect">
-            <a:avLst/>
-          </a:prstGeom>
-          <a:noFill/>
-          <a:ln>
-            <a:noFill/>
-          </a:ln>
-        </p:spPr>
-        <p:txBody>
-          <a:bodyPr wrap="none" lIns="90000" rIns="90000" tIns="45000" bIns="45000"/>
-          <a:p>
-            <a:pPr>
-              <a:lnSpc>
-                <a:spcPct val="100000"/>
-              </a:lnSpc>
-            </a:pPr>
-            <a:r>
-              <a:rPr lang="en-US">
-                <a:solidFill>
-                  <a:srgbClr val="000000"/>
-                </a:solidFill>
-                <a:latin typeface="Calibri"/>
-              </a:rPr>
-              <a:t>1 Point</a:t>
-            </a:r>
-            <a:endParaRPr/>
-          </a:p>
-        </p:txBody>
-      </p:sp>
-      <p:sp>
-        <p:nvSpPr>
-          <p:cNvPr id="121" name="CustomShape 6"/>
-          <p:cNvSpPr/>
-          <p:nvPr/>
-        </p:nvSpPr>
-        <p:spPr>
-          <a:xfrm>
-            <a:off x="1629000" y="4266360"/>
-            <a:ext cx="1275840" cy="363600"/>
-          </a:xfrm>
-          <a:prstGeom prst="rect">
-            <a:avLst/>
-          </a:prstGeom>
-          <a:noFill/>
-          <a:ln>
-            <a:noFill/>
-          </a:ln>
-        </p:spPr>
-        <p:txBody>
-          <a:bodyPr wrap="none" lIns="90000" rIns="90000" tIns="45000" bIns="45000"/>
-          <a:p>
-            <a:pPr>
-              <a:lnSpc>
-                <a:spcPct val="100000"/>
-              </a:lnSpc>
-            </a:pPr>
-            <a:r>
-              <a:rPr lang="en-US">
-                <a:solidFill>
-                  <a:srgbClr val="000000"/>
-                </a:solidFill>
-                <a:latin typeface="Calibri"/>
-              </a:rPr>
-              <a:t>-2 Points</a:t>
-            </a:r>
-            <a:endParaRPr/>
-          </a:p>
-        </p:txBody>
-      </p:sp>
-      <p:sp>
-        <p:nvSpPr>
-          <p:cNvPr id="122" name="CustomShape 7"/>
-          <p:cNvSpPr/>
-          <p:nvPr/>
-        </p:nvSpPr>
-        <p:spPr>
-          <a:xfrm>
-            <a:off x="333000" y="1425240"/>
-            <a:ext cx="3762000" cy="2283840"/>
-          </a:xfrm>
-          <a:prstGeom prst="rect">
-            <a:avLst/>
-          </a:prstGeom>
-          <a:noFill/>
-          <a:ln>
-            <a:noFill/>
-          </a:ln>
-        </p:spPr>
-        <p:txBody>
-          <a:bodyPr lIns="90000" rIns="90000" tIns="45000" bIns="45000"/>
-          <a:p>
-            <a:pPr>
-              <a:lnSpc>
-                <a:spcPct val="100000"/>
-              </a:lnSpc>
-            </a:pPr>
-            <a:r>
-              <a:rPr lang="en-US">
-                <a:solidFill>
-                  <a:srgbClr val="000000"/>
-                </a:solidFill>
-                <a:latin typeface="Comic Sans MS"/>
-              </a:rPr>
-              <a:t>Counting points!</a:t>
-            </a:r>
-            <a:endParaRPr/>
-          </a:p>
-          <a:p>
-            <a:pPr>
-              <a:lnSpc>
-                <a:spcPct val="100000"/>
-              </a:lnSpc>
-            </a:pPr>
-            <a:endParaRPr/>
-          </a:p>
-          <a:p>
-            <a:pPr>
-              <a:lnSpc>
-                <a:spcPct val="100000"/>
-              </a:lnSpc>
-            </a:pPr>
-            <a:r>
-              <a:rPr lang="en-US">
-                <a:solidFill>
-                  <a:srgbClr val="000000"/>
-                </a:solidFill>
-                <a:latin typeface="Comic Sans MS"/>
-              </a:rPr>
-              <a:t>Make a variable Data element with the name 'score'. </a:t>
-            </a:r>
-            <a:endParaRPr/>
-          </a:p>
-          <a:p>
-            <a:pPr>
-              <a:lnSpc>
-                <a:spcPct val="100000"/>
-              </a:lnSpc>
-            </a:pPr>
-            <a:endParaRPr/>
-          </a:p>
-          <a:p>
-            <a:pPr>
-              <a:lnSpc>
-                <a:spcPct val="100000"/>
-              </a:lnSpc>
-            </a:pPr>
-            <a:r>
-              <a:rPr lang="en-US">
-                <a:solidFill>
-                  <a:srgbClr val="000000"/>
-                </a:solidFill>
-                <a:latin typeface="Comic Sans MS"/>
-              </a:rPr>
-              <a:t>The score will be visible on the screen, with the following code the score will start at 0</a:t>
-            </a:r>
-            <a:endParaRPr/>
-          </a:p>
-        </p:txBody>
-      </p:sp>
-      <p:sp>
-        <p:nvSpPr>
-          <p:cNvPr id="123" name="CustomShape 8"/>
-          <p:cNvSpPr/>
-          <p:nvPr/>
-        </p:nvSpPr>
-        <p:spPr>
-          <a:xfrm>
-            <a:off x="3926880" y="5008680"/>
-            <a:ext cx="4669920" cy="912240"/>
-          </a:xfrm>
-          <a:prstGeom prst="rect">
-            <a:avLst/>
-          </a:prstGeom>
-          <a:noFill/>
-          <a:ln>
-            <a:noFill/>
-          </a:ln>
-        </p:spPr>
-        <p:txBody>
-          <a:bodyPr wrap="none" lIns="90000" rIns="90000" tIns="45000" bIns="45000"/>
-          <a:p>
-            <a:pPr>
-              <a:lnSpc>
-                <a:spcPct val="100000"/>
-              </a:lnSpc>
-            </a:pPr>
-            <a:r>
-              <a:rPr lang="en-US">
-                <a:solidFill>
-                  <a:srgbClr val="000000"/>
-                </a:solidFill>
-                <a:latin typeface="Calibri"/>
-              </a:rPr>
-              <a:t>The Balloon pop game is almost ready!</a:t>
-            </a:r>
-            <a:endParaRPr/>
-          </a:p>
-          <a:p>
-            <a:pPr>
-              <a:lnSpc>
-                <a:spcPct val="100000"/>
-              </a:lnSpc>
-            </a:pPr>
-            <a:r>
-              <a:rPr lang="en-US">
-                <a:solidFill>
-                  <a:srgbClr val="000000"/>
-                </a:solidFill>
-                <a:latin typeface="Calibri"/>
-              </a:rPr>
-              <a:t>Lets implement counting the points when the </a:t>
-            </a:r>
-            <a:endParaRPr/>
-          </a:p>
-          <a:p>
-            <a:pPr>
-              <a:lnSpc>
-                <a:spcPct val="100000"/>
-              </a:lnSpc>
-            </a:pPr>
-            <a:r>
-              <a:rPr lang="en-US">
-                <a:solidFill>
-                  <a:srgbClr val="000000"/>
-                </a:solidFill>
-                <a:latin typeface="Calibri"/>
-              </a:rPr>
-              <a:t>balloon is hit</a:t>
-            </a:r>
-            <a:endParaRPr/>
-          </a:p>
-        </p:txBody>
-      </p:sp>
       <p:pic>
         <p:nvPicPr>
-          <p:cNvPr id="124" name="" descr=""/>
+          <p:cNvPr id="119" name="Afbeelding 12"/>
           <p:cNvPicPr/>
           <p:nvPr/>
         </p:nvPicPr>
@@ -5379,8 +5419,8 @@
         </p:blipFill>
         <p:spPr>
           <a:xfrm>
-            <a:off x="4176000" y="1097280"/>
-            <a:ext cx="3230640" cy="3363480"/>
+            <a:off x="2258280" y="3580200"/>
+            <a:ext cx="563040" cy="695160"/>
           </a:xfrm>
           <a:prstGeom prst="rect">
             <a:avLst/>
@@ -5390,9 +5430,257 @@
           </a:ln>
         </p:spPr>
       </p:pic>
+      <p:sp>
+        <p:nvSpPr>
+          <p:cNvPr id="120" name="CustomShape 5"/>
+          <p:cNvSpPr/>
+          <p:nvPr/>
+        </p:nvSpPr>
+        <p:spPr>
+          <a:xfrm>
+            <a:off x="444600" y="4272840"/>
+            <a:ext cx="963360" cy="363600"/>
+          </a:xfrm>
+          <a:prstGeom prst="rect">
+            <a:avLst/>
+          </a:prstGeom>
+          <a:noFill/>
+          <a:ln>
+            <a:noFill/>
+          </a:ln>
+        </p:spPr>
+        <p:txBody>
+          <a:bodyPr wrap="none" lIns="90000" tIns="45000" rIns="90000" bIns="45000"/>
+          <a:lstStyle/>
+          <a:p>
+            <a:pPr>
+              <a:lnSpc>
+                <a:spcPct val="100000"/>
+              </a:lnSpc>
+            </a:pPr>
+            <a:r>
+              <a:rPr lang="en-US">
+                <a:solidFill>
+                  <a:srgbClr val="000000"/>
+                </a:solidFill>
+                <a:latin typeface="Calibri"/>
+              </a:rPr>
+              <a:t>1 Point</a:t>
+            </a:r>
+            <a:endParaRPr/>
+          </a:p>
+        </p:txBody>
+      </p:sp>
+      <p:sp>
+        <p:nvSpPr>
+          <p:cNvPr id="121" name="CustomShape 6"/>
+          <p:cNvSpPr/>
+          <p:nvPr/>
+        </p:nvSpPr>
+        <p:spPr>
+          <a:xfrm>
+            <a:off x="1629000" y="4266360"/>
+            <a:ext cx="1275840" cy="363600"/>
+          </a:xfrm>
+          <a:prstGeom prst="rect">
+            <a:avLst/>
+          </a:prstGeom>
+          <a:noFill/>
+          <a:ln>
+            <a:noFill/>
+          </a:ln>
+        </p:spPr>
+        <p:txBody>
+          <a:bodyPr wrap="none" lIns="90000" tIns="45000" rIns="90000" bIns="45000"/>
+          <a:lstStyle/>
+          <a:p>
+            <a:pPr>
+              <a:lnSpc>
+                <a:spcPct val="100000"/>
+              </a:lnSpc>
+            </a:pPr>
+            <a:r>
+              <a:rPr lang="en-US">
+                <a:solidFill>
+                  <a:srgbClr val="000000"/>
+                </a:solidFill>
+                <a:latin typeface="Calibri"/>
+              </a:rPr>
+              <a:t>-2 Points</a:t>
+            </a:r>
+            <a:endParaRPr/>
+          </a:p>
+        </p:txBody>
+      </p:sp>
+      <p:sp>
+        <p:nvSpPr>
+          <p:cNvPr id="122" name="CustomShape 7"/>
+          <p:cNvSpPr/>
+          <p:nvPr/>
+        </p:nvSpPr>
+        <p:spPr>
+          <a:xfrm>
+            <a:off x="333000" y="1425240"/>
+            <a:ext cx="3762000" cy="2283840"/>
+          </a:xfrm>
+          <a:prstGeom prst="rect">
+            <a:avLst/>
+          </a:prstGeom>
+          <a:noFill/>
+          <a:ln>
+            <a:noFill/>
+          </a:ln>
+        </p:spPr>
+        <p:txBody>
+          <a:bodyPr lIns="90000" tIns="45000" rIns="90000" bIns="45000"/>
+          <a:lstStyle/>
+          <a:p>
+            <a:pPr>
+              <a:lnSpc>
+                <a:spcPct val="100000"/>
+              </a:lnSpc>
+            </a:pPr>
+            <a:r>
+              <a:rPr lang="en-US">
+                <a:solidFill>
+                  <a:srgbClr val="000000"/>
+                </a:solidFill>
+                <a:latin typeface="Comic Sans MS"/>
+              </a:rPr>
+              <a:t>Counting points!</a:t>
+            </a:r>
+            <a:endParaRPr/>
+          </a:p>
+          <a:p>
+            <a:pPr>
+              <a:lnSpc>
+                <a:spcPct val="100000"/>
+              </a:lnSpc>
+            </a:pPr>
+            <a:endParaRPr/>
+          </a:p>
+          <a:p>
+            <a:pPr>
+              <a:lnSpc>
+                <a:spcPct val="100000"/>
+              </a:lnSpc>
+            </a:pPr>
+            <a:r>
+              <a:rPr lang="en-US">
+                <a:solidFill>
+                  <a:srgbClr val="000000"/>
+                </a:solidFill>
+                <a:latin typeface="Comic Sans MS"/>
+              </a:rPr>
+              <a:t>Make a variable Data element with the name 'score'. </a:t>
+            </a:r>
+            <a:endParaRPr/>
+          </a:p>
+          <a:p>
+            <a:pPr>
+              <a:lnSpc>
+                <a:spcPct val="100000"/>
+              </a:lnSpc>
+            </a:pPr>
+            <a:endParaRPr/>
+          </a:p>
+          <a:p>
+            <a:pPr>
+              <a:lnSpc>
+                <a:spcPct val="100000"/>
+              </a:lnSpc>
+            </a:pPr>
+            <a:r>
+              <a:rPr lang="en-US">
+                <a:solidFill>
+                  <a:srgbClr val="000000"/>
+                </a:solidFill>
+                <a:latin typeface="Comic Sans MS"/>
+              </a:rPr>
+              <a:t>The score will be visible on the screen, with the following code the score will start at 0</a:t>
+            </a:r>
+            <a:endParaRPr/>
+          </a:p>
+        </p:txBody>
+      </p:sp>
+      <p:sp>
+        <p:nvSpPr>
+          <p:cNvPr id="123" name="CustomShape 8"/>
+          <p:cNvSpPr/>
+          <p:nvPr/>
+        </p:nvSpPr>
+        <p:spPr>
+          <a:xfrm>
+            <a:off x="3926880" y="5008680"/>
+            <a:ext cx="4669920" cy="912240"/>
+          </a:xfrm>
+          <a:prstGeom prst="rect">
+            <a:avLst/>
+          </a:prstGeom>
+          <a:noFill/>
+          <a:ln>
+            <a:noFill/>
+          </a:ln>
+        </p:spPr>
+        <p:txBody>
+          <a:bodyPr wrap="none" lIns="90000" tIns="45000" rIns="90000" bIns="45000"/>
+          <a:lstStyle/>
+          <a:p>
+            <a:pPr>
+              <a:lnSpc>
+                <a:spcPct val="100000"/>
+              </a:lnSpc>
+            </a:pPr>
+            <a:r>
+              <a:rPr lang="en-US">
+                <a:solidFill>
+                  <a:srgbClr val="000000"/>
+                </a:solidFill>
+                <a:latin typeface="Calibri"/>
+              </a:rPr>
+              <a:t>The Balloon pop game is almost ready!</a:t>
+            </a:r>
+            <a:endParaRPr/>
+          </a:p>
+          <a:p>
+            <a:pPr>
+              <a:lnSpc>
+                <a:spcPct val="100000"/>
+              </a:lnSpc>
+            </a:pPr>
+            <a:r>
+              <a:rPr lang="en-US">
+                <a:solidFill>
+                  <a:srgbClr val="000000"/>
+                </a:solidFill>
+                <a:latin typeface="Calibri"/>
+              </a:rPr>
+              <a:t>Lets implement counting the points when the </a:t>
+            </a:r>
+            <a:endParaRPr/>
+          </a:p>
+          <a:p>
+            <a:pPr>
+              <a:lnSpc>
+                <a:spcPct val="100000"/>
+              </a:lnSpc>
+            </a:pPr>
+            <a:r>
+              <a:rPr lang="en-US">
+                <a:solidFill>
+                  <a:srgbClr val="000000"/>
+                </a:solidFill>
+                <a:latin typeface="Calibri"/>
+              </a:rPr>
+              <a:t>balloon is hit</a:t>
+            </a:r>
+            <a:endParaRPr/>
+          </a:p>
+        </p:txBody>
+      </p:sp>
       <p:pic>
         <p:nvPicPr>
-          <p:cNvPr id="125" name="" descr=""/>
+          <p:cNvPr id="124" name="Picture 123"/>
           <p:cNvPicPr/>
           <p:nvPr/>
         </p:nvPicPr>
@@ -5404,8 +5692,8 @@
         </p:blipFill>
         <p:spPr>
           <a:xfrm>
-            <a:off x="493200" y="4591440"/>
-            <a:ext cx="2504880" cy="1458000"/>
+            <a:off x="4176000" y="1097280"/>
+            <a:ext cx="3230640" cy="3363480"/>
           </a:xfrm>
           <a:prstGeom prst="rect">
             <a:avLst/>
@@ -5415,24 +5703,52 @@
           </a:ln>
         </p:spPr>
       </p:pic>
+      <p:pic>
+        <p:nvPicPr>
+          <p:cNvPr id="125" name="Picture 124"/>
+          <p:cNvPicPr/>
+          <p:nvPr/>
+        </p:nvPicPr>
+        <p:blipFill>
+          <a:blip r:embed="rId6"/>
+          <a:stretch>
+            <a:fillRect/>
+          </a:stretch>
+        </p:blipFill>
+        <p:spPr>
+          <a:xfrm>
+            <a:off x="493200" y="4591440"/>
+            <a:ext cx="2504880" cy="1458000"/>
+          </a:xfrm>
+          <a:prstGeom prst="rect">
+            <a:avLst/>
+          </a:prstGeom>
+          <a:ln>
+            <a:noFill/>
+          </a:ln>
+        </p:spPr>
+      </p:pic>
     </p:spTree>
   </p:cSld>
+  <p:clrMapOvr>
+    <a:masterClrMapping/>
+  </p:clrMapOvr>
   <p:timing>
     <p:tnLst>
       <p:par>
-        <p:cTn id="13" dur="indefinite" restart="never" nodeType="tmRoot">
+        <p:cTn xmlns:p14="http://schemas.microsoft.com/office/powerpoint/2010/main" id="1" dur="indefinite" restart="never" nodeType="tmRoot">
           <p:childTnLst>
             <p:seq>
-              <p:cTn id="14" nodeType="mainSeq"/>
+              <p:cTn id="2" nodeType="mainSeq"/>
               <p:prevCondLst>
-                <p:cond delay="0" evt="onPrev">
+                <p:cond evt="onPrev" delay="0">
                   <p:tgtEl>
                     <p:sldTgt/>
                   </p:tgtEl>
                 </p:cond>
               </p:prevCondLst>
               <p:nextCondLst>
-                <p:cond delay="0" evt="onNext">
+                <p:cond evt="onNext" delay="0">
                   <p:tgtEl>
                     <p:sldTgt/>
                   </p:tgtEl>
@@ -5448,7 +5764,7 @@
 </file>
 
 <file path=ppt/slides/slide8.xml><?xml version="1.0" encoding="utf-8"?>
-<p:sld xmlns:a="http://schemas.openxmlformats.org/drawingml/2006/main" xmlns:p="http://schemas.openxmlformats.org/presentationml/2006/main" xmlns:r="http://schemas.openxmlformats.org/officeDocument/2006/relationships">
+<p:sld xmlns:a="http://schemas.openxmlformats.org/drawingml/2006/main" xmlns:r="http://schemas.openxmlformats.org/officeDocument/2006/relationships" xmlns:p="http://schemas.openxmlformats.org/presentationml/2006/main">
   <p:cSld>
     <p:spTree>
       <p:nvGrpSpPr>
@@ -5484,17 +5800,18 @@
           </a:ln>
         </p:spPr>
         <p:txBody>
-          <a:bodyPr lIns="90000" rIns="90000" tIns="45000" bIns="45000"/>
-          <a:p>
-            <a:pPr>
-              <a:lnSpc>
-                <a:spcPct val="100000"/>
-              </a:lnSpc>
-            </a:pPr>
-            <a:r>
-              <a:rPr b="1" lang="en-US" sz="4400">
+          <a:bodyPr lIns="90000" tIns="45000" rIns="90000" bIns="45000"/>
+          <a:lstStyle/>
+          <a:p>
+            <a:pPr>
+              <a:lnSpc>
+                <a:spcPct val="100000"/>
+              </a:lnSpc>
+            </a:pPr>
+            <a:r>
+              <a:rPr lang="en-US" sz="4400" b="1">
                 <a:solidFill>
-                  <a:srgbClr val="f3a426"/>
+                  <a:srgbClr val="F3A426"/>
                 </a:solidFill>
                 <a:latin typeface="Verdana"/>
               </a:rPr>
@@ -5544,7 +5861,8 @@
           </a:ln>
         </p:spPr>
         <p:txBody>
-          <a:bodyPr lIns="90000" rIns="90000" tIns="45000" bIns="45000"/>
+          <a:bodyPr lIns="90000" tIns="45000" rIns="90000" bIns="45000"/>
+          <a:lstStyle/>
           <a:p>
             <a:pPr algn="r">
               <a:lnSpc>
@@ -5558,7 +5876,7 @@
                 </a:solidFill>
                 <a:latin typeface="Calibri"/>
               </a:rPr>
-              <a:t>&lt;number&gt;</a:t>
+              <a:t>8</a:t>
             </a:fld>
             <a:endParaRPr/>
           </a:p>
@@ -5584,7 +5902,8 @@
           </a:ln>
         </p:spPr>
         <p:txBody>
-          <a:bodyPr lIns="90000" rIns="90000" tIns="45000" bIns="45000"/>
+          <a:bodyPr lIns="90000" tIns="45000" rIns="90000" bIns="45000"/>
+          <a:lstStyle/>
           <a:p>
             <a:pPr algn="ctr">
               <a:lnSpc>
@@ -5624,7 +5943,8 @@
           </a:ln>
         </p:spPr>
         <p:txBody>
-          <a:bodyPr lIns="90000" rIns="90000" tIns="45000" bIns="45000"/>
+          <a:bodyPr lIns="90000" tIns="45000" rIns="90000" bIns="45000"/>
+          <a:lstStyle/>
           <a:p>
             <a:pPr>
               <a:lnSpc>
@@ -5664,7 +5984,8 @@
           </a:ln>
         </p:spPr>
         <p:txBody>
-          <a:bodyPr wrap="none" lIns="90000" rIns="90000" tIns="45000" bIns="45000"/>
+          <a:bodyPr wrap="none" lIns="90000" tIns="45000" rIns="90000" bIns="45000"/>
+          <a:lstStyle/>
           <a:p>
             <a:pPr>
               <a:lnSpc>
@@ -5686,12 +6007,12 @@
       </p:sp>
       <p:pic>
         <p:nvPicPr>
-          <p:cNvPr id="132" name="Afbeelding 9" descr=""/>
+          <p:cNvPr id="132" name="Afbeelding 9"/>
           <p:cNvPicPr/>
           <p:nvPr/>
         </p:nvPicPr>
         <p:blipFill>
-          <a:blip r:embed="rId1"/>
+          <a:blip r:embed="rId2"/>
           <a:stretch>
             <a:fillRect/>
           </a:stretch>
@@ -5729,7 +6050,8 @@
           </a:ln>
         </p:spPr>
         <p:txBody>
-          <a:bodyPr wrap="none" lIns="90000" rIns="90000" tIns="45000" bIns="45000"/>
+          <a:bodyPr wrap="none" lIns="90000" tIns="45000" rIns="90000" bIns="45000"/>
+          <a:lstStyle/>
           <a:p>
             <a:pPr>
               <a:lnSpc>
@@ -5812,7 +6134,7 @@
                 <a:spcPct val="100000"/>
               </a:lnSpc>
               <a:buBlip>
-                <a:blip r:embed="rId2"/>
+                <a:blip r:embed="rId3"/>
               </a:buBlip>
             </a:pPr>
             <a:r>
@@ -5852,7 +6174,7 @@
                 <a:spcPct val="100000"/>
               </a:lnSpc>
               <a:buBlip>
-                <a:blip r:embed="rId4"/>
+                <a:blip r:embed="rId3"/>
               </a:buBlip>
             </a:pPr>
             <a:r>
@@ -5878,7 +6200,32 @@
       </p:sp>
       <p:pic>
         <p:nvPicPr>
-          <p:cNvPr id="134" name="" descr=""/>
+          <p:cNvPr id="134" name="Picture 133"/>
+          <p:cNvPicPr/>
+          <p:nvPr/>
+        </p:nvPicPr>
+        <p:blipFill>
+          <a:blip r:embed="rId4"/>
+          <a:stretch>
+            <a:fillRect/>
+          </a:stretch>
+        </p:blipFill>
+        <p:spPr>
+          <a:xfrm>
+            <a:off x="4190760" y="5259600"/>
+            <a:ext cx="572760" cy="1095120"/>
+          </a:xfrm>
+          <a:prstGeom prst="rect">
+            <a:avLst/>
+          </a:prstGeom>
+          <a:ln>
+            <a:noFill/>
+          </a:ln>
+        </p:spPr>
+      </p:pic>
+      <p:pic>
+        <p:nvPicPr>
+          <p:cNvPr id="135" name="Picture 134"/>
           <p:cNvPicPr/>
           <p:nvPr/>
         </p:nvPicPr>
@@ -5890,8 +6237,8 @@
         </p:blipFill>
         <p:spPr>
           <a:xfrm>
-            <a:off x="4190760" y="5259600"/>
-            <a:ext cx="572760" cy="1095120"/>
+            <a:off x="503280" y="1531800"/>
+            <a:ext cx="959760" cy="1809720"/>
           </a:xfrm>
           <a:prstGeom prst="rect">
             <a:avLst/>
@@ -5901,49 +6248,27 @@
           </a:ln>
         </p:spPr>
       </p:pic>
-      <p:pic>
-        <p:nvPicPr>
-          <p:cNvPr id="135" name="" descr=""/>
-          <p:cNvPicPr/>
-          <p:nvPr/>
-        </p:nvPicPr>
-        <p:blipFill>
-          <a:blip r:embed="rId6"/>
-          <a:stretch>
-            <a:fillRect/>
-          </a:stretch>
-        </p:blipFill>
-        <p:spPr>
-          <a:xfrm>
-            <a:off x="503280" y="1531800"/>
-            <a:ext cx="959760" cy="1809720"/>
-          </a:xfrm>
-          <a:prstGeom prst="rect">
-            <a:avLst/>
-          </a:prstGeom>
-          <a:ln>
-            <a:noFill/>
-          </a:ln>
-        </p:spPr>
-      </p:pic>
     </p:spTree>
   </p:cSld>
+  <p:clrMapOvr>
+    <a:masterClrMapping/>
+  </p:clrMapOvr>
   <p:timing>
     <p:tnLst>
       <p:par>
-        <p:cTn id="15" dur="indefinite" restart="never" nodeType="tmRoot">
+        <p:cTn xmlns:p14="http://schemas.microsoft.com/office/powerpoint/2010/main" id="1" dur="indefinite" restart="never" nodeType="tmRoot">
           <p:childTnLst>
             <p:seq>
-              <p:cTn id="16" nodeType="mainSeq"/>
+              <p:cTn id="2" nodeType="mainSeq"/>
               <p:prevCondLst>
-                <p:cond delay="0" evt="onPrev">
+                <p:cond evt="onPrev" delay="0">
                   <p:tgtEl>
                     <p:sldTgt/>
                   </p:tgtEl>
                 </p:cond>
               </p:prevCondLst>
               <p:nextCondLst>
-                <p:cond delay="0" evt="onNext">
+                <p:cond evt="onNext" delay="0">
                   <p:tgtEl>
                     <p:sldTgt/>
                   </p:tgtEl>
@@ -6178,6 +6503,8 @@
       </a:bgFillStyleLst>
     </a:fmtScheme>
   </a:themeElements>
+  <a:objectDefaults/>
+  <a:extraClrSchemeLst/>
 </a:theme>
 </file>
 
@@ -6401,5 +6728,7 @@
       </a:bgFillStyleLst>
     </a:fmtScheme>
   </a:themeElements>
+  <a:objectDefaults/>
+  <a:extraClrSchemeLst/>
 </a:theme>
 </file>